--- a/units/unit01_basic_logic/basic_logic.pptx
+++ b/units/unit01_basic_logic/basic_logic.pptx
@@ -5,7 +5,7 @@
     <p:sldMasterId id="2147483648" r:id="rId1"/>
   </p:sldMasterIdLst>
   <p:notesMasterIdLst>
-    <p:notesMasterId r:id="rId51"/>
+    <p:notesMasterId r:id="rId61"/>
   </p:notesMasterIdLst>
   <p:sldIdLst>
     <p:sldId id="258" r:id="rId2"/>
@@ -26,37 +26,47 @@
     <p:sldId id="317" r:id="rId17"/>
     <p:sldId id="318" r:id="rId18"/>
     <p:sldId id="319" r:id="rId19"/>
-    <p:sldId id="292" r:id="rId20"/>
-    <p:sldId id="296" r:id="rId21"/>
-    <p:sldId id="293" r:id="rId22"/>
-    <p:sldId id="294" r:id="rId23"/>
-    <p:sldId id="295" r:id="rId24"/>
-    <p:sldId id="298" r:id="rId25"/>
-    <p:sldId id="297" r:id="rId26"/>
-    <p:sldId id="288" r:id="rId27"/>
-    <p:sldId id="299" r:id="rId28"/>
-    <p:sldId id="300" r:id="rId29"/>
-    <p:sldId id="301" r:id="rId30"/>
-    <p:sldId id="302" r:id="rId31"/>
-    <p:sldId id="307" r:id="rId32"/>
-    <p:sldId id="306" r:id="rId33"/>
-    <p:sldId id="305" r:id="rId34"/>
-    <p:sldId id="303" r:id="rId35"/>
-    <p:sldId id="308" r:id="rId36"/>
-    <p:sldId id="309" r:id="rId37"/>
-    <p:sldId id="310" r:id="rId38"/>
-    <p:sldId id="311" r:id="rId39"/>
-    <p:sldId id="313" r:id="rId40"/>
-    <p:sldId id="314" r:id="rId41"/>
-    <p:sldId id="312" r:id="rId42"/>
-    <p:sldId id="315" r:id="rId43"/>
-    <p:sldId id="320" r:id="rId44"/>
-    <p:sldId id="321" r:id="rId45"/>
-    <p:sldId id="316" r:id="rId46"/>
-    <p:sldId id="322" r:id="rId47"/>
-    <p:sldId id="323" r:id="rId48"/>
-    <p:sldId id="324" r:id="rId49"/>
-    <p:sldId id="325" r:id="rId50"/>
+    <p:sldId id="333" r:id="rId20"/>
+    <p:sldId id="292" r:id="rId21"/>
+    <p:sldId id="296" r:id="rId22"/>
+    <p:sldId id="293" r:id="rId23"/>
+    <p:sldId id="294" r:id="rId24"/>
+    <p:sldId id="295" r:id="rId25"/>
+    <p:sldId id="298" r:id="rId26"/>
+    <p:sldId id="297" r:id="rId27"/>
+    <p:sldId id="288" r:id="rId28"/>
+    <p:sldId id="299" r:id="rId29"/>
+    <p:sldId id="300" r:id="rId30"/>
+    <p:sldId id="301" r:id="rId31"/>
+    <p:sldId id="302" r:id="rId32"/>
+    <p:sldId id="307" r:id="rId33"/>
+    <p:sldId id="306" r:id="rId34"/>
+    <p:sldId id="305" r:id="rId35"/>
+    <p:sldId id="303" r:id="rId36"/>
+    <p:sldId id="308" r:id="rId37"/>
+    <p:sldId id="309" r:id="rId38"/>
+    <p:sldId id="310" r:id="rId39"/>
+    <p:sldId id="311" r:id="rId40"/>
+    <p:sldId id="313" r:id="rId41"/>
+    <p:sldId id="314" r:id="rId42"/>
+    <p:sldId id="312" r:id="rId43"/>
+    <p:sldId id="315" r:id="rId44"/>
+    <p:sldId id="320" r:id="rId45"/>
+    <p:sldId id="321" r:id="rId46"/>
+    <p:sldId id="316" r:id="rId47"/>
+    <p:sldId id="322" r:id="rId48"/>
+    <p:sldId id="323" r:id="rId49"/>
+    <p:sldId id="324" r:id="rId50"/>
+    <p:sldId id="325" r:id="rId51"/>
+    <p:sldId id="328" r:id="rId52"/>
+    <p:sldId id="327" r:id="rId53"/>
+    <p:sldId id="329" r:id="rId54"/>
+    <p:sldId id="330" r:id="rId55"/>
+    <p:sldId id="331" r:id="rId56"/>
+    <p:sldId id="332" r:id="rId57"/>
+    <p:sldId id="326" r:id="rId58"/>
+    <p:sldId id="334" r:id="rId59"/>
+    <p:sldId id="335" r:id="rId60"/>
   </p:sldIdLst>
   <p:sldSz cx="12192000" cy="6858000"/>
   <p:notesSz cx="7315200" cy="9601200"/>
@@ -256,7 +266,7 @@
           <a:p>
             <a:fld id="{B7D6DDD3-D7E9-488B-B626-1E8285E424D8}" type="datetimeFigureOut">
               <a:rPr lang="en-US" smtClean="0"/>
-              <a:t>1/4/2026</a:t>
+              <a:t>1/5/2026</a:t>
             </a:fld>
             <a:endParaRPr lang="en-US"/>
           </a:p>
@@ -4056,16 +4066,17 @@
           <a:lstStyle/>
           <a:p>
             <a:r>
-              <a:rPr lang="en-US" sz="6600" dirty="0"/>
+              <a:rPr lang="en-US" sz="6600"/>
               <a:t>Unit 1 </a:t>
             </a:r>
             <a:br>
-              <a:rPr lang="en-US" sz="6600" dirty="0"/>
+              <a:rPr lang="en-US" sz="6600"/>
             </a:br>
             <a:r>
-              <a:rPr lang="en-US" sz="6600" dirty="0"/>
+              <a:rPr lang="en-US" sz="6600"/>
               <a:t>Basic Digital Logic</a:t>
             </a:r>
+            <a:endParaRPr lang="en-US" sz="6600" dirty="0"/>
           </a:p>
         </p:txBody>
       </p:sp>
@@ -4085,19 +4096,16 @@
           <a:lstStyle/>
           <a:p>
             <a:r>
-              <a:rPr lang="en-US" dirty="0"/>
+              <a:rPr lang="en-US"/>
               <a:t>EL-GY 9463:  Introduction to Hardware Design</a:t>
             </a:r>
           </a:p>
           <a:p>
             <a:r>
-              <a:rPr lang="en-US" dirty="0" err="1"/>
-              <a:t>ProfS.</a:t>
-            </a:r>
-            <a:r>
-              <a:rPr lang="en-US" dirty="0"/>
-              <a:t> Sundeep Rangan, Siddharth Garg</a:t>
-            </a:r>
+              <a:rPr lang="en-US"/>
+              <a:t>ProfS. Sundeep Rangan, Siddharth Garg</a:t>
+            </a:r>
+            <a:endParaRPr lang="en-US" dirty="0"/>
           </a:p>
         </p:txBody>
       </p:sp>
@@ -5820,9 +5828,20 @@
           <a:bodyPr/>
           <a:lstStyle/>
           <a:p>
+            <a:pPr marL="0" indent="0">
+              <a:buNone/>
+            </a:pPr>
             <a:r>
               <a:rPr lang="en-US" dirty="0"/>
-              <a:t>In digital logic, signals are often described by their change points</a:t>
+              <a:t>In digital logic, signals are often described by their </a:t>
+            </a:r>
+            <a:r>
+              <a:rPr lang="en-US" dirty="0">
+                <a:solidFill>
+                  <a:schemeClr val="accent1"/>
+                </a:solidFill>
+              </a:rPr>
+              <a:t>value-change points</a:t>
             </a:r>
           </a:p>
           <a:p>
@@ -8119,6 +8138,863 @@
           <p:cNvPr id="2" name="Title 1">
             <a:extLst>
               <a:ext uri="{FF2B5EF4-FFF2-40B4-BE49-F238E27FC236}">
+                <a16:creationId xmlns:a16="http://schemas.microsoft.com/office/drawing/2014/main" id="{F6DDE036-D666-EF45-CD63-FA963274522A}"/>
+              </a:ext>
+            </a:extLst>
+          </p:cNvPr>
+          <p:cNvSpPr>
+            <a:spLocks noGrp="1"/>
+          </p:cNvSpPr>
+          <p:nvPr>
+            <p:ph type="title"/>
+          </p:nvPr>
+        </p:nvSpPr>
+        <p:spPr/>
+        <p:txBody>
+          <a:bodyPr/>
+          <a:lstStyle/>
+          <a:p>
+            <a:r>
+              <a:rPr lang="en-US" dirty="0"/>
+              <a:t>Drawing Timing Diagrams in Python</a:t>
+            </a:r>
+          </a:p>
+        </p:txBody>
+      </p:sp>
+      <p:sp>
+        <p:nvSpPr>
+          <p:cNvPr id="3" name="Content Placeholder 2">
+            <a:extLst>
+              <a:ext uri="{FF2B5EF4-FFF2-40B4-BE49-F238E27FC236}">
+                <a16:creationId xmlns:a16="http://schemas.microsoft.com/office/drawing/2014/main" id="{8CF1D77C-3506-36B3-0A50-71D74310D4E6}"/>
+              </a:ext>
+            </a:extLst>
+          </p:cNvPr>
+          <p:cNvSpPr>
+            <a:spLocks noGrp="1"/>
+          </p:cNvSpPr>
+          <p:nvPr>
+            <p:ph idx="1"/>
+          </p:nvPr>
+        </p:nvSpPr>
+        <p:spPr/>
+        <p:txBody>
+          <a:bodyPr/>
+          <a:lstStyle/>
+          <a:p>
+            <a:r>
+              <a:rPr lang="en-US" dirty="0"/>
+              <a:t>Course repo contains a </a:t>
+            </a:r>
+            <a:r>
+              <a:rPr lang="en-US" dirty="0" err="1">
+                <a:hlinkClick r:id="rId2"/>
+              </a:rPr>
+              <a:t>xilinxutils</a:t>
+            </a:r>
+            <a:r>
+              <a:rPr lang="en-US" dirty="0">
+                <a:hlinkClick r:id="rId2"/>
+              </a:rPr>
+              <a:t> package</a:t>
+            </a:r>
+            <a:endParaRPr lang="en-US" dirty="0"/>
+          </a:p>
+          <a:p>
+            <a:pPr lvl="1"/>
+            <a:r>
+              <a:rPr lang="en-US" dirty="0"/>
+              <a:t>Custom package in this class</a:t>
+            </a:r>
+          </a:p>
+          <a:p>
+            <a:pPr lvl="1"/>
+            <a:r>
+              <a:rPr lang="en-US" dirty="0"/>
+              <a:t>Many helper routines for Xilinx tools</a:t>
+            </a:r>
+          </a:p>
+          <a:p>
+            <a:r>
+              <a:rPr lang="en-US" dirty="0"/>
+              <a:t>Tools for parsing and visualizing VCD files</a:t>
+            </a:r>
+          </a:p>
+          <a:p>
+            <a:r>
+              <a:rPr lang="en-US" dirty="0"/>
+              <a:t>Code to produce timing diagram</a:t>
+            </a:r>
+          </a:p>
+          <a:p>
+            <a:endParaRPr lang="en-US" dirty="0"/>
+          </a:p>
+          <a:p>
+            <a:endParaRPr lang="en-US" dirty="0"/>
+          </a:p>
+        </p:txBody>
+      </p:sp>
+      <p:sp>
+        <p:nvSpPr>
+          <p:cNvPr id="4" name="Slide Number Placeholder 3">
+            <a:extLst>
+              <a:ext uri="{FF2B5EF4-FFF2-40B4-BE49-F238E27FC236}">
+                <a16:creationId xmlns:a16="http://schemas.microsoft.com/office/drawing/2014/main" id="{FFD8AB31-4A4F-BDC8-BC22-90D7957B69F8}"/>
+              </a:ext>
+            </a:extLst>
+          </p:cNvPr>
+          <p:cNvSpPr>
+            <a:spLocks noGrp="1"/>
+          </p:cNvSpPr>
+          <p:nvPr>
+            <p:ph type="sldNum" sz="quarter" idx="12"/>
+          </p:nvPr>
+        </p:nvSpPr>
+        <p:spPr/>
+        <p:txBody>
+          <a:bodyPr/>
+          <a:lstStyle/>
+          <a:p>
+            <a:fld id="{629637A9-119A-49DA-BD12-AAC58B377D80}" type="slidenum">
+              <a:rPr lang="en-US" smtClean="0"/>
+              <a:t>19</a:t>
+            </a:fld>
+            <a:endParaRPr lang="en-US" dirty="0"/>
+          </a:p>
+        </p:txBody>
+      </p:sp>
+      <p:pic>
+        <p:nvPicPr>
+          <p:cNvPr id="6" name="Picture 5">
+            <a:extLst>
+              <a:ext uri="{FF2B5EF4-FFF2-40B4-BE49-F238E27FC236}">
+                <a16:creationId xmlns:a16="http://schemas.microsoft.com/office/drawing/2014/main" id="{8176A5D7-7183-783F-8A99-303D99B9AB78}"/>
+              </a:ext>
+            </a:extLst>
+          </p:cNvPr>
+          <p:cNvPicPr>
+            <a:picLocks noChangeAspect="1"/>
+          </p:cNvPicPr>
+          <p:nvPr/>
+        </p:nvPicPr>
+        <p:blipFill>
+          <a:blip r:embed="rId3"/>
+          <a:stretch>
+            <a:fillRect/>
+          </a:stretch>
+        </p:blipFill>
+        <p:spPr>
+          <a:xfrm>
+            <a:off x="7598865" y="1462329"/>
+            <a:ext cx="3495855" cy="1552655"/>
+          </a:xfrm>
+          <a:prstGeom prst="rect">
+            <a:avLst/>
+          </a:prstGeom>
+        </p:spPr>
+      </p:pic>
+      <p:pic>
+        <p:nvPicPr>
+          <p:cNvPr id="8" name="Picture 7">
+            <a:extLst>
+              <a:ext uri="{FF2B5EF4-FFF2-40B4-BE49-F238E27FC236}">
+                <a16:creationId xmlns:a16="http://schemas.microsoft.com/office/drawing/2014/main" id="{D8B13CDA-5F87-190D-BAAC-62557220B80D}"/>
+              </a:ext>
+            </a:extLst>
+          </p:cNvPr>
+          <p:cNvPicPr>
+            <a:picLocks noChangeAspect="1"/>
+          </p:cNvPicPr>
+          <p:nvPr/>
+        </p:nvPicPr>
+        <p:blipFill>
+          <a:blip r:embed="rId4"/>
+          <a:stretch>
+            <a:fillRect/>
+          </a:stretch>
+        </p:blipFill>
+        <p:spPr>
+          <a:xfrm>
+            <a:off x="6753674" y="3227447"/>
+            <a:ext cx="4603282" cy="3037901"/>
+          </a:xfrm>
+          <a:prstGeom prst="rect">
+            <a:avLst/>
+          </a:prstGeom>
+        </p:spPr>
+      </p:pic>
+      <p:pic>
+        <p:nvPicPr>
+          <p:cNvPr id="9" name="Picture 8">
+            <a:extLst>
+              <a:ext uri="{FF2B5EF4-FFF2-40B4-BE49-F238E27FC236}">
+                <a16:creationId xmlns:a16="http://schemas.microsoft.com/office/drawing/2014/main" id="{C70BE597-03D8-D39F-2126-DB55488BE7F8}"/>
+              </a:ext>
+            </a:extLst>
+          </p:cNvPr>
+          <p:cNvPicPr>
+            <a:picLocks noChangeAspect="1"/>
+          </p:cNvPicPr>
+          <p:nvPr/>
+        </p:nvPicPr>
+        <p:blipFill>
+          <a:blip r:embed="rId5"/>
+          <a:stretch>
+            <a:fillRect/>
+          </a:stretch>
+        </p:blipFill>
+        <p:spPr>
+          <a:xfrm>
+            <a:off x="662813" y="4383997"/>
+            <a:ext cx="5521561" cy="934726"/>
+          </a:xfrm>
+          <a:prstGeom prst="rect">
+            <a:avLst/>
+          </a:prstGeom>
+        </p:spPr>
+      </p:pic>
+    </p:spTree>
+    <p:extLst>
+      <p:ext uri="{BB962C8B-B14F-4D97-AF65-F5344CB8AC3E}">
+        <p14:creationId xmlns:p14="http://schemas.microsoft.com/office/powerpoint/2010/main" val="2553289699"/>
+      </p:ext>
+    </p:extLst>
+  </p:cSld>
+  <p:clrMapOvr>
+    <a:masterClrMapping/>
+  </p:clrMapOvr>
+</p:sld>
+</file>
+
+<file path=ppt/slides/slide2.xml><?xml version="1.0" encoding="utf-8"?>
+<p:sld xmlns:a="http://schemas.openxmlformats.org/drawingml/2006/main" xmlns:r="http://schemas.openxmlformats.org/officeDocument/2006/relationships" xmlns:p="http://schemas.openxmlformats.org/presentationml/2006/main">
+  <p:cSld>
+    <p:spTree>
+      <p:nvGrpSpPr>
+        <p:cNvPr id="1" name=""/>
+        <p:cNvGrpSpPr/>
+        <p:nvPr/>
+      </p:nvGrpSpPr>
+      <p:grpSpPr>
+        <a:xfrm>
+          <a:off x="0" y="0"/>
+          <a:ext cx="0" cy="0"/>
+          <a:chOff x="0" y="0"/>
+          <a:chExt cx="0" cy="0"/>
+        </a:xfrm>
+      </p:grpSpPr>
+      <p:sp>
+        <p:nvSpPr>
+          <p:cNvPr id="2" name="Title 1"/>
+          <p:cNvSpPr>
+            <a:spLocks noGrp="1"/>
+          </p:cNvSpPr>
+          <p:nvPr>
+            <p:ph type="title"/>
+          </p:nvPr>
+        </p:nvSpPr>
+        <p:spPr/>
+        <p:txBody>
+          <a:bodyPr/>
+          <a:lstStyle/>
+          <a:p>
+            <a:r>
+              <a:rPr lang="en-US" dirty="0"/>
+              <a:t>Learning Objectives</a:t>
+            </a:r>
+          </a:p>
+        </p:txBody>
+      </p:sp>
+      <p:sp>
+        <p:nvSpPr>
+          <p:cNvPr id="3" name="Content Placeholder 2"/>
+          <p:cNvSpPr>
+            <a:spLocks noGrp="1"/>
+          </p:cNvSpPr>
+          <p:nvPr>
+            <p:ph idx="1"/>
+          </p:nvPr>
+        </p:nvSpPr>
+        <p:spPr/>
+        <p:txBody>
+          <a:bodyPr/>
+          <a:lstStyle/>
+          <a:p>
+            <a:r>
+              <a:rPr lang="en-US" dirty="0"/>
+              <a:t>Write </a:t>
+            </a:r>
+            <a:r>
+              <a:rPr lang="en-US" dirty="0" err="1">
+                <a:solidFill>
+                  <a:schemeClr val="accent1">
+                    <a:lumMod val="75000"/>
+                  </a:schemeClr>
+                </a:solidFill>
+              </a:rPr>
+              <a:t>SystemVerilog</a:t>
+            </a:r>
+            <a:r>
+              <a:rPr lang="en-US" dirty="0">
+                <a:solidFill>
+                  <a:schemeClr val="accent1">
+                    <a:lumMod val="75000"/>
+                  </a:schemeClr>
+                </a:solidFill>
+              </a:rPr>
+              <a:t> </a:t>
+            </a:r>
+            <a:r>
+              <a:rPr lang="en-US" dirty="0"/>
+              <a:t>descriptions for simple hardware </a:t>
+            </a:r>
+            <a:r>
+              <a:rPr lang="en-US" dirty="0">
+                <a:solidFill>
+                  <a:schemeClr val="accent1">
+                    <a:lumMod val="75000"/>
+                  </a:schemeClr>
+                </a:solidFill>
+              </a:rPr>
+              <a:t>modules</a:t>
+            </a:r>
+          </a:p>
+          <a:p>
+            <a:r>
+              <a:rPr lang="en-US" dirty="0"/>
+              <a:t>Draw high-level </a:t>
+            </a:r>
+            <a:r>
+              <a:rPr lang="en-US" dirty="0">
+                <a:solidFill>
+                  <a:schemeClr val="accent1">
+                    <a:lumMod val="75000"/>
+                  </a:schemeClr>
+                </a:solidFill>
+              </a:rPr>
+              <a:t>block diagram </a:t>
+            </a:r>
+            <a:r>
+              <a:rPr lang="en-US" dirty="0"/>
+              <a:t>representations of the module implementations</a:t>
+            </a:r>
+          </a:p>
+          <a:p>
+            <a:r>
+              <a:rPr lang="en-US" dirty="0"/>
+              <a:t>Identify the </a:t>
+            </a:r>
+            <a:r>
+              <a:rPr lang="en-US" dirty="0">
+                <a:solidFill>
+                  <a:schemeClr val="accent1">
+                    <a:lumMod val="75000"/>
+                  </a:schemeClr>
+                </a:solidFill>
+              </a:rPr>
+              <a:t>critical path </a:t>
+            </a:r>
+            <a:r>
+              <a:rPr lang="en-US" dirty="0"/>
+              <a:t>and its delay from the block diagram</a:t>
+            </a:r>
+          </a:p>
+          <a:p>
+            <a:r>
+              <a:rPr lang="en-US" dirty="0"/>
+              <a:t>Implement simple functions in synchronous logic</a:t>
+            </a:r>
+          </a:p>
+          <a:p>
+            <a:r>
+              <a:rPr lang="en-US" dirty="0"/>
+              <a:t>Visualize signals in a </a:t>
+            </a:r>
+            <a:r>
+              <a:rPr lang="en-US" dirty="0">
+                <a:solidFill>
+                  <a:schemeClr val="accent1">
+                    <a:lumMod val="75000"/>
+                  </a:schemeClr>
+                </a:solidFill>
+              </a:rPr>
+              <a:t>timing diagram</a:t>
+            </a:r>
+          </a:p>
+          <a:p>
+            <a:r>
+              <a:rPr lang="en-US" dirty="0"/>
+              <a:t>Write a </a:t>
+            </a:r>
+            <a:r>
+              <a:rPr lang="en-US" dirty="0">
+                <a:solidFill>
+                  <a:schemeClr val="accent1">
+                    <a:lumMod val="75000"/>
+                  </a:schemeClr>
+                </a:solidFill>
+              </a:rPr>
+              <a:t>testbench</a:t>
+            </a:r>
+            <a:r>
+              <a:rPr lang="en-US" dirty="0"/>
+              <a:t> for the hardware modules</a:t>
+            </a:r>
+          </a:p>
+          <a:p>
+            <a:r>
+              <a:rPr lang="en-US" dirty="0">
+                <a:solidFill>
+                  <a:schemeClr val="accent1">
+                    <a:lumMod val="75000"/>
+                  </a:schemeClr>
+                </a:solidFill>
+              </a:rPr>
+              <a:t>Simulate</a:t>
+            </a:r>
+            <a:r>
+              <a:rPr lang="en-US" dirty="0"/>
+              <a:t>, and </a:t>
+            </a:r>
+            <a:r>
+              <a:rPr lang="en-US" dirty="0">
+                <a:solidFill>
+                  <a:schemeClr val="accent1">
+                    <a:lumMod val="75000"/>
+                  </a:schemeClr>
+                </a:solidFill>
+              </a:rPr>
+              <a:t>synthesize</a:t>
+            </a:r>
+            <a:r>
+              <a:rPr lang="en-US" dirty="0"/>
+              <a:t> the </a:t>
+            </a:r>
+            <a:r>
+              <a:rPr lang="en-US" dirty="0" err="1"/>
+              <a:t>SystemVerilog</a:t>
+            </a:r>
+            <a:r>
+              <a:rPr lang="en-US" dirty="0"/>
+              <a:t> using </a:t>
+            </a:r>
+            <a:r>
+              <a:rPr lang="en-US" dirty="0" err="1">
+                <a:solidFill>
+                  <a:schemeClr val="accent1">
+                    <a:lumMod val="75000"/>
+                  </a:schemeClr>
+                </a:solidFill>
+              </a:rPr>
+              <a:t>Vivado</a:t>
+            </a:r>
+            <a:r>
+              <a:rPr lang="en-US" dirty="0"/>
+              <a:t> tools</a:t>
+            </a:r>
+          </a:p>
+          <a:p>
+            <a:r>
+              <a:rPr lang="en-US" dirty="0"/>
+              <a:t>Extract </a:t>
+            </a:r>
+            <a:r>
+              <a:rPr lang="en-US" dirty="0">
+                <a:solidFill>
+                  <a:schemeClr val="accent1">
+                    <a:lumMod val="75000"/>
+                  </a:schemeClr>
+                </a:solidFill>
+              </a:rPr>
+              <a:t>value-change dump </a:t>
+            </a:r>
+            <a:r>
+              <a:rPr lang="en-US" dirty="0"/>
+              <a:t>(VCD) files and </a:t>
+            </a:r>
+            <a:r>
+              <a:rPr lang="en-US" dirty="0">
+                <a:solidFill>
+                  <a:schemeClr val="accent1">
+                    <a:lumMod val="75000"/>
+                  </a:schemeClr>
+                </a:solidFill>
+              </a:rPr>
+              <a:t>synthesis reports </a:t>
+            </a:r>
+            <a:r>
+              <a:rPr lang="en-US" dirty="0"/>
+              <a:t>and process them in python </a:t>
+            </a:r>
+          </a:p>
+          <a:p>
+            <a:endParaRPr lang="en-US" dirty="0"/>
+          </a:p>
+          <a:p>
+            <a:endParaRPr lang="en-US" dirty="0"/>
+          </a:p>
+          <a:p>
+            <a:endParaRPr lang="en-US" dirty="0"/>
+          </a:p>
+        </p:txBody>
+      </p:sp>
+      <p:sp>
+        <p:nvSpPr>
+          <p:cNvPr id="4" name="Slide Number Placeholder 3"/>
+          <p:cNvSpPr>
+            <a:spLocks noGrp="1"/>
+          </p:cNvSpPr>
+          <p:nvPr>
+            <p:ph type="sldNum" sz="quarter" idx="12"/>
+          </p:nvPr>
+        </p:nvSpPr>
+        <p:spPr/>
+        <p:txBody>
+          <a:bodyPr/>
+          <a:lstStyle/>
+          <a:p>
+            <a:fld id="{629637A9-119A-49DA-BD12-AAC58B377D80}" type="slidenum">
+              <a:rPr lang="en-US" smtClean="0"/>
+              <a:t>2</a:t>
+            </a:fld>
+            <a:endParaRPr lang="en-US" dirty="0"/>
+          </a:p>
+        </p:txBody>
+      </p:sp>
+    </p:spTree>
+    <p:extLst>
+      <p:ext uri="{BB962C8B-B14F-4D97-AF65-F5344CB8AC3E}">
+        <p14:creationId xmlns:p14="http://schemas.microsoft.com/office/powerpoint/2010/main" val="1998553143"/>
+      </p:ext>
+    </p:extLst>
+  </p:cSld>
+  <p:clrMapOvr>
+    <a:masterClrMapping/>
+  </p:clrMapOvr>
+  <p:timing>
+    <p:tnLst>
+      <p:par>
+        <p:cTn id="1" dur="indefinite" restart="never" nodeType="tmRoot">
+          <p:childTnLst>
+            <p:seq concurrent="1" nextAc="seek">
+              <p:cTn id="2" dur="indefinite" nodeType="mainSeq">
+                <p:childTnLst>
+                  <p:par>
+                    <p:cTn id="3" fill="hold">
+                      <p:stCondLst>
+                        <p:cond delay="indefinite"/>
+                        <p:cond evt="onBegin" delay="0">
+                          <p:tn val="2"/>
+                        </p:cond>
+                      </p:stCondLst>
+                      <p:childTnLst>
+                        <p:par>
+                          <p:cTn id="4" fill="hold">
+                            <p:stCondLst>
+                              <p:cond delay="0"/>
+                            </p:stCondLst>
+                            <p:childTnLst>
+                              <p:par>
+                                <p:cTn id="5" presetID="1" presetClass="entr" presetSubtype="0" fill="hold" nodeType="withEffect">
+                                  <p:stCondLst>
+                                    <p:cond delay="0"/>
+                                  </p:stCondLst>
+                                  <p:childTnLst>
+                                    <p:set>
+                                      <p:cBhvr>
+                                        <p:cTn id="6" dur="1" fill="hold">
+                                          <p:stCondLst>
+                                            <p:cond delay="0"/>
+                                          </p:stCondLst>
+                                        </p:cTn>
+                                        <p:tgtEl>
+                                          <p:spTgt spid="3">
+                                            <p:txEl>
+                                              <p:pRg st="0" end="0"/>
+                                            </p:txEl>
+                                          </p:spTgt>
+                                        </p:tgtEl>
+                                        <p:attrNameLst>
+                                          <p:attrName>style.visibility</p:attrName>
+                                        </p:attrNameLst>
+                                      </p:cBhvr>
+                                      <p:to>
+                                        <p:strVal val="visible"/>
+                                      </p:to>
+                                    </p:set>
+                                  </p:childTnLst>
+                                </p:cTn>
+                              </p:par>
+                              <p:par>
+                                <p:cTn id="7" presetID="1" presetClass="entr" presetSubtype="0" fill="hold" nodeType="withEffect">
+                                  <p:stCondLst>
+                                    <p:cond delay="0"/>
+                                  </p:stCondLst>
+                                  <p:childTnLst>
+                                    <p:set>
+                                      <p:cBhvr>
+                                        <p:cTn id="8" dur="1" fill="hold">
+                                          <p:stCondLst>
+                                            <p:cond delay="0"/>
+                                          </p:stCondLst>
+                                        </p:cTn>
+                                        <p:tgtEl>
+                                          <p:spTgt spid="3">
+                                            <p:txEl>
+                                              <p:pRg st="1" end="1"/>
+                                            </p:txEl>
+                                          </p:spTgt>
+                                        </p:tgtEl>
+                                        <p:attrNameLst>
+                                          <p:attrName>style.visibility</p:attrName>
+                                        </p:attrNameLst>
+                                      </p:cBhvr>
+                                      <p:to>
+                                        <p:strVal val="visible"/>
+                                      </p:to>
+                                    </p:set>
+                                  </p:childTnLst>
+                                </p:cTn>
+                              </p:par>
+                              <p:par>
+                                <p:cTn id="9" presetID="1" presetClass="entr" presetSubtype="0" fill="hold" nodeType="withEffect">
+                                  <p:stCondLst>
+                                    <p:cond delay="0"/>
+                                  </p:stCondLst>
+                                  <p:childTnLst>
+                                    <p:set>
+                                      <p:cBhvr>
+                                        <p:cTn id="10" dur="1" fill="hold">
+                                          <p:stCondLst>
+                                            <p:cond delay="0"/>
+                                          </p:stCondLst>
+                                        </p:cTn>
+                                        <p:tgtEl>
+                                          <p:spTgt spid="3">
+                                            <p:txEl>
+                                              <p:pRg st="2" end="2"/>
+                                            </p:txEl>
+                                          </p:spTgt>
+                                        </p:tgtEl>
+                                        <p:attrNameLst>
+                                          <p:attrName>style.visibility</p:attrName>
+                                        </p:attrNameLst>
+                                      </p:cBhvr>
+                                      <p:to>
+                                        <p:strVal val="visible"/>
+                                      </p:to>
+                                    </p:set>
+                                  </p:childTnLst>
+                                </p:cTn>
+                              </p:par>
+                              <p:par>
+                                <p:cTn id="11" presetID="1" presetClass="entr" presetSubtype="0" fill="hold" nodeType="withEffect">
+                                  <p:stCondLst>
+                                    <p:cond delay="0"/>
+                                  </p:stCondLst>
+                                  <p:childTnLst>
+                                    <p:set>
+                                      <p:cBhvr>
+                                        <p:cTn id="12" dur="1" fill="hold">
+                                          <p:stCondLst>
+                                            <p:cond delay="0"/>
+                                          </p:stCondLst>
+                                        </p:cTn>
+                                        <p:tgtEl>
+                                          <p:spTgt spid="3">
+                                            <p:txEl>
+                                              <p:pRg st="3" end="3"/>
+                                            </p:txEl>
+                                          </p:spTgt>
+                                        </p:tgtEl>
+                                        <p:attrNameLst>
+                                          <p:attrName>style.visibility</p:attrName>
+                                        </p:attrNameLst>
+                                      </p:cBhvr>
+                                      <p:to>
+                                        <p:strVal val="visible"/>
+                                      </p:to>
+                                    </p:set>
+                                  </p:childTnLst>
+                                </p:cTn>
+                              </p:par>
+                              <p:par>
+                                <p:cTn id="13" presetID="1" presetClass="entr" presetSubtype="0" fill="hold" nodeType="withEffect">
+                                  <p:stCondLst>
+                                    <p:cond delay="0"/>
+                                  </p:stCondLst>
+                                  <p:childTnLst>
+                                    <p:set>
+                                      <p:cBhvr>
+                                        <p:cTn id="14" dur="1" fill="hold">
+                                          <p:stCondLst>
+                                            <p:cond delay="0"/>
+                                          </p:stCondLst>
+                                        </p:cTn>
+                                        <p:tgtEl>
+                                          <p:spTgt spid="3">
+                                            <p:txEl>
+                                              <p:pRg st="4" end="4"/>
+                                            </p:txEl>
+                                          </p:spTgt>
+                                        </p:tgtEl>
+                                        <p:attrNameLst>
+                                          <p:attrName>style.visibility</p:attrName>
+                                        </p:attrNameLst>
+                                      </p:cBhvr>
+                                      <p:to>
+                                        <p:strVal val="visible"/>
+                                      </p:to>
+                                    </p:set>
+                                  </p:childTnLst>
+                                </p:cTn>
+                              </p:par>
+                              <p:par>
+                                <p:cTn id="15" presetID="1" presetClass="entr" presetSubtype="0" fill="hold" nodeType="withEffect">
+                                  <p:stCondLst>
+                                    <p:cond delay="0"/>
+                                  </p:stCondLst>
+                                  <p:childTnLst>
+                                    <p:set>
+                                      <p:cBhvr>
+                                        <p:cTn id="16" dur="1" fill="hold">
+                                          <p:stCondLst>
+                                            <p:cond delay="0"/>
+                                          </p:stCondLst>
+                                        </p:cTn>
+                                        <p:tgtEl>
+                                          <p:spTgt spid="3">
+                                            <p:txEl>
+                                              <p:pRg st="5" end="5"/>
+                                            </p:txEl>
+                                          </p:spTgt>
+                                        </p:tgtEl>
+                                        <p:attrNameLst>
+                                          <p:attrName>style.visibility</p:attrName>
+                                        </p:attrNameLst>
+                                      </p:cBhvr>
+                                      <p:to>
+                                        <p:strVal val="visible"/>
+                                      </p:to>
+                                    </p:set>
+                                  </p:childTnLst>
+                                </p:cTn>
+                              </p:par>
+                              <p:par>
+                                <p:cTn id="17" presetID="1" presetClass="entr" presetSubtype="0" fill="hold" nodeType="withEffect">
+                                  <p:stCondLst>
+                                    <p:cond delay="0"/>
+                                  </p:stCondLst>
+                                  <p:childTnLst>
+                                    <p:set>
+                                      <p:cBhvr>
+                                        <p:cTn id="18" dur="1" fill="hold">
+                                          <p:stCondLst>
+                                            <p:cond delay="0"/>
+                                          </p:stCondLst>
+                                        </p:cTn>
+                                        <p:tgtEl>
+                                          <p:spTgt spid="3">
+                                            <p:txEl>
+                                              <p:pRg st="6" end="6"/>
+                                            </p:txEl>
+                                          </p:spTgt>
+                                        </p:tgtEl>
+                                        <p:attrNameLst>
+                                          <p:attrName>style.visibility</p:attrName>
+                                        </p:attrNameLst>
+                                      </p:cBhvr>
+                                      <p:to>
+                                        <p:strVal val="visible"/>
+                                      </p:to>
+                                    </p:set>
+                                  </p:childTnLst>
+                                </p:cTn>
+                              </p:par>
+                              <p:par>
+                                <p:cTn id="19" presetID="1" presetClass="entr" presetSubtype="0" fill="hold" nodeType="withEffect">
+                                  <p:stCondLst>
+                                    <p:cond delay="0"/>
+                                  </p:stCondLst>
+                                  <p:childTnLst>
+                                    <p:set>
+                                      <p:cBhvr>
+                                        <p:cTn id="20" dur="1" fill="hold">
+                                          <p:stCondLst>
+                                            <p:cond delay="0"/>
+                                          </p:stCondLst>
+                                        </p:cTn>
+                                        <p:tgtEl>
+                                          <p:spTgt spid="3">
+                                            <p:txEl>
+                                              <p:pRg st="7" end="7"/>
+                                            </p:txEl>
+                                          </p:spTgt>
+                                        </p:tgtEl>
+                                        <p:attrNameLst>
+                                          <p:attrName>style.visibility</p:attrName>
+                                        </p:attrNameLst>
+                                      </p:cBhvr>
+                                      <p:to>
+                                        <p:strVal val="visible"/>
+                                      </p:to>
+                                    </p:set>
+                                  </p:childTnLst>
+                                </p:cTn>
+                              </p:par>
+                            </p:childTnLst>
+                          </p:cTn>
+                        </p:par>
+                      </p:childTnLst>
+                    </p:cTn>
+                  </p:par>
+                </p:childTnLst>
+              </p:cTn>
+              <p:prevCondLst>
+                <p:cond evt="onPrev" delay="0">
+                  <p:tgtEl>
+                    <p:sldTgt/>
+                  </p:tgtEl>
+                </p:cond>
+              </p:prevCondLst>
+              <p:nextCondLst>
+                <p:cond evt="onNext" delay="0">
+                  <p:tgtEl>
+                    <p:sldTgt/>
+                  </p:tgtEl>
+                </p:cond>
+              </p:nextCondLst>
+            </p:seq>
+          </p:childTnLst>
+        </p:cTn>
+      </p:par>
+    </p:tnLst>
+  </p:timing>
+</p:sld>
+</file>
+
+<file path=ppt/slides/slide20.xml><?xml version="1.0" encoding="utf-8"?>
+<p:sld xmlns:a="http://schemas.openxmlformats.org/drawingml/2006/main" xmlns:r="http://schemas.openxmlformats.org/officeDocument/2006/relationships" xmlns:p="http://schemas.openxmlformats.org/presentationml/2006/main">
+  <p:cSld>
+    <p:spTree>
+      <p:nvGrpSpPr>
+        <p:cNvPr id="1" name=""/>
+        <p:cNvGrpSpPr/>
+        <p:nvPr/>
+      </p:nvGrpSpPr>
+      <p:grpSpPr>
+        <a:xfrm>
+          <a:off x="0" y="0"/>
+          <a:ext cx="0" cy="0"/>
+          <a:chOff x="0" y="0"/>
+          <a:chExt cx="0" cy="0"/>
+        </a:xfrm>
+      </p:grpSpPr>
+      <p:sp>
+        <p:nvSpPr>
+          <p:cNvPr id="2" name="Title 1">
+            <a:extLst>
+              <a:ext uri="{FF2B5EF4-FFF2-40B4-BE49-F238E27FC236}">
                 <a16:creationId xmlns:a16="http://schemas.microsoft.com/office/drawing/2014/main" id="{C427DC26-E3A5-F949-2640-10973AE363F3}"/>
               </a:ext>
             </a:extLst>
@@ -8382,7 +9258,7 @@
           <a:p>
             <a:fld id="{629637A9-119A-49DA-BD12-AAC58B377D80}" type="slidenum">
               <a:rPr lang="en-US" smtClean="0"/>
-              <a:t>19</a:t>
+              <a:t>20</a:t>
             </a:fld>
             <a:endParaRPr lang="en-US" dirty="0"/>
           </a:p>
@@ -8776,614 +9652,7 @@
 </p:sld>
 </file>
 
-<file path=ppt/slides/slide2.xml><?xml version="1.0" encoding="utf-8"?>
-<p:sld xmlns:a="http://schemas.openxmlformats.org/drawingml/2006/main" xmlns:r="http://schemas.openxmlformats.org/officeDocument/2006/relationships" xmlns:p="http://schemas.openxmlformats.org/presentationml/2006/main">
-  <p:cSld>
-    <p:spTree>
-      <p:nvGrpSpPr>
-        <p:cNvPr id="1" name=""/>
-        <p:cNvGrpSpPr/>
-        <p:nvPr/>
-      </p:nvGrpSpPr>
-      <p:grpSpPr>
-        <a:xfrm>
-          <a:off x="0" y="0"/>
-          <a:ext cx="0" cy="0"/>
-          <a:chOff x="0" y="0"/>
-          <a:chExt cx="0" cy="0"/>
-        </a:xfrm>
-      </p:grpSpPr>
-      <p:sp>
-        <p:nvSpPr>
-          <p:cNvPr id="2" name="Title 1"/>
-          <p:cNvSpPr>
-            <a:spLocks noGrp="1"/>
-          </p:cNvSpPr>
-          <p:nvPr>
-            <p:ph type="title"/>
-          </p:nvPr>
-        </p:nvSpPr>
-        <p:spPr/>
-        <p:txBody>
-          <a:bodyPr/>
-          <a:lstStyle/>
-          <a:p>
-            <a:r>
-              <a:rPr lang="en-US" dirty="0"/>
-              <a:t>Learning Objectives</a:t>
-            </a:r>
-          </a:p>
-        </p:txBody>
-      </p:sp>
-      <p:sp>
-        <p:nvSpPr>
-          <p:cNvPr id="3" name="Content Placeholder 2"/>
-          <p:cNvSpPr>
-            <a:spLocks noGrp="1"/>
-          </p:cNvSpPr>
-          <p:nvPr>
-            <p:ph idx="1"/>
-          </p:nvPr>
-        </p:nvSpPr>
-        <p:spPr/>
-        <p:txBody>
-          <a:bodyPr/>
-          <a:lstStyle/>
-          <a:p>
-            <a:r>
-              <a:rPr lang="en-US" dirty="0"/>
-              <a:t>Write </a:t>
-            </a:r>
-            <a:r>
-              <a:rPr lang="en-US" dirty="0" err="1">
-                <a:solidFill>
-                  <a:schemeClr val="accent1">
-                    <a:lumMod val="75000"/>
-                  </a:schemeClr>
-                </a:solidFill>
-              </a:rPr>
-              <a:t>SystemVerilog</a:t>
-            </a:r>
-            <a:r>
-              <a:rPr lang="en-US" dirty="0">
-                <a:solidFill>
-                  <a:schemeClr val="accent1">
-                    <a:lumMod val="75000"/>
-                  </a:schemeClr>
-                </a:solidFill>
-              </a:rPr>
-              <a:t> </a:t>
-            </a:r>
-            <a:r>
-              <a:rPr lang="en-US" dirty="0"/>
-              <a:t>descriptions for simple hardware </a:t>
-            </a:r>
-            <a:r>
-              <a:rPr lang="en-US" dirty="0">
-                <a:solidFill>
-                  <a:schemeClr val="accent1">
-                    <a:lumMod val="75000"/>
-                  </a:schemeClr>
-                </a:solidFill>
-              </a:rPr>
-              <a:t>modules</a:t>
-            </a:r>
-          </a:p>
-          <a:p>
-            <a:r>
-              <a:rPr lang="en-US" dirty="0"/>
-              <a:t>Draw high-level </a:t>
-            </a:r>
-            <a:r>
-              <a:rPr lang="en-US" dirty="0">
-                <a:solidFill>
-                  <a:schemeClr val="accent1">
-                    <a:lumMod val="75000"/>
-                  </a:schemeClr>
-                </a:solidFill>
-              </a:rPr>
-              <a:t>block diagram </a:t>
-            </a:r>
-            <a:r>
-              <a:rPr lang="en-US" dirty="0"/>
-              <a:t>representations of the module implementations</a:t>
-            </a:r>
-          </a:p>
-          <a:p>
-            <a:r>
-              <a:rPr lang="en-US" dirty="0"/>
-              <a:t>Identify the </a:t>
-            </a:r>
-            <a:r>
-              <a:rPr lang="en-US" dirty="0">
-                <a:solidFill>
-                  <a:schemeClr val="accent1">
-                    <a:lumMod val="75000"/>
-                  </a:schemeClr>
-                </a:solidFill>
-              </a:rPr>
-              <a:t>critical path </a:t>
-            </a:r>
-            <a:r>
-              <a:rPr lang="en-US" dirty="0"/>
-              <a:t>and its delay from the block diagram</a:t>
-            </a:r>
-          </a:p>
-          <a:p>
-            <a:r>
-              <a:rPr lang="en-US" dirty="0"/>
-              <a:t>Implement simple functions in synchronous logic</a:t>
-            </a:r>
-          </a:p>
-          <a:p>
-            <a:r>
-              <a:rPr lang="en-US" dirty="0"/>
-              <a:t>Visualize signals in a </a:t>
-            </a:r>
-            <a:r>
-              <a:rPr lang="en-US" dirty="0">
-                <a:solidFill>
-                  <a:schemeClr val="accent1">
-                    <a:lumMod val="75000"/>
-                  </a:schemeClr>
-                </a:solidFill>
-              </a:rPr>
-              <a:t>timing diagram</a:t>
-            </a:r>
-          </a:p>
-          <a:p>
-            <a:r>
-              <a:rPr lang="en-US" dirty="0"/>
-              <a:t>Write a </a:t>
-            </a:r>
-            <a:r>
-              <a:rPr lang="en-US" dirty="0">
-                <a:solidFill>
-                  <a:schemeClr val="accent1">
-                    <a:lumMod val="75000"/>
-                  </a:schemeClr>
-                </a:solidFill>
-              </a:rPr>
-              <a:t>testbench</a:t>
-            </a:r>
-            <a:r>
-              <a:rPr lang="en-US" dirty="0"/>
-              <a:t> for the hardware modules</a:t>
-            </a:r>
-          </a:p>
-          <a:p>
-            <a:r>
-              <a:rPr lang="en-US" dirty="0">
-                <a:solidFill>
-                  <a:schemeClr val="accent1">
-                    <a:lumMod val="75000"/>
-                  </a:schemeClr>
-                </a:solidFill>
-              </a:rPr>
-              <a:t>Simulate</a:t>
-            </a:r>
-            <a:r>
-              <a:rPr lang="en-US" dirty="0"/>
-              <a:t>, and </a:t>
-            </a:r>
-            <a:r>
-              <a:rPr lang="en-US" dirty="0">
-                <a:solidFill>
-                  <a:schemeClr val="accent1">
-                    <a:lumMod val="75000"/>
-                  </a:schemeClr>
-                </a:solidFill>
-              </a:rPr>
-              <a:t>synthesize</a:t>
-            </a:r>
-            <a:r>
-              <a:rPr lang="en-US" dirty="0"/>
-              <a:t> the </a:t>
-            </a:r>
-            <a:r>
-              <a:rPr lang="en-US" dirty="0" err="1"/>
-              <a:t>SystemVerilog</a:t>
-            </a:r>
-            <a:r>
-              <a:rPr lang="en-US" dirty="0"/>
-              <a:t> using </a:t>
-            </a:r>
-            <a:r>
-              <a:rPr lang="en-US" dirty="0" err="1">
-                <a:solidFill>
-                  <a:schemeClr val="accent1">
-                    <a:lumMod val="75000"/>
-                  </a:schemeClr>
-                </a:solidFill>
-              </a:rPr>
-              <a:t>Vivado</a:t>
-            </a:r>
-            <a:r>
-              <a:rPr lang="en-US" dirty="0"/>
-              <a:t> tools</a:t>
-            </a:r>
-          </a:p>
-          <a:p>
-            <a:r>
-              <a:rPr lang="en-US" dirty="0"/>
-              <a:t>Extract </a:t>
-            </a:r>
-            <a:r>
-              <a:rPr lang="en-US" dirty="0">
-                <a:solidFill>
-                  <a:schemeClr val="accent1">
-                    <a:lumMod val="75000"/>
-                  </a:schemeClr>
-                </a:solidFill>
-              </a:rPr>
-              <a:t>value-change dump </a:t>
-            </a:r>
-            <a:r>
-              <a:rPr lang="en-US" dirty="0"/>
-              <a:t>(VCD) files and </a:t>
-            </a:r>
-            <a:r>
-              <a:rPr lang="en-US" dirty="0">
-                <a:solidFill>
-                  <a:schemeClr val="accent1">
-                    <a:lumMod val="75000"/>
-                  </a:schemeClr>
-                </a:solidFill>
-              </a:rPr>
-              <a:t>synthesis reports </a:t>
-            </a:r>
-            <a:r>
-              <a:rPr lang="en-US" dirty="0"/>
-              <a:t>and process them in python </a:t>
-            </a:r>
-          </a:p>
-          <a:p>
-            <a:endParaRPr lang="en-US" dirty="0"/>
-          </a:p>
-          <a:p>
-            <a:endParaRPr lang="en-US" dirty="0"/>
-          </a:p>
-          <a:p>
-            <a:endParaRPr lang="en-US" dirty="0"/>
-          </a:p>
-        </p:txBody>
-      </p:sp>
-      <p:sp>
-        <p:nvSpPr>
-          <p:cNvPr id="4" name="Slide Number Placeholder 3"/>
-          <p:cNvSpPr>
-            <a:spLocks noGrp="1"/>
-          </p:cNvSpPr>
-          <p:nvPr>
-            <p:ph type="sldNum" sz="quarter" idx="12"/>
-          </p:nvPr>
-        </p:nvSpPr>
-        <p:spPr/>
-        <p:txBody>
-          <a:bodyPr/>
-          <a:lstStyle/>
-          <a:p>
-            <a:fld id="{629637A9-119A-49DA-BD12-AAC58B377D80}" type="slidenum">
-              <a:rPr lang="en-US" smtClean="0"/>
-              <a:t>2</a:t>
-            </a:fld>
-            <a:endParaRPr lang="en-US" dirty="0"/>
-          </a:p>
-        </p:txBody>
-      </p:sp>
-    </p:spTree>
-    <p:extLst>
-      <p:ext uri="{BB962C8B-B14F-4D97-AF65-F5344CB8AC3E}">
-        <p14:creationId xmlns:p14="http://schemas.microsoft.com/office/powerpoint/2010/main" val="1998553143"/>
-      </p:ext>
-    </p:extLst>
-  </p:cSld>
-  <p:clrMapOvr>
-    <a:masterClrMapping/>
-  </p:clrMapOvr>
-  <p:timing>
-    <p:tnLst>
-      <p:par>
-        <p:cTn id="1" dur="indefinite" restart="never" nodeType="tmRoot">
-          <p:childTnLst>
-            <p:seq concurrent="1" nextAc="seek">
-              <p:cTn id="2" dur="indefinite" nodeType="mainSeq">
-                <p:childTnLst>
-                  <p:par>
-                    <p:cTn id="3" fill="hold">
-                      <p:stCondLst>
-                        <p:cond delay="indefinite"/>
-                        <p:cond evt="onBegin" delay="0">
-                          <p:tn val="2"/>
-                        </p:cond>
-                      </p:stCondLst>
-                      <p:childTnLst>
-                        <p:par>
-                          <p:cTn id="4" fill="hold">
-                            <p:stCondLst>
-                              <p:cond delay="0"/>
-                            </p:stCondLst>
-                            <p:childTnLst>
-                              <p:par>
-                                <p:cTn id="5" presetID="1" presetClass="entr" presetSubtype="0" fill="hold" nodeType="withEffect">
-                                  <p:stCondLst>
-                                    <p:cond delay="0"/>
-                                  </p:stCondLst>
-                                  <p:childTnLst>
-                                    <p:set>
-                                      <p:cBhvr>
-                                        <p:cTn id="6" dur="1" fill="hold">
-                                          <p:stCondLst>
-                                            <p:cond delay="0"/>
-                                          </p:stCondLst>
-                                        </p:cTn>
-                                        <p:tgtEl>
-                                          <p:spTgt spid="3">
-                                            <p:txEl>
-                                              <p:pRg st="0" end="0"/>
-                                            </p:txEl>
-                                          </p:spTgt>
-                                        </p:tgtEl>
-                                        <p:attrNameLst>
-                                          <p:attrName>style.visibility</p:attrName>
-                                        </p:attrNameLst>
-                                      </p:cBhvr>
-                                      <p:to>
-                                        <p:strVal val="visible"/>
-                                      </p:to>
-                                    </p:set>
-                                  </p:childTnLst>
-                                </p:cTn>
-                              </p:par>
-                              <p:par>
-                                <p:cTn id="7" presetID="1" presetClass="entr" presetSubtype="0" fill="hold" nodeType="withEffect">
-                                  <p:stCondLst>
-                                    <p:cond delay="0"/>
-                                  </p:stCondLst>
-                                  <p:childTnLst>
-                                    <p:set>
-                                      <p:cBhvr>
-                                        <p:cTn id="8" dur="1" fill="hold">
-                                          <p:stCondLst>
-                                            <p:cond delay="0"/>
-                                          </p:stCondLst>
-                                        </p:cTn>
-                                        <p:tgtEl>
-                                          <p:spTgt spid="3">
-                                            <p:txEl>
-                                              <p:pRg st="1" end="1"/>
-                                            </p:txEl>
-                                          </p:spTgt>
-                                        </p:tgtEl>
-                                        <p:attrNameLst>
-                                          <p:attrName>style.visibility</p:attrName>
-                                        </p:attrNameLst>
-                                      </p:cBhvr>
-                                      <p:to>
-                                        <p:strVal val="visible"/>
-                                      </p:to>
-                                    </p:set>
-                                  </p:childTnLst>
-                                </p:cTn>
-                              </p:par>
-                              <p:par>
-                                <p:cTn id="9" presetID="1" presetClass="entr" presetSubtype="0" fill="hold" nodeType="withEffect">
-                                  <p:stCondLst>
-                                    <p:cond delay="0"/>
-                                  </p:stCondLst>
-                                  <p:childTnLst>
-                                    <p:set>
-                                      <p:cBhvr>
-                                        <p:cTn id="10" dur="1" fill="hold">
-                                          <p:stCondLst>
-                                            <p:cond delay="0"/>
-                                          </p:stCondLst>
-                                        </p:cTn>
-                                        <p:tgtEl>
-                                          <p:spTgt spid="3">
-                                            <p:txEl>
-                                              <p:pRg st="2" end="2"/>
-                                            </p:txEl>
-                                          </p:spTgt>
-                                        </p:tgtEl>
-                                        <p:attrNameLst>
-                                          <p:attrName>style.visibility</p:attrName>
-                                        </p:attrNameLst>
-                                      </p:cBhvr>
-                                      <p:to>
-                                        <p:strVal val="visible"/>
-                                      </p:to>
-                                    </p:set>
-                                  </p:childTnLst>
-                                </p:cTn>
-                              </p:par>
-                              <p:par>
-                                <p:cTn id="11" presetID="1" presetClass="entr" presetSubtype="0" fill="hold" nodeType="withEffect">
-                                  <p:stCondLst>
-                                    <p:cond delay="0"/>
-                                  </p:stCondLst>
-                                  <p:childTnLst>
-                                    <p:set>
-                                      <p:cBhvr>
-                                        <p:cTn id="12" dur="1" fill="hold">
-                                          <p:stCondLst>
-                                            <p:cond delay="0"/>
-                                          </p:stCondLst>
-                                        </p:cTn>
-                                        <p:tgtEl>
-                                          <p:spTgt spid="3">
-                                            <p:txEl>
-                                              <p:pRg st="3" end="3"/>
-                                            </p:txEl>
-                                          </p:spTgt>
-                                        </p:tgtEl>
-                                        <p:attrNameLst>
-                                          <p:attrName>style.visibility</p:attrName>
-                                        </p:attrNameLst>
-                                      </p:cBhvr>
-                                      <p:to>
-                                        <p:strVal val="visible"/>
-                                      </p:to>
-                                    </p:set>
-                                  </p:childTnLst>
-                                </p:cTn>
-                              </p:par>
-                              <p:par>
-                                <p:cTn id="13" presetID="1" presetClass="entr" presetSubtype="0" fill="hold" nodeType="withEffect">
-                                  <p:stCondLst>
-                                    <p:cond delay="0"/>
-                                  </p:stCondLst>
-                                  <p:childTnLst>
-                                    <p:set>
-                                      <p:cBhvr>
-                                        <p:cTn id="14" dur="1" fill="hold">
-                                          <p:stCondLst>
-                                            <p:cond delay="0"/>
-                                          </p:stCondLst>
-                                        </p:cTn>
-                                        <p:tgtEl>
-                                          <p:spTgt spid="3">
-                                            <p:txEl>
-                                              <p:pRg st="4" end="4"/>
-                                            </p:txEl>
-                                          </p:spTgt>
-                                        </p:tgtEl>
-                                        <p:attrNameLst>
-                                          <p:attrName>style.visibility</p:attrName>
-                                        </p:attrNameLst>
-                                      </p:cBhvr>
-                                      <p:to>
-                                        <p:strVal val="visible"/>
-                                      </p:to>
-                                    </p:set>
-                                  </p:childTnLst>
-                                </p:cTn>
-                              </p:par>
-                              <p:par>
-                                <p:cTn id="15" presetID="1" presetClass="entr" presetSubtype="0" fill="hold" nodeType="withEffect">
-                                  <p:stCondLst>
-                                    <p:cond delay="0"/>
-                                  </p:stCondLst>
-                                  <p:childTnLst>
-                                    <p:set>
-                                      <p:cBhvr>
-                                        <p:cTn id="16" dur="1" fill="hold">
-                                          <p:stCondLst>
-                                            <p:cond delay="0"/>
-                                          </p:stCondLst>
-                                        </p:cTn>
-                                        <p:tgtEl>
-                                          <p:spTgt spid="3">
-                                            <p:txEl>
-                                              <p:pRg st="5" end="5"/>
-                                            </p:txEl>
-                                          </p:spTgt>
-                                        </p:tgtEl>
-                                        <p:attrNameLst>
-                                          <p:attrName>style.visibility</p:attrName>
-                                        </p:attrNameLst>
-                                      </p:cBhvr>
-                                      <p:to>
-                                        <p:strVal val="visible"/>
-                                      </p:to>
-                                    </p:set>
-                                  </p:childTnLst>
-                                </p:cTn>
-                              </p:par>
-                              <p:par>
-                                <p:cTn id="17" presetID="1" presetClass="entr" presetSubtype="0" fill="hold" nodeType="withEffect">
-                                  <p:stCondLst>
-                                    <p:cond delay="0"/>
-                                  </p:stCondLst>
-                                  <p:childTnLst>
-                                    <p:set>
-                                      <p:cBhvr>
-                                        <p:cTn id="18" dur="1" fill="hold">
-                                          <p:stCondLst>
-                                            <p:cond delay="0"/>
-                                          </p:stCondLst>
-                                        </p:cTn>
-                                        <p:tgtEl>
-                                          <p:spTgt spid="3">
-                                            <p:txEl>
-                                              <p:pRg st="6" end="6"/>
-                                            </p:txEl>
-                                          </p:spTgt>
-                                        </p:tgtEl>
-                                        <p:attrNameLst>
-                                          <p:attrName>style.visibility</p:attrName>
-                                        </p:attrNameLst>
-                                      </p:cBhvr>
-                                      <p:to>
-                                        <p:strVal val="visible"/>
-                                      </p:to>
-                                    </p:set>
-                                  </p:childTnLst>
-                                </p:cTn>
-                              </p:par>
-                              <p:par>
-                                <p:cTn id="19" presetID="1" presetClass="entr" presetSubtype="0" fill="hold" nodeType="withEffect">
-                                  <p:stCondLst>
-                                    <p:cond delay="0"/>
-                                  </p:stCondLst>
-                                  <p:childTnLst>
-                                    <p:set>
-                                      <p:cBhvr>
-                                        <p:cTn id="20" dur="1" fill="hold">
-                                          <p:stCondLst>
-                                            <p:cond delay="0"/>
-                                          </p:stCondLst>
-                                        </p:cTn>
-                                        <p:tgtEl>
-                                          <p:spTgt spid="3">
-                                            <p:txEl>
-                                              <p:pRg st="7" end="7"/>
-                                            </p:txEl>
-                                          </p:spTgt>
-                                        </p:tgtEl>
-                                        <p:attrNameLst>
-                                          <p:attrName>style.visibility</p:attrName>
-                                        </p:attrNameLst>
-                                      </p:cBhvr>
-                                      <p:to>
-                                        <p:strVal val="visible"/>
-                                      </p:to>
-                                    </p:set>
-                                  </p:childTnLst>
-                                </p:cTn>
-                              </p:par>
-                            </p:childTnLst>
-                          </p:cTn>
-                        </p:par>
-                      </p:childTnLst>
-                    </p:cTn>
-                  </p:par>
-                </p:childTnLst>
-              </p:cTn>
-              <p:prevCondLst>
-                <p:cond evt="onPrev" delay="0">
-                  <p:tgtEl>
-                    <p:sldTgt/>
-                  </p:tgtEl>
-                </p:cond>
-              </p:prevCondLst>
-              <p:nextCondLst>
-                <p:cond evt="onNext" delay="0">
-                  <p:tgtEl>
-                    <p:sldTgt/>
-                  </p:tgtEl>
-                </p:cond>
-              </p:nextCondLst>
-            </p:seq>
-          </p:childTnLst>
-        </p:cTn>
-      </p:par>
-    </p:tnLst>
-  </p:timing>
-</p:sld>
-</file>
-
-<file path=ppt/slides/slide20.xml><?xml version="1.0" encoding="utf-8"?>
+<file path=ppt/slides/slide21.xml><?xml version="1.0" encoding="utf-8"?>
 <p:sld xmlns:a="http://schemas.openxmlformats.org/drawingml/2006/main" xmlns:r="http://schemas.openxmlformats.org/officeDocument/2006/relationships" xmlns:p="http://schemas.openxmlformats.org/presentationml/2006/main">
   <p:cSld>
     <p:spTree>
@@ -9490,7 +9759,7 @@
           <a:p>
             <a:fld id="{629637A9-119A-49DA-BD12-AAC58B377D80}" type="slidenum">
               <a:rPr lang="en-US" smtClean="0"/>
-              <a:t>20</a:t>
+              <a:t>21</a:t>
             </a:fld>
             <a:endParaRPr lang="en-US" dirty="0"/>
           </a:p>
@@ -10973,7 +11242,7 @@
 </p:sld>
 </file>
 
-<file path=ppt/slides/slide21.xml><?xml version="1.0" encoding="utf-8"?>
+<file path=ppt/slides/slide22.xml><?xml version="1.0" encoding="utf-8"?>
 <p:sld xmlns:a="http://schemas.openxmlformats.org/drawingml/2006/main" xmlns:r="http://schemas.openxmlformats.org/officeDocument/2006/relationships" xmlns:p="http://schemas.openxmlformats.org/presentationml/2006/main">
   <p:cSld>
     <p:spTree>
@@ -11041,7 +11310,7 @@
           <a:p>
             <a:fld id="{629637A9-119A-49DA-BD12-AAC58B377D80}" type="slidenum">
               <a:rPr lang="en-US" smtClean="0"/>
-              <a:t>21</a:t>
+              <a:t>22</a:t>
             </a:fld>
             <a:endParaRPr lang="en-US" dirty="0"/>
           </a:p>
@@ -11090,7 +11359,7 @@
 </p:sld>
 </file>
 
-<file path=ppt/slides/slide22.xml><?xml version="1.0" encoding="utf-8"?>
+<file path=ppt/slides/slide23.xml><?xml version="1.0" encoding="utf-8"?>
 <p:sld xmlns:a="http://schemas.openxmlformats.org/drawingml/2006/main" xmlns:r="http://schemas.openxmlformats.org/officeDocument/2006/relationships" xmlns:p="http://schemas.openxmlformats.org/presentationml/2006/main">
   <p:cSld>
     <p:spTree>
@@ -11419,7 +11688,7 @@
           <a:p>
             <a:fld id="{629637A9-119A-49DA-BD12-AAC58B377D80}" type="slidenum">
               <a:rPr lang="en-US" smtClean="0"/>
-              <a:t>22</a:t>
+              <a:t>23</a:t>
             </a:fld>
             <a:endParaRPr lang="en-US" dirty="0"/>
           </a:p>
@@ -11753,7 +12022,7 @@
 </p:sld>
 </file>
 
-<file path=ppt/slides/slide23.xml><?xml version="1.0" encoding="utf-8"?>
+<file path=ppt/slides/slide24.xml><?xml version="1.0" encoding="utf-8"?>
 <p:sld xmlns:a="http://schemas.openxmlformats.org/drawingml/2006/main" xmlns:r="http://schemas.openxmlformats.org/officeDocument/2006/relationships" xmlns:p="http://schemas.openxmlformats.org/presentationml/2006/main">
   <p:cSld>
     <p:spTree>
@@ -12107,7 +12376,7 @@
           <a:p>
             <a:fld id="{629637A9-119A-49DA-BD12-AAC58B377D80}" type="slidenum">
               <a:rPr lang="en-US" smtClean="0"/>
-              <a:t>23</a:t>
+              <a:t>24</a:t>
             </a:fld>
             <a:endParaRPr lang="en-US" dirty="0"/>
           </a:p>
@@ -12427,7 +12696,7 @@
 </p:sld>
 </file>
 
-<file path=ppt/slides/slide24.xml><?xml version="1.0" encoding="utf-8"?>
+<file path=ppt/slides/slide25.xml><?xml version="1.0" encoding="utf-8"?>
 <p:sld xmlns:a="http://schemas.openxmlformats.org/drawingml/2006/main" xmlns:r="http://schemas.openxmlformats.org/officeDocument/2006/relationships" xmlns:p="http://schemas.openxmlformats.org/presentationml/2006/main">
   <p:cSld>
     <p:spTree>
@@ -12616,7 +12885,7 @@
           <a:p>
             <a:fld id="{629637A9-119A-49DA-BD12-AAC58B377D80}" type="slidenum">
               <a:rPr lang="en-US" smtClean="0"/>
-              <a:t>24</a:t>
+              <a:t>25</a:t>
             </a:fld>
             <a:endParaRPr lang="en-US" dirty="0"/>
           </a:p>
@@ -12665,7 +12934,7 @@
 </p:sld>
 </file>
 
-<file path=ppt/slides/slide25.xml><?xml version="1.0" encoding="utf-8"?>
+<file path=ppt/slides/slide26.xml><?xml version="1.0" encoding="utf-8"?>
 <p:sld xmlns:a="http://schemas.openxmlformats.org/drawingml/2006/main" xmlns:r="http://schemas.openxmlformats.org/officeDocument/2006/relationships" xmlns:p="http://schemas.openxmlformats.org/presentationml/2006/main">
   <p:cSld>
     <p:spTree>
@@ -13426,7 +13695,7 @@
           <a:p>
             <a:fld id="{629637A9-119A-49DA-BD12-AAC58B377D80}" type="slidenum">
               <a:rPr lang="en-US" smtClean="0"/>
-              <a:t>25</a:t>
+              <a:t>26</a:t>
             </a:fld>
             <a:endParaRPr lang="en-US" dirty="0"/>
           </a:p>
@@ -13475,7 +13744,7 @@
 </p:sld>
 </file>
 
-<file path=ppt/slides/slide26.xml><?xml version="1.0" encoding="utf-8"?>
+<file path=ppt/slides/slide27.xml><?xml version="1.0" encoding="utf-8"?>
 <p:sld xmlns:a="http://schemas.openxmlformats.org/drawingml/2006/main" xmlns:r="http://schemas.openxmlformats.org/officeDocument/2006/relationships" xmlns:p="http://schemas.openxmlformats.org/presentationml/2006/main">
   <p:cSld>
     <p:spTree>
@@ -13701,7 +13970,7 @@
           <a:p>
             <a:fld id="{629637A9-119A-49DA-BD12-AAC58B377D80}" type="slidenum">
               <a:rPr lang="en-US" smtClean="0"/>
-              <a:t>26</a:t>
+              <a:t>27</a:t>
             </a:fld>
             <a:endParaRPr lang="en-US" dirty="0"/>
           </a:p>
@@ -14012,7 +14281,7 @@
 </p:sld>
 </file>
 
-<file path=ppt/slides/slide27.xml><?xml version="1.0" encoding="utf-8"?>
+<file path=ppt/slides/slide28.xml><?xml version="1.0" encoding="utf-8"?>
 <p:sld xmlns:a="http://schemas.openxmlformats.org/drawingml/2006/main" xmlns:r="http://schemas.openxmlformats.org/officeDocument/2006/relationships" xmlns:p="http://schemas.openxmlformats.org/presentationml/2006/main">
   <p:cSld>
     <p:spTree>
@@ -14139,7 +14408,7 @@
           <a:p>
             <a:fld id="{629637A9-119A-49DA-BD12-AAC58B377D80}" type="slidenum">
               <a:rPr lang="en-US" smtClean="0"/>
-              <a:t>27</a:t>
+              <a:t>28</a:t>
             </a:fld>
             <a:endParaRPr lang="en-US" dirty="0"/>
           </a:p>
@@ -14210,7 +14479,7 @@
 </p:sld>
 </file>
 
-<file path=ppt/slides/slide28.xml><?xml version="1.0" encoding="utf-8"?>
+<file path=ppt/slides/slide29.xml><?xml version="1.0" encoding="utf-8"?>
 <p:sld xmlns:a="http://schemas.openxmlformats.org/drawingml/2006/main" xmlns:r="http://schemas.openxmlformats.org/officeDocument/2006/relationships" xmlns:p="http://schemas.openxmlformats.org/presentationml/2006/main">
   <p:cSld>
     <p:spTree>
@@ -14369,7 +14638,7 @@
           <a:p>
             <a:fld id="{629637A9-119A-49DA-BD12-AAC58B377D80}" type="slidenum">
               <a:rPr lang="en-US" smtClean="0"/>
-              <a:t>28</a:t>
+              <a:t>29</a:t>
             </a:fld>
             <a:endParaRPr lang="en-US" dirty="0"/>
           </a:p>
@@ -14379,275 +14648,6 @@
     <p:extLst>
       <p:ext uri="{BB962C8B-B14F-4D97-AF65-F5344CB8AC3E}">
         <p14:creationId xmlns:p14="http://schemas.microsoft.com/office/powerpoint/2010/main" val="1363146465"/>
-      </p:ext>
-    </p:extLst>
-  </p:cSld>
-  <p:clrMapOvr>
-    <a:masterClrMapping/>
-  </p:clrMapOvr>
-</p:sld>
-</file>
-
-<file path=ppt/slides/slide29.xml><?xml version="1.0" encoding="utf-8"?>
-<p:sld xmlns:a="http://schemas.openxmlformats.org/drawingml/2006/main" xmlns:r="http://schemas.openxmlformats.org/officeDocument/2006/relationships" xmlns:p="http://schemas.openxmlformats.org/presentationml/2006/main">
-  <p:cSld>
-    <p:spTree>
-      <p:nvGrpSpPr>
-        <p:cNvPr id="1" name=""/>
-        <p:cNvGrpSpPr/>
-        <p:nvPr/>
-      </p:nvGrpSpPr>
-      <p:grpSpPr>
-        <a:xfrm>
-          <a:off x="0" y="0"/>
-          <a:ext cx="0" cy="0"/>
-          <a:chOff x="0" y="0"/>
-          <a:chExt cx="0" cy="0"/>
-        </a:xfrm>
-      </p:grpSpPr>
-      <p:sp>
-        <p:nvSpPr>
-          <p:cNvPr id="2" name="Title 1">
-            <a:extLst>
-              <a:ext uri="{FF2B5EF4-FFF2-40B4-BE49-F238E27FC236}">
-                <a16:creationId xmlns:a16="http://schemas.microsoft.com/office/drawing/2014/main" id="{3B7AD911-3BF4-D32D-0851-6EEAC3705795}"/>
-              </a:ext>
-            </a:extLst>
-          </p:cNvPr>
-          <p:cNvSpPr>
-            <a:spLocks noGrp="1"/>
-          </p:cNvSpPr>
-          <p:nvPr>
-            <p:ph type="title"/>
-          </p:nvPr>
-        </p:nvSpPr>
-        <p:spPr/>
-        <p:txBody>
-          <a:bodyPr/>
-          <a:lstStyle/>
-          <a:p>
-            <a:r>
-              <a:rPr lang="en-US" dirty="0"/>
-              <a:t>Synchronous (Sequential) Logic</a:t>
-            </a:r>
-          </a:p>
-        </p:txBody>
-      </p:sp>
-      <p:sp>
-        <p:nvSpPr>
-          <p:cNvPr id="3" name="Content Placeholder 2">
-            <a:extLst>
-              <a:ext uri="{FF2B5EF4-FFF2-40B4-BE49-F238E27FC236}">
-                <a16:creationId xmlns:a16="http://schemas.microsoft.com/office/drawing/2014/main" id="{7EF8832D-5242-3E39-8CC3-5BE1BCC6A65E}"/>
-              </a:ext>
-            </a:extLst>
-          </p:cNvPr>
-          <p:cNvSpPr>
-            <a:spLocks noGrp="1"/>
-          </p:cNvSpPr>
-          <p:nvPr>
-            <p:ph idx="1"/>
-          </p:nvPr>
-        </p:nvSpPr>
-        <p:spPr/>
-        <p:txBody>
-          <a:bodyPr/>
-          <a:lstStyle/>
-          <a:p>
-            <a:r>
-              <a:rPr lang="en-US" dirty="0"/>
-              <a:t>Introduces </a:t>
-            </a:r>
-            <a:r>
-              <a:rPr lang="en-US" dirty="0">
-                <a:solidFill>
-                  <a:schemeClr val="accent1"/>
-                </a:solidFill>
-              </a:rPr>
-              <a:t>state</a:t>
-            </a:r>
-            <a:r>
-              <a:rPr lang="en-US" dirty="0"/>
-              <a:t> via </a:t>
-            </a:r>
-            <a:r>
-              <a:rPr lang="en-US" dirty="0">
-                <a:solidFill>
-                  <a:schemeClr val="accent1"/>
-                </a:solidFill>
-              </a:rPr>
-              <a:t>flip‑flops </a:t>
-            </a:r>
-            <a:r>
-              <a:rPr lang="en-US" dirty="0"/>
-              <a:t>or </a:t>
-            </a:r>
-            <a:r>
-              <a:rPr lang="en-US" dirty="0">
-                <a:solidFill>
-                  <a:schemeClr val="accent1"/>
-                </a:solidFill>
-              </a:rPr>
-              <a:t>registers</a:t>
-            </a:r>
-          </a:p>
-          <a:p>
-            <a:r>
-              <a:rPr lang="en-US" dirty="0"/>
-              <a:t>Breaks long logic into </a:t>
-            </a:r>
-            <a:r>
-              <a:rPr lang="en-US" dirty="0">
-                <a:solidFill>
-                  <a:schemeClr val="accent1"/>
-                </a:solidFill>
-              </a:rPr>
-              <a:t>clocked stages</a:t>
-            </a:r>
-            <a:r>
-              <a:rPr lang="en-US" dirty="0"/>
-              <a:t>, improving performance</a:t>
-            </a:r>
-          </a:p>
-          <a:p>
-            <a:r>
-              <a:rPr lang="en-US" dirty="0"/>
-              <a:t>Provides </a:t>
-            </a:r>
-            <a:r>
-              <a:rPr lang="en-US" dirty="0">
-                <a:solidFill>
-                  <a:schemeClr val="accent1"/>
-                </a:solidFill>
-              </a:rPr>
-              <a:t>predictable timing </a:t>
-            </a:r>
-            <a:r>
-              <a:rPr lang="en-US" dirty="0"/>
-              <a:t>— changes only occur on clock edges</a:t>
-            </a:r>
-          </a:p>
-          <a:p>
-            <a:r>
-              <a:rPr lang="en-US" dirty="0"/>
-              <a:t>Makes large systems modular and easier to reason about</a:t>
-            </a:r>
-          </a:p>
-          <a:p>
-            <a:r>
-              <a:rPr lang="en-US" dirty="0"/>
-              <a:t>Eliminates most hazards/glitches from propagating across stages</a:t>
-            </a:r>
-          </a:p>
-          <a:p>
-            <a:r>
-              <a:rPr lang="en-US" dirty="0"/>
-              <a:t>Enables pipelining, finite‑state machines, and sequential algorithms</a:t>
-            </a:r>
-          </a:p>
-          <a:p>
-            <a:r>
-              <a:rPr lang="en-US" dirty="0"/>
-              <a:t>Allows clean interfaces between modules (valid/ready, handshakes, etc.)</a:t>
-            </a:r>
-          </a:p>
-          <a:p>
-            <a:endParaRPr lang="en-US" dirty="0"/>
-          </a:p>
-        </p:txBody>
-      </p:sp>
-      <p:sp>
-        <p:nvSpPr>
-          <p:cNvPr id="4" name="Slide Number Placeholder 3">
-            <a:extLst>
-              <a:ext uri="{FF2B5EF4-FFF2-40B4-BE49-F238E27FC236}">
-                <a16:creationId xmlns:a16="http://schemas.microsoft.com/office/drawing/2014/main" id="{B70420C8-93C4-94D3-F760-A89275C8A2FC}"/>
-              </a:ext>
-            </a:extLst>
-          </p:cNvPr>
-          <p:cNvSpPr>
-            <a:spLocks noGrp="1"/>
-          </p:cNvSpPr>
-          <p:nvPr>
-            <p:ph type="sldNum" sz="quarter" idx="12"/>
-          </p:nvPr>
-        </p:nvSpPr>
-        <p:spPr/>
-        <p:txBody>
-          <a:bodyPr/>
-          <a:lstStyle/>
-          <a:p>
-            <a:fld id="{629637A9-119A-49DA-BD12-AAC58B377D80}" type="slidenum">
-              <a:rPr lang="en-US" smtClean="0"/>
-              <a:t>29</a:t>
-            </a:fld>
-            <a:endParaRPr lang="en-US" dirty="0"/>
-          </a:p>
-        </p:txBody>
-      </p:sp>
-      <p:sp>
-        <p:nvSpPr>
-          <p:cNvPr id="6" name="Rectangle: Rounded Corners 5">
-            <a:extLst>
-              <a:ext uri="{FF2B5EF4-FFF2-40B4-BE49-F238E27FC236}">
-                <a16:creationId xmlns:a16="http://schemas.microsoft.com/office/drawing/2014/main" id="{2D26C523-87AC-2853-856A-0E6B98452D41}"/>
-              </a:ext>
-            </a:extLst>
-          </p:cNvPr>
-          <p:cNvSpPr/>
-          <p:nvPr/>
-        </p:nvSpPr>
-        <p:spPr>
-          <a:xfrm>
-            <a:off x="1681162" y="4861523"/>
-            <a:ext cx="7705726" cy="914400"/>
-          </a:xfrm>
-          <a:prstGeom prst="roundRect">
-            <a:avLst/>
-          </a:prstGeom>
-          <a:solidFill>
-            <a:schemeClr val="accent1">
-              <a:lumMod val="20000"/>
-              <a:lumOff val="80000"/>
-            </a:schemeClr>
-          </a:solidFill>
-        </p:spPr>
-        <p:style>
-          <a:lnRef idx="2">
-            <a:schemeClr val="accent1">
-              <a:shade val="15000"/>
-            </a:schemeClr>
-          </a:lnRef>
-          <a:fillRef idx="1">
-            <a:schemeClr val="accent1"/>
-          </a:fillRef>
-          <a:effectRef idx="0">
-            <a:schemeClr val="accent1"/>
-          </a:effectRef>
-          <a:fontRef idx="minor">
-            <a:schemeClr val="lt1"/>
-          </a:fontRef>
-        </p:style>
-        <p:txBody>
-          <a:bodyPr rtlCol="0" anchor="ctr"/>
-          <a:lstStyle/>
-          <a:p>
-            <a:pPr algn="ctr"/>
-            <a:r>
-              <a:rPr lang="en-US" sz="2400" dirty="0">
-                <a:solidFill>
-                  <a:schemeClr val="accent1"/>
-                </a:solidFill>
-              </a:rPr>
-              <a:t>Synchronous logic is the dominant paradigm for design </a:t>
-            </a:r>
-          </a:p>
-        </p:txBody>
-      </p:sp>
-    </p:spTree>
-    <p:extLst>
-      <p:ext uri="{BB962C8B-B14F-4D97-AF65-F5344CB8AC3E}">
-        <p14:creationId xmlns:p14="http://schemas.microsoft.com/office/powerpoint/2010/main" val="910885870"/>
       </p:ext>
     </p:extLst>
   </p:cSld>
@@ -14856,6 +14856,275 @@
 </file>
 
 <file path=ppt/slides/slide30.xml><?xml version="1.0" encoding="utf-8"?>
+<p:sld xmlns:a="http://schemas.openxmlformats.org/drawingml/2006/main" xmlns:r="http://schemas.openxmlformats.org/officeDocument/2006/relationships" xmlns:p="http://schemas.openxmlformats.org/presentationml/2006/main">
+  <p:cSld>
+    <p:spTree>
+      <p:nvGrpSpPr>
+        <p:cNvPr id="1" name=""/>
+        <p:cNvGrpSpPr/>
+        <p:nvPr/>
+      </p:nvGrpSpPr>
+      <p:grpSpPr>
+        <a:xfrm>
+          <a:off x="0" y="0"/>
+          <a:ext cx="0" cy="0"/>
+          <a:chOff x="0" y="0"/>
+          <a:chExt cx="0" cy="0"/>
+        </a:xfrm>
+      </p:grpSpPr>
+      <p:sp>
+        <p:nvSpPr>
+          <p:cNvPr id="2" name="Title 1">
+            <a:extLst>
+              <a:ext uri="{FF2B5EF4-FFF2-40B4-BE49-F238E27FC236}">
+                <a16:creationId xmlns:a16="http://schemas.microsoft.com/office/drawing/2014/main" id="{3B7AD911-3BF4-D32D-0851-6EEAC3705795}"/>
+              </a:ext>
+            </a:extLst>
+          </p:cNvPr>
+          <p:cNvSpPr>
+            <a:spLocks noGrp="1"/>
+          </p:cNvSpPr>
+          <p:nvPr>
+            <p:ph type="title"/>
+          </p:nvPr>
+        </p:nvSpPr>
+        <p:spPr/>
+        <p:txBody>
+          <a:bodyPr/>
+          <a:lstStyle/>
+          <a:p>
+            <a:r>
+              <a:rPr lang="en-US" dirty="0"/>
+              <a:t>Synchronous (Sequential) Logic</a:t>
+            </a:r>
+          </a:p>
+        </p:txBody>
+      </p:sp>
+      <p:sp>
+        <p:nvSpPr>
+          <p:cNvPr id="3" name="Content Placeholder 2">
+            <a:extLst>
+              <a:ext uri="{FF2B5EF4-FFF2-40B4-BE49-F238E27FC236}">
+                <a16:creationId xmlns:a16="http://schemas.microsoft.com/office/drawing/2014/main" id="{7EF8832D-5242-3E39-8CC3-5BE1BCC6A65E}"/>
+              </a:ext>
+            </a:extLst>
+          </p:cNvPr>
+          <p:cNvSpPr>
+            <a:spLocks noGrp="1"/>
+          </p:cNvSpPr>
+          <p:nvPr>
+            <p:ph idx="1"/>
+          </p:nvPr>
+        </p:nvSpPr>
+        <p:spPr/>
+        <p:txBody>
+          <a:bodyPr/>
+          <a:lstStyle/>
+          <a:p>
+            <a:r>
+              <a:rPr lang="en-US" dirty="0"/>
+              <a:t>Introduces </a:t>
+            </a:r>
+            <a:r>
+              <a:rPr lang="en-US" dirty="0">
+                <a:solidFill>
+                  <a:schemeClr val="accent1"/>
+                </a:solidFill>
+              </a:rPr>
+              <a:t>state</a:t>
+            </a:r>
+            <a:r>
+              <a:rPr lang="en-US" dirty="0"/>
+              <a:t> via </a:t>
+            </a:r>
+            <a:r>
+              <a:rPr lang="en-US" dirty="0">
+                <a:solidFill>
+                  <a:schemeClr val="accent1"/>
+                </a:solidFill>
+              </a:rPr>
+              <a:t>flip‑flops </a:t>
+            </a:r>
+            <a:r>
+              <a:rPr lang="en-US" dirty="0"/>
+              <a:t>or </a:t>
+            </a:r>
+            <a:r>
+              <a:rPr lang="en-US" dirty="0">
+                <a:solidFill>
+                  <a:schemeClr val="accent1"/>
+                </a:solidFill>
+              </a:rPr>
+              <a:t>registers</a:t>
+            </a:r>
+          </a:p>
+          <a:p>
+            <a:r>
+              <a:rPr lang="en-US" dirty="0"/>
+              <a:t>Breaks long logic into </a:t>
+            </a:r>
+            <a:r>
+              <a:rPr lang="en-US" dirty="0">
+                <a:solidFill>
+                  <a:schemeClr val="accent1"/>
+                </a:solidFill>
+              </a:rPr>
+              <a:t>clocked stages</a:t>
+            </a:r>
+            <a:r>
+              <a:rPr lang="en-US" dirty="0"/>
+              <a:t>, improving performance</a:t>
+            </a:r>
+          </a:p>
+          <a:p>
+            <a:r>
+              <a:rPr lang="en-US" dirty="0"/>
+              <a:t>Provides </a:t>
+            </a:r>
+            <a:r>
+              <a:rPr lang="en-US" dirty="0">
+                <a:solidFill>
+                  <a:schemeClr val="accent1"/>
+                </a:solidFill>
+              </a:rPr>
+              <a:t>predictable timing </a:t>
+            </a:r>
+            <a:r>
+              <a:rPr lang="en-US" dirty="0"/>
+              <a:t>— changes only occur on clock edges</a:t>
+            </a:r>
+          </a:p>
+          <a:p>
+            <a:r>
+              <a:rPr lang="en-US" dirty="0"/>
+              <a:t>Makes large systems modular and easier to reason about</a:t>
+            </a:r>
+          </a:p>
+          <a:p>
+            <a:r>
+              <a:rPr lang="en-US" dirty="0"/>
+              <a:t>Eliminates most hazards/glitches from propagating across stages</a:t>
+            </a:r>
+          </a:p>
+          <a:p>
+            <a:r>
+              <a:rPr lang="en-US" dirty="0"/>
+              <a:t>Enables pipelining, finite‑state machines, and sequential algorithms</a:t>
+            </a:r>
+          </a:p>
+          <a:p>
+            <a:r>
+              <a:rPr lang="en-US" dirty="0"/>
+              <a:t>Allows clean interfaces between modules (valid/ready, handshakes, etc.)</a:t>
+            </a:r>
+          </a:p>
+          <a:p>
+            <a:endParaRPr lang="en-US" dirty="0"/>
+          </a:p>
+        </p:txBody>
+      </p:sp>
+      <p:sp>
+        <p:nvSpPr>
+          <p:cNvPr id="4" name="Slide Number Placeholder 3">
+            <a:extLst>
+              <a:ext uri="{FF2B5EF4-FFF2-40B4-BE49-F238E27FC236}">
+                <a16:creationId xmlns:a16="http://schemas.microsoft.com/office/drawing/2014/main" id="{B70420C8-93C4-94D3-F760-A89275C8A2FC}"/>
+              </a:ext>
+            </a:extLst>
+          </p:cNvPr>
+          <p:cNvSpPr>
+            <a:spLocks noGrp="1"/>
+          </p:cNvSpPr>
+          <p:nvPr>
+            <p:ph type="sldNum" sz="quarter" idx="12"/>
+          </p:nvPr>
+        </p:nvSpPr>
+        <p:spPr/>
+        <p:txBody>
+          <a:bodyPr/>
+          <a:lstStyle/>
+          <a:p>
+            <a:fld id="{629637A9-119A-49DA-BD12-AAC58B377D80}" type="slidenum">
+              <a:rPr lang="en-US" smtClean="0"/>
+              <a:t>30</a:t>
+            </a:fld>
+            <a:endParaRPr lang="en-US" dirty="0"/>
+          </a:p>
+        </p:txBody>
+      </p:sp>
+      <p:sp>
+        <p:nvSpPr>
+          <p:cNvPr id="6" name="Rectangle: Rounded Corners 5">
+            <a:extLst>
+              <a:ext uri="{FF2B5EF4-FFF2-40B4-BE49-F238E27FC236}">
+                <a16:creationId xmlns:a16="http://schemas.microsoft.com/office/drawing/2014/main" id="{2D26C523-87AC-2853-856A-0E6B98452D41}"/>
+              </a:ext>
+            </a:extLst>
+          </p:cNvPr>
+          <p:cNvSpPr/>
+          <p:nvPr/>
+        </p:nvSpPr>
+        <p:spPr>
+          <a:xfrm>
+            <a:off x="1681162" y="4861523"/>
+            <a:ext cx="7705726" cy="914400"/>
+          </a:xfrm>
+          <a:prstGeom prst="roundRect">
+            <a:avLst/>
+          </a:prstGeom>
+          <a:solidFill>
+            <a:schemeClr val="accent1">
+              <a:lumMod val="20000"/>
+              <a:lumOff val="80000"/>
+            </a:schemeClr>
+          </a:solidFill>
+        </p:spPr>
+        <p:style>
+          <a:lnRef idx="2">
+            <a:schemeClr val="accent1">
+              <a:shade val="15000"/>
+            </a:schemeClr>
+          </a:lnRef>
+          <a:fillRef idx="1">
+            <a:schemeClr val="accent1"/>
+          </a:fillRef>
+          <a:effectRef idx="0">
+            <a:schemeClr val="accent1"/>
+          </a:effectRef>
+          <a:fontRef idx="minor">
+            <a:schemeClr val="lt1"/>
+          </a:fontRef>
+        </p:style>
+        <p:txBody>
+          <a:bodyPr rtlCol="0" anchor="ctr"/>
+          <a:lstStyle/>
+          <a:p>
+            <a:pPr algn="ctr"/>
+            <a:r>
+              <a:rPr lang="en-US" sz="2400" dirty="0">
+                <a:solidFill>
+                  <a:schemeClr val="accent1"/>
+                </a:solidFill>
+              </a:rPr>
+              <a:t>Synchronous logic is the dominant paradigm for design </a:t>
+            </a:r>
+          </a:p>
+        </p:txBody>
+      </p:sp>
+    </p:spTree>
+    <p:extLst>
+      <p:ext uri="{BB962C8B-B14F-4D97-AF65-F5344CB8AC3E}">
+        <p14:creationId xmlns:p14="http://schemas.microsoft.com/office/powerpoint/2010/main" val="910885870"/>
+      </p:ext>
+    </p:extLst>
+  </p:cSld>
+  <p:clrMapOvr>
+    <a:masterClrMapping/>
+  </p:clrMapOvr>
+</p:sld>
+</file>
+
+<file path=ppt/slides/slide31.xml><?xml version="1.0" encoding="utf-8"?>
 <p:sld xmlns:a="http://schemas.openxmlformats.org/drawingml/2006/main" xmlns:r="http://schemas.openxmlformats.org/officeDocument/2006/relationships" xmlns:p="http://schemas.openxmlformats.org/presentationml/2006/main">
   <p:cSld>
     <p:spTree>
@@ -15162,7 +15431,7 @@
           <a:p>
             <a:fld id="{629637A9-119A-49DA-BD12-AAC58B377D80}" type="slidenum">
               <a:rPr lang="en-US" smtClean="0"/>
-              <a:t>30</a:t>
+              <a:t>31</a:t>
             </a:fld>
             <a:endParaRPr lang="en-US" dirty="0"/>
           </a:p>
@@ -15228,7 +15497,7 @@
 </p:sld>
 </file>
 
-<file path=ppt/slides/slide31.xml><?xml version="1.0" encoding="utf-8"?>
+<file path=ppt/slides/slide32.xml><?xml version="1.0" encoding="utf-8"?>
 <p:sld xmlns:a="http://schemas.openxmlformats.org/drawingml/2006/main" xmlns:r="http://schemas.openxmlformats.org/officeDocument/2006/relationships" xmlns:p="http://schemas.openxmlformats.org/presentationml/2006/main">
   <p:cSld>
     <p:spTree>
@@ -15378,7 +15647,7 @@
           <a:p>
             <a:fld id="{629637A9-119A-49DA-BD12-AAC58B377D80}" type="slidenum">
               <a:rPr lang="en-US" smtClean="0"/>
-              <a:t>31</a:t>
+              <a:t>32</a:t>
             </a:fld>
             <a:endParaRPr lang="en-US" dirty="0"/>
           </a:p>
@@ -15444,7 +15713,7 @@
 </p:sld>
 </file>
 
-<file path=ppt/slides/slide32.xml><?xml version="1.0" encoding="utf-8"?>
+<file path=ppt/slides/slide33.xml><?xml version="1.0" encoding="utf-8"?>
 <p:sld xmlns:a="http://schemas.openxmlformats.org/drawingml/2006/main" xmlns:r="http://schemas.openxmlformats.org/officeDocument/2006/relationships" xmlns:p="http://schemas.openxmlformats.org/presentationml/2006/main">
   <p:cSld>
     <p:spTree>
@@ -15604,7 +15873,7 @@
           <a:p>
             <a:fld id="{629637A9-119A-49DA-BD12-AAC58B377D80}" type="slidenum">
               <a:rPr lang="en-US" smtClean="0"/>
-              <a:t>32</a:t>
+              <a:t>33</a:t>
             </a:fld>
             <a:endParaRPr lang="en-US" dirty="0"/>
           </a:p>
@@ -15683,7 +15952,7 @@
 </p:sld>
 </file>
 
-<file path=ppt/slides/slide33.xml><?xml version="1.0" encoding="utf-8"?>
+<file path=ppt/slides/slide34.xml><?xml version="1.0" encoding="utf-8"?>
 <p:sld xmlns:a="http://schemas.openxmlformats.org/drawingml/2006/main" xmlns:r="http://schemas.openxmlformats.org/officeDocument/2006/relationships" xmlns:p="http://schemas.openxmlformats.org/presentationml/2006/main">
   <p:cSld>
     <p:spTree>
@@ -15805,7 +16074,7 @@
           <a:p>
             <a:fld id="{629637A9-119A-49DA-BD12-AAC58B377D80}" type="slidenum">
               <a:rPr lang="en-US" smtClean="0"/>
-              <a:t>33</a:t>
+              <a:t>34</a:t>
             </a:fld>
             <a:endParaRPr lang="en-US" dirty="0"/>
           </a:p>
@@ -15884,7 +16153,7 @@
 </p:sld>
 </file>
 
-<file path=ppt/slides/slide34.xml><?xml version="1.0" encoding="utf-8"?>
+<file path=ppt/slides/slide35.xml><?xml version="1.0" encoding="utf-8"?>
 <p:sld xmlns:a="http://schemas.openxmlformats.org/drawingml/2006/main" xmlns:r="http://schemas.openxmlformats.org/officeDocument/2006/relationships" xmlns:p="http://schemas.openxmlformats.org/presentationml/2006/main">
   <p:cSld>
     <p:spTree>
@@ -16017,7 +16286,7 @@
           <a:p>
             <a:fld id="{629637A9-119A-49DA-BD12-AAC58B377D80}" type="slidenum">
               <a:rPr lang="en-US" smtClean="0"/>
-              <a:t>34</a:t>
+              <a:t>35</a:t>
             </a:fld>
             <a:endParaRPr lang="en-US" dirty="0"/>
           </a:p>
@@ -16243,7 +16512,7 @@
 </p:sld>
 </file>
 
-<file path=ppt/slides/slide35.xml><?xml version="1.0" encoding="utf-8"?>
+<file path=ppt/slides/slide36.xml><?xml version="1.0" encoding="utf-8"?>
 <p:sld xmlns:a="http://schemas.openxmlformats.org/drawingml/2006/main" xmlns:r="http://schemas.openxmlformats.org/officeDocument/2006/relationships" xmlns:p="http://schemas.openxmlformats.org/presentationml/2006/main">
   <p:cSld>
     <p:spTree>
@@ -16430,7 +16699,7 @@
           <a:p>
             <a:fld id="{629637A9-119A-49DA-BD12-AAC58B377D80}" type="slidenum">
               <a:rPr lang="en-US" smtClean="0"/>
-              <a:t>35</a:t>
+              <a:t>36</a:t>
             </a:fld>
             <a:endParaRPr lang="en-US" dirty="0"/>
           </a:p>
@@ -16480,7 +16749,7 @@
 </p:sld>
 </file>
 
-<file path=ppt/slides/slide36.xml><?xml version="1.0" encoding="utf-8"?>
+<file path=ppt/slides/slide37.xml><?xml version="1.0" encoding="utf-8"?>
 <p:sld xmlns:a="http://schemas.openxmlformats.org/drawingml/2006/main" xmlns:r="http://schemas.openxmlformats.org/officeDocument/2006/relationships" xmlns:p="http://schemas.openxmlformats.org/presentationml/2006/main">
   <p:cSld>
     <p:spTree>
@@ -16587,7 +16856,7 @@
           <a:p>
             <a:fld id="{629637A9-119A-49DA-BD12-AAC58B377D80}" type="slidenum">
               <a:rPr lang="en-US" smtClean="0"/>
-              <a:t>36</a:t>
+              <a:t>37</a:t>
             </a:fld>
             <a:endParaRPr lang="en-US" dirty="0"/>
           </a:p>
@@ -16636,7 +16905,7 @@
 </p:sld>
 </file>
 
-<file path=ppt/slides/slide37.xml><?xml version="1.0" encoding="utf-8"?>
+<file path=ppt/slides/slide38.xml><?xml version="1.0" encoding="utf-8"?>
 <p:sld xmlns:a="http://schemas.openxmlformats.org/drawingml/2006/main" xmlns:r="http://schemas.openxmlformats.org/officeDocument/2006/relationships" xmlns:p="http://schemas.openxmlformats.org/presentationml/2006/main">
   <p:cSld>
     <p:spTree>
@@ -16736,7 +17005,7 @@
           <a:p>
             <a:fld id="{629637A9-119A-49DA-BD12-AAC58B377D80}" type="slidenum">
               <a:rPr lang="en-US" smtClean="0"/>
-              <a:t>37</a:t>
+              <a:t>38</a:t>
             </a:fld>
             <a:endParaRPr lang="en-US" dirty="0"/>
           </a:p>
@@ -17050,7 +17319,7 @@
 </p:sld>
 </file>
 
-<file path=ppt/slides/slide38.xml><?xml version="1.0" encoding="utf-8"?>
+<file path=ppt/slides/slide39.xml><?xml version="1.0" encoding="utf-8"?>
 <p:sld xmlns:a="http://schemas.openxmlformats.org/drawingml/2006/main" xmlns:r="http://schemas.openxmlformats.org/officeDocument/2006/relationships" xmlns:p="http://schemas.openxmlformats.org/presentationml/2006/main">
   <p:cSld>
     <p:spTree>
@@ -17527,7 +17796,7 @@
           <a:p>
             <a:fld id="{629637A9-119A-49DA-BD12-AAC58B377D80}" type="slidenum">
               <a:rPr lang="en-US" smtClean="0"/>
-              <a:t>38</a:t>
+              <a:t>39</a:t>
             </a:fld>
             <a:endParaRPr lang="en-US" dirty="0"/>
           </a:p>
@@ -17769,7 +18038,974 @@
 </p:sld>
 </file>
 
-<file path=ppt/slides/slide39.xml><?xml version="1.0" encoding="utf-8"?>
+<file path=ppt/slides/slide4.xml><?xml version="1.0" encoding="utf-8"?>
+<p:sld xmlns:a="http://schemas.openxmlformats.org/drawingml/2006/main" xmlns:r="http://schemas.openxmlformats.org/officeDocument/2006/relationships" xmlns:p="http://schemas.openxmlformats.org/presentationml/2006/main">
+  <p:cSld>
+    <p:spTree>
+      <p:nvGrpSpPr>
+        <p:cNvPr id="1" name=""/>
+        <p:cNvGrpSpPr/>
+        <p:nvPr/>
+      </p:nvGrpSpPr>
+      <p:grpSpPr>
+        <a:xfrm>
+          <a:off x="0" y="0"/>
+          <a:ext cx="0" cy="0"/>
+          <a:chOff x="0" y="0"/>
+          <a:chExt cx="0" cy="0"/>
+        </a:xfrm>
+      </p:grpSpPr>
+      <p:sp>
+        <p:nvSpPr>
+          <p:cNvPr id="2" name="Title 1">
+            <a:extLst>
+              <a:ext uri="{FF2B5EF4-FFF2-40B4-BE49-F238E27FC236}">
+                <a16:creationId xmlns:a16="http://schemas.microsoft.com/office/drawing/2014/main" id="{6CFA39AD-C4E3-E69C-1A9B-E391E0A38068}"/>
+              </a:ext>
+            </a:extLst>
+          </p:cNvPr>
+          <p:cNvSpPr>
+            <a:spLocks noGrp="1"/>
+          </p:cNvSpPr>
+          <p:nvPr>
+            <p:ph type="title"/>
+          </p:nvPr>
+        </p:nvSpPr>
+        <p:spPr/>
+        <p:txBody>
+          <a:bodyPr/>
+          <a:lstStyle/>
+          <a:p>
+            <a:r>
+              <a:rPr lang="en-US" dirty="0"/>
+              <a:t>Simple Example:  </a:t>
+            </a:r>
+            <a:r>
+              <a:rPr lang="en-US" dirty="0" err="1"/>
+              <a:t>ReLU</a:t>
+            </a:r>
+            <a:r>
+              <a:rPr lang="en-US" dirty="0"/>
+              <a:t> + Linear</a:t>
+            </a:r>
+          </a:p>
+        </p:txBody>
+      </p:sp>
+      <mc:AlternateContent xmlns:mc="http://schemas.openxmlformats.org/markup-compatibility/2006" xmlns:a14="http://schemas.microsoft.com/office/drawing/2010/main">
+        <mc:Choice Requires="a14">
+          <p:sp>
+            <p:nvSpPr>
+              <p:cNvPr id="3" name="Content Placeholder 2">
+                <a:extLst>
+                  <a:ext uri="{FF2B5EF4-FFF2-40B4-BE49-F238E27FC236}">
+                    <a16:creationId xmlns:a16="http://schemas.microsoft.com/office/drawing/2014/main" id="{182C3F6B-499A-181F-3FE7-8ECCD425CF51}"/>
+                  </a:ext>
+                </a:extLst>
+              </p:cNvPr>
+              <p:cNvSpPr>
+                <a:spLocks noGrp="1"/>
+              </p:cNvSpPr>
+              <p:nvPr>
+                <p:ph idx="1"/>
+              </p:nvPr>
+            </p:nvSpPr>
+            <p:spPr/>
+            <p:txBody>
+              <a:bodyPr>
+                <a:normAutofit/>
+              </a:bodyPr>
+              <a:lstStyle/>
+              <a:p>
+                <a:pPr marL="0" indent="0">
+                  <a:buNone/>
+                </a:pPr>
+                <a:r>
+                  <a:rPr lang="en-US" sz="2400" dirty="0">
+                    <a:solidFill>
+                      <a:schemeClr val="accent1">
+                        <a:lumMod val="60000"/>
+                        <a:lumOff val="40000"/>
+                      </a:schemeClr>
+                    </a:solidFill>
+                  </a:rPr>
+                  <a:t>Goal</a:t>
+                </a:r>
+                <a:r>
+                  <a:rPr lang="en-US" sz="2400" dirty="0"/>
+                  <a:t>:  Implement a module for the function</a:t>
+                </a:r>
+                <a:br>
+                  <a:rPr lang="en-US" sz="2400" dirty="0"/>
+                </a:br>
+                <a14:m>
+                  <m:oMathPara xmlns:m="http://schemas.openxmlformats.org/officeDocument/2006/math">
+                    <m:oMathParaPr>
+                      <m:jc m:val="centerGroup"/>
+                    </m:oMathParaPr>
+                    <m:oMath xmlns:m="http://schemas.openxmlformats.org/officeDocument/2006/math">
+                      <m:r>
+                        <a:rPr lang="en-US" sz="2400" b="0" i="1" smtClean="0">
+                          <a:latin typeface="Cambria Math" panose="02040503050406030204" pitchFamily="18" charset="0"/>
+                        </a:rPr>
+                        <m:t>𝑦</m:t>
+                      </m:r>
+                      <m:r>
+                        <a:rPr lang="en-US" sz="2400" b="0" i="1" smtClean="0">
+                          <a:latin typeface="Cambria Math" panose="02040503050406030204" pitchFamily="18" charset="0"/>
+                        </a:rPr>
+                        <m:t>=</m:t>
+                      </m:r>
+                      <m:func>
+                        <m:funcPr>
+                          <m:ctrlPr>
+                            <a:rPr lang="en-US" sz="2400" b="0" i="1" smtClean="0">
+                              <a:latin typeface="Cambria Math" panose="02040503050406030204" pitchFamily="18" charset="0"/>
+                            </a:rPr>
+                          </m:ctrlPr>
+                        </m:funcPr>
+                        <m:fName>
+                          <m:r>
+                            <m:rPr>
+                              <m:sty m:val="p"/>
+                            </m:rPr>
+                            <a:rPr lang="en-US" sz="2400" b="0" i="0" smtClean="0">
+                              <a:latin typeface="Cambria Math" panose="02040503050406030204" pitchFamily="18" charset="0"/>
+                            </a:rPr>
+                            <m:t>max</m:t>
+                          </m:r>
+                        </m:fName>
+                        <m:e>
+                          <m:d>
+                            <m:dPr>
+                              <m:begChr m:val="{"/>
+                              <m:endChr m:val="}"/>
+                              <m:ctrlPr>
+                                <a:rPr lang="en-US" sz="2400" b="0" i="1" smtClean="0">
+                                  <a:latin typeface="Cambria Math" panose="02040503050406030204" pitchFamily="18" charset="0"/>
+                                </a:rPr>
+                              </m:ctrlPr>
+                            </m:dPr>
+                            <m:e>
+                              <m:r>
+                                <a:rPr lang="en-US" sz="2400" b="0" i="1" smtClean="0">
+                                  <a:latin typeface="Cambria Math" panose="02040503050406030204" pitchFamily="18" charset="0"/>
+                                </a:rPr>
+                                <m:t>𝑎𝑥</m:t>
+                              </m:r>
+                              <m:r>
+                                <a:rPr lang="en-US" sz="2400" b="0" i="1" smtClean="0">
+                                  <a:latin typeface="Cambria Math" panose="02040503050406030204" pitchFamily="18" charset="0"/>
+                                </a:rPr>
+                                <m:t>+</m:t>
+                              </m:r>
+                              <m:r>
+                                <a:rPr lang="en-US" sz="2400" b="0" i="1" smtClean="0">
+                                  <a:latin typeface="Cambria Math" panose="02040503050406030204" pitchFamily="18" charset="0"/>
+                                </a:rPr>
+                                <m:t>𝑏</m:t>
+                              </m:r>
+                              <m:r>
+                                <a:rPr lang="en-US" sz="2400" b="0" i="1" smtClean="0">
+                                  <a:latin typeface="Cambria Math" panose="02040503050406030204" pitchFamily="18" charset="0"/>
+                                </a:rPr>
+                                <m:t>, 0</m:t>
+                              </m:r>
+                            </m:e>
+                          </m:d>
+                        </m:e>
+                      </m:func>
+                    </m:oMath>
+                  </m:oMathPara>
+                </a14:m>
+                <a:endParaRPr lang="en-US" sz="2400" b="0" dirty="0"/>
+              </a:p>
+              <a:p>
+                <a:pPr lvl="1"/>
+                <a:r>
+                  <a:rPr lang="en-US" sz="2400" dirty="0"/>
+                  <a:t>Linear function + </a:t>
+                </a:r>
+                <a:r>
+                  <a:rPr lang="en-US" sz="2400" dirty="0" err="1"/>
+                  <a:t>ReLU</a:t>
+                </a:r>
+                <a:endParaRPr lang="en-US" sz="2400" dirty="0"/>
+              </a:p>
+              <a:p>
+                <a:pPr lvl="1"/>
+                <a:r>
+                  <a:rPr lang="en-US" sz="2400" dirty="0"/>
+                  <a:t>Used widely in machine learning</a:t>
+                </a:r>
+              </a:p>
+            </p:txBody>
+          </p:sp>
+        </mc:Choice>
+        <mc:Fallback xmlns="">
+          <p:sp>
+            <p:nvSpPr>
+              <p:cNvPr id="3" name="Content Placeholder 2">
+                <a:extLst>
+                  <a:ext uri="{FF2B5EF4-FFF2-40B4-BE49-F238E27FC236}">
+                    <a16:creationId xmlns:a16="http://schemas.microsoft.com/office/drawing/2014/main" id="{182C3F6B-499A-181F-3FE7-8ECCD425CF51}"/>
+                  </a:ext>
+                </a:extLst>
+              </p:cNvPr>
+              <p:cNvSpPr>
+                <a:spLocks noGrp="1" noRot="1" noChangeAspect="1" noMove="1" noResize="1" noEditPoints="1" noAdjustHandles="1" noChangeArrowheads="1" noChangeShapeType="1" noTextEdit="1"/>
+              </p:cNvSpPr>
+              <p:nvPr>
+                <p:ph idx="1"/>
+              </p:nvPr>
+            </p:nvSpPr>
+            <p:spPr>
+              <a:blipFill>
+                <a:blip r:embed="rId2"/>
+                <a:stretch>
+                  <a:fillRect l="-1818" t="-1972"/>
+                </a:stretch>
+              </a:blipFill>
+            </p:spPr>
+            <p:txBody>
+              <a:bodyPr/>
+              <a:lstStyle/>
+              <a:p>
+                <a:r>
+                  <a:rPr lang="en-US">
+                    <a:noFill/>
+                  </a:rPr>
+                  <a:t> </a:t>
+                </a:r>
+              </a:p>
+            </p:txBody>
+          </p:sp>
+        </mc:Fallback>
+      </mc:AlternateContent>
+      <p:sp>
+        <p:nvSpPr>
+          <p:cNvPr id="4" name="Slide Number Placeholder 3">
+            <a:extLst>
+              <a:ext uri="{FF2B5EF4-FFF2-40B4-BE49-F238E27FC236}">
+                <a16:creationId xmlns:a16="http://schemas.microsoft.com/office/drawing/2014/main" id="{5771B6C6-52C3-B217-47F8-F3F70581238D}"/>
+              </a:ext>
+            </a:extLst>
+          </p:cNvPr>
+          <p:cNvSpPr>
+            <a:spLocks noGrp="1"/>
+          </p:cNvSpPr>
+          <p:nvPr>
+            <p:ph type="sldNum" sz="quarter" idx="12"/>
+          </p:nvPr>
+        </p:nvSpPr>
+        <p:spPr/>
+        <p:txBody>
+          <a:bodyPr/>
+          <a:lstStyle/>
+          <a:p>
+            <a:fld id="{629637A9-119A-49DA-BD12-AAC58B377D80}" type="slidenum">
+              <a:rPr lang="en-US" smtClean="0"/>
+              <a:t>4</a:t>
+            </a:fld>
+            <a:endParaRPr lang="en-US" dirty="0"/>
+          </a:p>
+        </p:txBody>
+      </p:sp>
+      <p:sp>
+        <p:nvSpPr>
+          <p:cNvPr id="5" name="Rectangle: Rounded Corners 4">
+            <a:extLst>
+              <a:ext uri="{FF2B5EF4-FFF2-40B4-BE49-F238E27FC236}">
+                <a16:creationId xmlns:a16="http://schemas.microsoft.com/office/drawing/2014/main" id="{3D1FFF23-8720-B06E-AFD6-9918105B9306}"/>
+              </a:ext>
+            </a:extLst>
+          </p:cNvPr>
+          <p:cNvSpPr/>
+          <p:nvPr/>
+        </p:nvSpPr>
+        <p:spPr>
+          <a:xfrm>
+            <a:off x="4773792" y="3704185"/>
+            <a:ext cx="1990725" cy="1957388"/>
+          </a:xfrm>
+          <a:prstGeom prst="roundRect">
+            <a:avLst/>
+          </a:prstGeom>
+          <a:solidFill>
+            <a:schemeClr val="accent1">
+              <a:lumMod val="20000"/>
+              <a:lumOff val="80000"/>
+            </a:schemeClr>
+          </a:solidFill>
+        </p:spPr>
+        <p:style>
+          <a:lnRef idx="2">
+            <a:schemeClr val="accent1">
+              <a:shade val="15000"/>
+            </a:schemeClr>
+          </a:lnRef>
+          <a:fillRef idx="1">
+            <a:schemeClr val="accent1"/>
+          </a:fillRef>
+          <a:effectRef idx="0">
+            <a:schemeClr val="accent1"/>
+          </a:effectRef>
+          <a:fontRef idx="minor">
+            <a:schemeClr val="lt1"/>
+          </a:fontRef>
+        </p:style>
+        <p:txBody>
+          <a:bodyPr rtlCol="0" anchor="ctr"/>
+          <a:lstStyle/>
+          <a:p>
+            <a:pPr algn="ctr"/>
+            <a:endParaRPr lang="en-US"/>
+          </a:p>
+        </p:txBody>
+      </p:sp>
+      <p:cxnSp>
+        <p:nvCxnSpPr>
+          <p:cNvPr id="7" name="Straight Arrow Connector 6">
+            <a:extLst>
+              <a:ext uri="{FF2B5EF4-FFF2-40B4-BE49-F238E27FC236}">
+                <a16:creationId xmlns:a16="http://schemas.microsoft.com/office/drawing/2014/main" id="{F24DBA75-1DA1-3B37-064C-D0CD4B024C95}"/>
+              </a:ext>
+            </a:extLst>
+          </p:cNvPr>
+          <p:cNvCxnSpPr/>
+          <p:nvPr/>
+        </p:nvCxnSpPr>
+        <p:spPr>
+          <a:xfrm>
+            <a:off x="3268842" y="4213772"/>
+            <a:ext cx="1504950" cy="0"/>
+          </a:xfrm>
+          <a:prstGeom prst="straightConnector1">
+            <a:avLst/>
+          </a:prstGeom>
+          <a:ln w="19050">
+            <a:tailEnd type="triangle"/>
+          </a:ln>
+        </p:spPr>
+        <p:style>
+          <a:lnRef idx="1">
+            <a:schemeClr val="accent1"/>
+          </a:lnRef>
+          <a:fillRef idx="0">
+            <a:schemeClr val="accent1"/>
+          </a:fillRef>
+          <a:effectRef idx="0">
+            <a:schemeClr val="accent1"/>
+          </a:effectRef>
+          <a:fontRef idx="minor">
+            <a:schemeClr val="tx1"/>
+          </a:fontRef>
+        </p:style>
+      </p:cxnSp>
+      <p:cxnSp>
+        <p:nvCxnSpPr>
+          <p:cNvPr id="8" name="Straight Arrow Connector 7">
+            <a:extLst>
+              <a:ext uri="{FF2B5EF4-FFF2-40B4-BE49-F238E27FC236}">
+                <a16:creationId xmlns:a16="http://schemas.microsoft.com/office/drawing/2014/main" id="{9D4785C0-8EA6-26C6-0F51-78BFECB37F58}"/>
+              </a:ext>
+            </a:extLst>
+          </p:cNvPr>
+          <p:cNvCxnSpPr/>
+          <p:nvPr/>
+        </p:nvCxnSpPr>
+        <p:spPr>
+          <a:xfrm>
+            <a:off x="3268842" y="5071022"/>
+            <a:ext cx="1504950" cy="0"/>
+          </a:xfrm>
+          <a:prstGeom prst="straightConnector1">
+            <a:avLst/>
+          </a:prstGeom>
+          <a:ln w="19050">
+            <a:tailEnd type="triangle"/>
+          </a:ln>
+        </p:spPr>
+        <p:style>
+          <a:lnRef idx="1">
+            <a:schemeClr val="accent1"/>
+          </a:lnRef>
+          <a:fillRef idx="0">
+            <a:schemeClr val="accent1"/>
+          </a:fillRef>
+          <a:effectRef idx="0">
+            <a:schemeClr val="accent1"/>
+          </a:effectRef>
+          <a:fontRef idx="minor">
+            <a:schemeClr val="tx1"/>
+          </a:fontRef>
+        </p:style>
+      </p:cxnSp>
+      <p:cxnSp>
+        <p:nvCxnSpPr>
+          <p:cNvPr id="9" name="Straight Arrow Connector 8">
+            <a:extLst>
+              <a:ext uri="{FF2B5EF4-FFF2-40B4-BE49-F238E27FC236}">
+                <a16:creationId xmlns:a16="http://schemas.microsoft.com/office/drawing/2014/main" id="{BD9C9CE2-EB87-E202-5CB2-D6E50B4E525C}"/>
+              </a:ext>
+            </a:extLst>
+          </p:cNvPr>
+          <p:cNvCxnSpPr>
+            <a:cxnSpLocks/>
+          </p:cNvCxnSpPr>
+          <p:nvPr/>
+        </p:nvCxnSpPr>
+        <p:spPr>
+          <a:xfrm>
+            <a:off x="6764517" y="4604297"/>
+            <a:ext cx="1308132" cy="0"/>
+          </a:xfrm>
+          <a:prstGeom prst="straightConnector1">
+            <a:avLst/>
+          </a:prstGeom>
+          <a:ln w="19050">
+            <a:tailEnd type="triangle"/>
+          </a:ln>
+        </p:spPr>
+        <p:style>
+          <a:lnRef idx="1">
+            <a:schemeClr val="accent1"/>
+          </a:lnRef>
+          <a:fillRef idx="0">
+            <a:schemeClr val="accent1"/>
+          </a:fillRef>
+          <a:effectRef idx="0">
+            <a:schemeClr val="accent1"/>
+          </a:effectRef>
+          <a:fontRef idx="minor">
+            <a:schemeClr val="tx1"/>
+          </a:fontRef>
+        </p:style>
+      </p:cxnSp>
+      <p:cxnSp>
+        <p:nvCxnSpPr>
+          <p:cNvPr id="12" name="Straight Arrow Connector 11">
+            <a:extLst>
+              <a:ext uri="{FF2B5EF4-FFF2-40B4-BE49-F238E27FC236}">
+                <a16:creationId xmlns:a16="http://schemas.microsoft.com/office/drawing/2014/main" id="{1FB4964D-ABD3-D4C7-D031-49F37CBFB325}"/>
+              </a:ext>
+            </a:extLst>
+          </p:cNvPr>
+          <p:cNvCxnSpPr/>
+          <p:nvPr/>
+        </p:nvCxnSpPr>
+        <p:spPr>
+          <a:xfrm>
+            <a:off x="3268842" y="4604297"/>
+            <a:ext cx="1504950" cy="0"/>
+          </a:xfrm>
+          <a:prstGeom prst="straightConnector1">
+            <a:avLst/>
+          </a:prstGeom>
+          <a:ln w="19050">
+            <a:tailEnd type="triangle"/>
+          </a:ln>
+        </p:spPr>
+        <p:style>
+          <a:lnRef idx="1">
+            <a:schemeClr val="accent1"/>
+          </a:lnRef>
+          <a:fillRef idx="0">
+            <a:schemeClr val="accent1"/>
+          </a:fillRef>
+          <a:effectRef idx="0">
+            <a:schemeClr val="accent1"/>
+          </a:effectRef>
+          <a:fontRef idx="minor">
+            <a:schemeClr val="tx1"/>
+          </a:fontRef>
+        </p:style>
+      </p:cxnSp>
+      <mc:AlternateContent xmlns:mc="http://schemas.openxmlformats.org/markup-compatibility/2006" xmlns:a14="http://schemas.microsoft.com/office/drawing/2010/main">
+        <mc:Choice Requires="a14">
+          <p:sp>
+            <p:nvSpPr>
+              <p:cNvPr id="14" name="TextBox 13">
+                <a:extLst>
+                  <a:ext uri="{FF2B5EF4-FFF2-40B4-BE49-F238E27FC236}">
+                    <a16:creationId xmlns:a16="http://schemas.microsoft.com/office/drawing/2014/main" id="{42341D9E-860B-6F46-E0DA-9F572C1D64B7}"/>
+                  </a:ext>
+                </a:extLst>
+              </p:cNvPr>
+              <p:cNvSpPr txBox="1"/>
+              <p:nvPr/>
+            </p:nvSpPr>
+            <p:spPr>
+              <a:xfrm>
+                <a:off x="2758356" y="3900182"/>
+                <a:ext cx="468077" cy="523220"/>
+              </a:xfrm>
+              <a:prstGeom prst="rect">
+                <a:avLst/>
+              </a:prstGeom>
+              <a:noFill/>
+            </p:spPr>
+            <p:txBody>
+              <a:bodyPr wrap="none" rtlCol="0">
+                <a:spAutoFit/>
+              </a:bodyPr>
+              <a:lstStyle/>
+              <a:p>
+                <a:pPr/>
+                <a14:m>
+                  <m:oMathPara xmlns:m="http://schemas.openxmlformats.org/officeDocument/2006/math">
+                    <m:oMathParaPr>
+                      <m:jc m:val="centerGroup"/>
+                    </m:oMathParaPr>
+                    <m:oMath xmlns:m="http://schemas.openxmlformats.org/officeDocument/2006/math">
+                      <m:r>
+                        <a:rPr lang="en-US" sz="2800" b="0" i="1" smtClean="0">
+                          <a:latin typeface="Cambria Math" panose="02040503050406030204" pitchFamily="18" charset="0"/>
+                        </a:rPr>
+                        <m:t>𝑥</m:t>
+                      </m:r>
+                    </m:oMath>
+                  </m:oMathPara>
+                </a14:m>
+                <a:endParaRPr lang="en-US" dirty="0"/>
+              </a:p>
+            </p:txBody>
+          </p:sp>
+        </mc:Choice>
+        <mc:Fallback xmlns="">
+          <p:sp>
+            <p:nvSpPr>
+              <p:cNvPr id="14" name="TextBox 13">
+                <a:extLst>
+                  <a:ext uri="{FF2B5EF4-FFF2-40B4-BE49-F238E27FC236}">
+                    <a16:creationId xmlns:a16="http://schemas.microsoft.com/office/drawing/2014/main" id="{42341D9E-860B-6F46-E0DA-9F572C1D64B7}"/>
+                  </a:ext>
+                </a:extLst>
+              </p:cNvPr>
+              <p:cNvSpPr txBox="1">
+                <a:spLocks noRot="1" noChangeAspect="1" noMove="1" noResize="1" noEditPoints="1" noAdjustHandles="1" noChangeArrowheads="1" noChangeShapeType="1" noTextEdit="1"/>
+              </p:cNvSpPr>
+              <p:nvPr/>
+            </p:nvSpPr>
+            <p:spPr>
+              <a:xfrm>
+                <a:off x="2758356" y="3900182"/>
+                <a:ext cx="468077" cy="523220"/>
+              </a:xfrm>
+              <a:prstGeom prst="rect">
+                <a:avLst/>
+              </a:prstGeom>
+              <a:blipFill>
+                <a:blip r:embed="rId3"/>
+                <a:stretch>
+                  <a:fillRect/>
+                </a:stretch>
+              </a:blipFill>
+            </p:spPr>
+            <p:txBody>
+              <a:bodyPr/>
+              <a:lstStyle/>
+              <a:p>
+                <a:r>
+                  <a:rPr lang="en-US">
+                    <a:noFill/>
+                  </a:rPr>
+                  <a:t> </a:t>
+                </a:r>
+              </a:p>
+            </p:txBody>
+          </p:sp>
+        </mc:Fallback>
+      </mc:AlternateContent>
+      <mc:AlternateContent xmlns:mc="http://schemas.openxmlformats.org/markup-compatibility/2006" xmlns:a14="http://schemas.microsoft.com/office/drawing/2010/main">
+        <mc:Choice Requires="a14">
+          <p:sp>
+            <p:nvSpPr>
+              <p:cNvPr id="15" name="TextBox 14">
+                <a:extLst>
+                  <a:ext uri="{FF2B5EF4-FFF2-40B4-BE49-F238E27FC236}">
+                    <a16:creationId xmlns:a16="http://schemas.microsoft.com/office/drawing/2014/main" id="{12E02514-9A61-E838-AE54-661022887ADE}"/>
+                  </a:ext>
+                </a:extLst>
+              </p:cNvPr>
+              <p:cNvSpPr txBox="1"/>
+              <p:nvPr/>
+            </p:nvSpPr>
+            <p:spPr>
+              <a:xfrm>
+                <a:off x="2758355" y="4374255"/>
+                <a:ext cx="475579" cy="523220"/>
+              </a:xfrm>
+              <a:prstGeom prst="rect">
+                <a:avLst/>
+              </a:prstGeom>
+              <a:noFill/>
+            </p:spPr>
+            <p:txBody>
+              <a:bodyPr wrap="none" rtlCol="0">
+                <a:spAutoFit/>
+              </a:bodyPr>
+              <a:lstStyle/>
+              <a:p>
+                <a:pPr/>
+                <a14:m>
+                  <m:oMathPara xmlns:m="http://schemas.openxmlformats.org/officeDocument/2006/math">
+                    <m:oMathParaPr>
+                      <m:jc m:val="centerGroup"/>
+                    </m:oMathParaPr>
+                    <m:oMath xmlns:m="http://schemas.openxmlformats.org/officeDocument/2006/math">
+                      <m:r>
+                        <a:rPr lang="en-US" sz="2800" b="0" i="1" smtClean="0">
+                          <a:latin typeface="Cambria Math" panose="02040503050406030204" pitchFamily="18" charset="0"/>
+                        </a:rPr>
+                        <m:t>𝑎</m:t>
+                      </m:r>
+                    </m:oMath>
+                  </m:oMathPara>
+                </a14:m>
+                <a:endParaRPr lang="en-US" dirty="0"/>
+              </a:p>
+            </p:txBody>
+          </p:sp>
+        </mc:Choice>
+        <mc:Fallback xmlns="">
+          <p:sp>
+            <p:nvSpPr>
+              <p:cNvPr id="15" name="TextBox 14">
+                <a:extLst>
+                  <a:ext uri="{FF2B5EF4-FFF2-40B4-BE49-F238E27FC236}">
+                    <a16:creationId xmlns:a16="http://schemas.microsoft.com/office/drawing/2014/main" id="{12E02514-9A61-E838-AE54-661022887ADE}"/>
+                  </a:ext>
+                </a:extLst>
+              </p:cNvPr>
+              <p:cNvSpPr txBox="1">
+                <a:spLocks noRot="1" noChangeAspect="1" noMove="1" noResize="1" noEditPoints="1" noAdjustHandles="1" noChangeArrowheads="1" noChangeShapeType="1" noTextEdit="1"/>
+              </p:cNvSpPr>
+              <p:nvPr/>
+            </p:nvSpPr>
+            <p:spPr>
+              <a:xfrm>
+                <a:off x="2758355" y="4374255"/>
+                <a:ext cx="475579" cy="523220"/>
+              </a:xfrm>
+              <a:prstGeom prst="rect">
+                <a:avLst/>
+              </a:prstGeom>
+              <a:blipFill>
+                <a:blip r:embed="rId4"/>
+                <a:stretch>
+                  <a:fillRect/>
+                </a:stretch>
+              </a:blipFill>
+            </p:spPr>
+            <p:txBody>
+              <a:bodyPr/>
+              <a:lstStyle/>
+              <a:p>
+                <a:r>
+                  <a:rPr lang="en-US">
+                    <a:noFill/>
+                  </a:rPr>
+                  <a:t> </a:t>
+                </a:r>
+              </a:p>
+            </p:txBody>
+          </p:sp>
+        </mc:Fallback>
+      </mc:AlternateContent>
+      <mc:AlternateContent xmlns:mc="http://schemas.openxmlformats.org/markup-compatibility/2006" xmlns:a14="http://schemas.microsoft.com/office/drawing/2010/main">
+        <mc:Choice Requires="a14">
+          <p:sp>
+            <p:nvSpPr>
+              <p:cNvPr id="16" name="TextBox 15">
+                <a:extLst>
+                  <a:ext uri="{FF2B5EF4-FFF2-40B4-BE49-F238E27FC236}">
+                    <a16:creationId xmlns:a16="http://schemas.microsoft.com/office/drawing/2014/main" id="{E4FBA255-20E6-F6AA-0C73-8BAEC7ADB958}"/>
+                  </a:ext>
+                </a:extLst>
+              </p:cNvPr>
+              <p:cNvSpPr txBox="1"/>
+              <p:nvPr/>
+            </p:nvSpPr>
+            <p:spPr>
+              <a:xfrm>
+                <a:off x="2750854" y="4858452"/>
+                <a:ext cx="475579" cy="523220"/>
+              </a:xfrm>
+              <a:prstGeom prst="rect">
+                <a:avLst/>
+              </a:prstGeom>
+              <a:noFill/>
+            </p:spPr>
+            <p:txBody>
+              <a:bodyPr wrap="none" rtlCol="0">
+                <a:spAutoFit/>
+              </a:bodyPr>
+              <a:lstStyle/>
+              <a:p>
+                <a:pPr/>
+                <a14:m>
+                  <m:oMathPara xmlns:m="http://schemas.openxmlformats.org/officeDocument/2006/math">
+                    <m:oMathParaPr>
+                      <m:jc m:val="centerGroup"/>
+                    </m:oMathParaPr>
+                    <m:oMath xmlns:m="http://schemas.openxmlformats.org/officeDocument/2006/math">
+                      <m:r>
+                        <a:rPr lang="en-US" sz="2800" b="0" i="1" smtClean="0">
+                          <a:latin typeface="Cambria Math" panose="02040503050406030204" pitchFamily="18" charset="0"/>
+                        </a:rPr>
+                        <m:t>𝑏</m:t>
+                      </m:r>
+                    </m:oMath>
+                  </m:oMathPara>
+                </a14:m>
+                <a:endParaRPr lang="en-US" dirty="0"/>
+              </a:p>
+            </p:txBody>
+          </p:sp>
+        </mc:Choice>
+        <mc:Fallback xmlns="">
+          <p:sp>
+            <p:nvSpPr>
+              <p:cNvPr id="16" name="TextBox 15">
+                <a:extLst>
+                  <a:ext uri="{FF2B5EF4-FFF2-40B4-BE49-F238E27FC236}">
+                    <a16:creationId xmlns:a16="http://schemas.microsoft.com/office/drawing/2014/main" id="{E4FBA255-20E6-F6AA-0C73-8BAEC7ADB958}"/>
+                  </a:ext>
+                </a:extLst>
+              </p:cNvPr>
+              <p:cNvSpPr txBox="1">
+                <a:spLocks noRot="1" noChangeAspect="1" noMove="1" noResize="1" noEditPoints="1" noAdjustHandles="1" noChangeArrowheads="1" noChangeShapeType="1" noTextEdit="1"/>
+              </p:cNvSpPr>
+              <p:nvPr/>
+            </p:nvSpPr>
+            <p:spPr>
+              <a:xfrm>
+                <a:off x="2750854" y="4858452"/>
+                <a:ext cx="475579" cy="523220"/>
+              </a:xfrm>
+              <a:prstGeom prst="rect">
+                <a:avLst/>
+              </a:prstGeom>
+              <a:blipFill>
+                <a:blip r:embed="rId5"/>
+                <a:stretch>
+                  <a:fillRect/>
+                </a:stretch>
+              </a:blipFill>
+            </p:spPr>
+            <p:txBody>
+              <a:bodyPr/>
+              <a:lstStyle/>
+              <a:p>
+                <a:r>
+                  <a:rPr lang="en-US">
+                    <a:noFill/>
+                  </a:rPr>
+                  <a:t> </a:t>
+                </a:r>
+              </a:p>
+            </p:txBody>
+          </p:sp>
+        </mc:Fallback>
+      </mc:AlternateContent>
+      <mc:AlternateContent xmlns:mc="http://schemas.openxmlformats.org/markup-compatibility/2006" xmlns:a14="http://schemas.microsoft.com/office/drawing/2010/main">
+        <mc:Choice Requires="a14">
+          <p:sp>
+            <p:nvSpPr>
+              <p:cNvPr id="17" name="TextBox 16">
+                <a:extLst>
+                  <a:ext uri="{FF2B5EF4-FFF2-40B4-BE49-F238E27FC236}">
+                    <a16:creationId xmlns:a16="http://schemas.microsoft.com/office/drawing/2014/main" id="{AA5A7343-6B2C-9B77-8B2A-57A07D1B4017}"/>
+                  </a:ext>
+                </a:extLst>
+              </p:cNvPr>
+              <p:cNvSpPr txBox="1"/>
+              <p:nvPr/>
+            </p:nvSpPr>
+            <p:spPr>
+              <a:xfrm>
+                <a:off x="8121288" y="4335232"/>
+                <a:ext cx="475579" cy="523220"/>
+              </a:xfrm>
+              <a:prstGeom prst="rect">
+                <a:avLst/>
+              </a:prstGeom>
+              <a:noFill/>
+            </p:spPr>
+            <p:txBody>
+              <a:bodyPr wrap="none" rtlCol="0">
+                <a:spAutoFit/>
+              </a:bodyPr>
+              <a:lstStyle/>
+              <a:p>
+                <a:pPr/>
+                <a14:m>
+                  <m:oMathPara xmlns:m="http://schemas.openxmlformats.org/officeDocument/2006/math">
+                    <m:oMathParaPr>
+                      <m:jc m:val="centerGroup"/>
+                    </m:oMathParaPr>
+                    <m:oMath xmlns:m="http://schemas.openxmlformats.org/officeDocument/2006/math">
+                      <m:r>
+                        <a:rPr lang="en-US" sz="2800" b="0" i="1" smtClean="0">
+                          <a:latin typeface="Cambria Math" panose="02040503050406030204" pitchFamily="18" charset="0"/>
+                        </a:rPr>
+                        <m:t>𝑦</m:t>
+                      </m:r>
+                    </m:oMath>
+                  </m:oMathPara>
+                </a14:m>
+                <a:endParaRPr lang="en-US" dirty="0"/>
+              </a:p>
+            </p:txBody>
+          </p:sp>
+        </mc:Choice>
+        <mc:Fallback xmlns="">
+          <p:sp>
+            <p:nvSpPr>
+              <p:cNvPr id="17" name="TextBox 16">
+                <a:extLst>
+                  <a:ext uri="{FF2B5EF4-FFF2-40B4-BE49-F238E27FC236}">
+                    <a16:creationId xmlns:a16="http://schemas.microsoft.com/office/drawing/2014/main" id="{AA5A7343-6B2C-9B77-8B2A-57A07D1B4017}"/>
+                  </a:ext>
+                </a:extLst>
+              </p:cNvPr>
+              <p:cNvSpPr txBox="1">
+                <a:spLocks noRot="1" noChangeAspect="1" noMove="1" noResize="1" noEditPoints="1" noAdjustHandles="1" noChangeArrowheads="1" noChangeShapeType="1" noTextEdit="1"/>
+              </p:cNvSpPr>
+              <p:nvPr/>
+            </p:nvSpPr>
+            <p:spPr>
+              <a:xfrm>
+                <a:off x="8121288" y="4335232"/>
+                <a:ext cx="475579" cy="523220"/>
+              </a:xfrm>
+              <a:prstGeom prst="rect">
+                <a:avLst/>
+              </a:prstGeom>
+              <a:blipFill>
+                <a:blip r:embed="rId6"/>
+                <a:stretch>
+                  <a:fillRect/>
+                </a:stretch>
+              </a:blipFill>
+            </p:spPr>
+            <p:txBody>
+              <a:bodyPr/>
+              <a:lstStyle/>
+              <a:p>
+                <a:r>
+                  <a:rPr lang="en-US">
+                    <a:noFill/>
+                  </a:rPr>
+                  <a:t> </a:t>
+                </a:r>
+              </a:p>
+            </p:txBody>
+          </p:sp>
+        </mc:Fallback>
+      </mc:AlternateContent>
+      <p:sp>
+        <p:nvSpPr>
+          <p:cNvPr id="19" name="TextBox 18">
+            <a:extLst>
+              <a:ext uri="{FF2B5EF4-FFF2-40B4-BE49-F238E27FC236}">
+                <a16:creationId xmlns:a16="http://schemas.microsoft.com/office/drawing/2014/main" id="{17A75226-4D24-50E7-4529-BB8CAA71C664}"/>
+              </a:ext>
+            </a:extLst>
+          </p:cNvPr>
+          <p:cNvSpPr txBox="1"/>
+          <p:nvPr/>
+        </p:nvSpPr>
+        <p:spPr>
+          <a:xfrm>
+            <a:off x="8645506" y="4387319"/>
+            <a:ext cx="1681871" cy="461665"/>
+          </a:xfrm>
+          <a:prstGeom prst="rect">
+            <a:avLst/>
+          </a:prstGeom>
+          <a:noFill/>
+        </p:spPr>
+        <p:txBody>
+          <a:bodyPr wrap="none" rtlCol="0">
+            <a:spAutoFit/>
+          </a:bodyPr>
+          <a:lstStyle/>
+          <a:p>
+            <a:r>
+              <a:rPr lang="en-US" sz="2400" dirty="0">
+                <a:solidFill>
+                  <a:srgbClr val="00B050"/>
+                </a:solidFill>
+              </a:rPr>
+              <a:t>Output port</a:t>
+            </a:r>
+            <a:endParaRPr lang="en-US" dirty="0">
+              <a:solidFill>
+                <a:srgbClr val="00B050"/>
+              </a:solidFill>
+            </a:endParaRPr>
+          </a:p>
+        </p:txBody>
+      </p:sp>
+      <p:sp>
+        <p:nvSpPr>
+          <p:cNvPr id="20" name="TextBox 19">
+            <a:extLst>
+              <a:ext uri="{FF2B5EF4-FFF2-40B4-BE49-F238E27FC236}">
+                <a16:creationId xmlns:a16="http://schemas.microsoft.com/office/drawing/2014/main" id="{9530F934-71D4-864A-E2F6-8243F49EF94A}"/>
+              </a:ext>
+            </a:extLst>
+          </p:cNvPr>
+          <p:cNvSpPr txBox="1"/>
+          <p:nvPr/>
+        </p:nvSpPr>
+        <p:spPr>
+          <a:xfrm>
+            <a:off x="1036320" y="4435810"/>
+            <a:ext cx="1572866" cy="461665"/>
+          </a:xfrm>
+          <a:prstGeom prst="rect">
+            <a:avLst/>
+          </a:prstGeom>
+          <a:noFill/>
+        </p:spPr>
+        <p:txBody>
+          <a:bodyPr wrap="none" rtlCol="0">
+            <a:spAutoFit/>
+          </a:bodyPr>
+          <a:lstStyle/>
+          <a:p>
+            <a:r>
+              <a:rPr lang="en-US" sz="2400" dirty="0">
+                <a:solidFill>
+                  <a:srgbClr val="00B050"/>
+                </a:solidFill>
+              </a:rPr>
+              <a:t>Input ports</a:t>
+            </a:r>
+            <a:endParaRPr lang="en-US" dirty="0">
+              <a:solidFill>
+                <a:srgbClr val="00B050"/>
+              </a:solidFill>
+            </a:endParaRPr>
+          </a:p>
+        </p:txBody>
+      </p:sp>
+    </p:spTree>
+    <p:extLst>
+      <p:ext uri="{BB962C8B-B14F-4D97-AF65-F5344CB8AC3E}">
+        <p14:creationId xmlns:p14="http://schemas.microsoft.com/office/powerpoint/2010/main" val="1279179397"/>
+      </p:ext>
+    </p:extLst>
+  </p:cSld>
+  <p:clrMapOvr>
+    <a:masterClrMapping/>
+  </p:clrMapOvr>
+</p:sld>
+</file>
+
+<file path=ppt/slides/slide40.xml><?xml version="1.0" encoding="utf-8"?>
 <p:sld xmlns:a="http://schemas.openxmlformats.org/drawingml/2006/main" xmlns:r="http://schemas.openxmlformats.org/officeDocument/2006/relationships" xmlns:p="http://schemas.openxmlformats.org/presentationml/2006/main">
   <p:cSld>
     <p:spTree>
@@ -17880,7 +19116,7 @@
           <a:p>
             <a:fld id="{629637A9-119A-49DA-BD12-AAC58B377D80}" type="slidenum">
               <a:rPr lang="en-US" smtClean="0"/>
-              <a:t>39</a:t>
+              <a:t>40</a:t>
             </a:fld>
             <a:endParaRPr lang="en-US" dirty="0"/>
           </a:p>
@@ -19286,974 +20522,7 @@
 </p:sld>
 </file>
 
-<file path=ppt/slides/slide4.xml><?xml version="1.0" encoding="utf-8"?>
-<p:sld xmlns:a="http://schemas.openxmlformats.org/drawingml/2006/main" xmlns:r="http://schemas.openxmlformats.org/officeDocument/2006/relationships" xmlns:p="http://schemas.openxmlformats.org/presentationml/2006/main">
-  <p:cSld>
-    <p:spTree>
-      <p:nvGrpSpPr>
-        <p:cNvPr id="1" name=""/>
-        <p:cNvGrpSpPr/>
-        <p:nvPr/>
-      </p:nvGrpSpPr>
-      <p:grpSpPr>
-        <a:xfrm>
-          <a:off x="0" y="0"/>
-          <a:ext cx="0" cy="0"/>
-          <a:chOff x="0" y="0"/>
-          <a:chExt cx="0" cy="0"/>
-        </a:xfrm>
-      </p:grpSpPr>
-      <p:sp>
-        <p:nvSpPr>
-          <p:cNvPr id="2" name="Title 1">
-            <a:extLst>
-              <a:ext uri="{FF2B5EF4-FFF2-40B4-BE49-F238E27FC236}">
-                <a16:creationId xmlns:a16="http://schemas.microsoft.com/office/drawing/2014/main" id="{6CFA39AD-C4E3-E69C-1A9B-E391E0A38068}"/>
-              </a:ext>
-            </a:extLst>
-          </p:cNvPr>
-          <p:cNvSpPr>
-            <a:spLocks noGrp="1"/>
-          </p:cNvSpPr>
-          <p:nvPr>
-            <p:ph type="title"/>
-          </p:nvPr>
-        </p:nvSpPr>
-        <p:spPr/>
-        <p:txBody>
-          <a:bodyPr/>
-          <a:lstStyle/>
-          <a:p>
-            <a:r>
-              <a:rPr lang="en-US" dirty="0"/>
-              <a:t>Simple Example:  </a:t>
-            </a:r>
-            <a:r>
-              <a:rPr lang="en-US" dirty="0" err="1"/>
-              <a:t>ReLU</a:t>
-            </a:r>
-            <a:r>
-              <a:rPr lang="en-US" dirty="0"/>
-              <a:t> + Linear</a:t>
-            </a:r>
-          </a:p>
-        </p:txBody>
-      </p:sp>
-      <mc:AlternateContent xmlns:mc="http://schemas.openxmlformats.org/markup-compatibility/2006" xmlns:a14="http://schemas.microsoft.com/office/drawing/2010/main">
-        <mc:Choice Requires="a14">
-          <p:sp>
-            <p:nvSpPr>
-              <p:cNvPr id="3" name="Content Placeholder 2">
-                <a:extLst>
-                  <a:ext uri="{FF2B5EF4-FFF2-40B4-BE49-F238E27FC236}">
-                    <a16:creationId xmlns:a16="http://schemas.microsoft.com/office/drawing/2014/main" id="{182C3F6B-499A-181F-3FE7-8ECCD425CF51}"/>
-                  </a:ext>
-                </a:extLst>
-              </p:cNvPr>
-              <p:cNvSpPr>
-                <a:spLocks noGrp="1"/>
-              </p:cNvSpPr>
-              <p:nvPr>
-                <p:ph idx="1"/>
-              </p:nvPr>
-            </p:nvSpPr>
-            <p:spPr/>
-            <p:txBody>
-              <a:bodyPr>
-                <a:normAutofit/>
-              </a:bodyPr>
-              <a:lstStyle/>
-              <a:p>
-                <a:pPr marL="0" indent="0">
-                  <a:buNone/>
-                </a:pPr>
-                <a:r>
-                  <a:rPr lang="en-US" sz="2400" dirty="0">
-                    <a:solidFill>
-                      <a:schemeClr val="accent1">
-                        <a:lumMod val="60000"/>
-                        <a:lumOff val="40000"/>
-                      </a:schemeClr>
-                    </a:solidFill>
-                  </a:rPr>
-                  <a:t>Goal</a:t>
-                </a:r>
-                <a:r>
-                  <a:rPr lang="en-US" sz="2400" dirty="0"/>
-                  <a:t>:  Implement a module for the function</a:t>
-                </a:r>
-                <a:br>
-                  <a:rPr lang="en-US" sz="2400" dirty="0"/>
-                </a:br>
-                <a14:m>
-                  <m:oMathPara xmlns:m="http://schemas.openxmlformats.org/officeDocument/2006/math">
-                    <m:oMathParaPr>
-                      <m:jc m:val="centerGroup"/>
-                    </m:oMathParaPr>
-                    <m:oMath xmlns:m="http://schemas.openxmlformats.org/officeDocument/2006/math">
-                      <m:r>
-                        <a:rPr lang="en-US" sz="2400" b="0" i="1" smtClean="0">
-                          <a:latin typeface="Cambria Math" panose="02040503050406030204" pitchFamily="18" charset="0"/>
-                        </a:rPr>
-                        <m:t>𝑦</m:t>
-                      </m:r>
-                      <m:r>
-                        <a:rPr lang="en-US" sz="2400" b="0" i="1" smtClean="0">
-                          <a:latin typeface="Cambria Math" panose="02040503050406030204" pitchFamily="18" charset="0"/>
-                        </a:rPr>
-                        <m:t>=</m:t>
-                      </m:r>
-                      <m:func>
-                        <m:funcPr>
-                          <m:ctrlPr>
-                            <a:rPr lang="en-US" sz="2400" b="0" i="1" smtClean="0">
-                              <a:latin typeface="Cambria Math" panose="02040503050406030204" pitchFamily="18" charset="0"/>
-                            </a:rPr>
-                          </m:ctrlPr>
-                        </m:funcPr>
-                        <m:fName>
-                          <m:r>
-                            <m:rPr>
-                              <m:sty m:val="p"/>
-                            </m:rPr>
-                            <a:rPr lang="en-US" sz="2400" b="0" i="0" smtClean="0">
-                              <a:latin typeface="Cambria Math" panose="02040503050406030204" pitchFamily="18" charset="0"/>
-                            </a:rPr>
-                            <m:t>max</m:t>
-                          </m:r>
-                        </m:fName>
-                        <m:e>
-                          <m:d>
-                            <m:dPr>
-                              <m:begChr m:val="{"/>
-                              <m:endChr m:val="}"/>
-                              <m:ctrlPr>
-                                <a:rPr lang="en-US" sz="2400" b="0" i="1" smtClean="0">
-                                  <a:latin typeface="Cambria Math" panose="02040503050406030204" pitchFamily="18" charset="0"/>
-                                </a:rPr>
-                              </m:ctrlPr>
-                            </m:dPr>
-                            <m:e>
-                              <m:r>
-                                <a:rPr lang="en-US" sz="2400" b="0" i="1" smtClean="0">
-                                  <a:latin typeface="Cambria Math" panose="02040503050406030204" pitchFamily="18" charset="0"/>
-                                </a:rPr>
-                                <m:t>𝑎𝑥</m:t>
-                              </m:r>
-                              <m:r>
-                                <a:rPr lang="en-US" sz="2400" b="0" i="1" smtClean="0">
-                                  <a:latin typeface="Cambria Math" panose="02040503050406030204" pitchFamily="18" charset="0"/>
-                                </a:rPr>
-                                <m:t>+</m:t>
-                              </m:r>
-                              <m:r>
-                                <a:rPr lang="en-US" sz="2400" b="0" i="1" smtClean="0">
-                                  <a:latin typeface="Cambria Math" panose="02040503050406030204" pitchFamily="18" charset="0"/>
-                                </a:rPr>
-                                <m:t>𝑏</m:t>
-                              </m:r>
-                              <m:r>
-                                <a:rPr lang="en-US" sz="2400" b="0" i="1" smtClean="0">
-                                  <a:latin typeface="Cambria Math" panose="02040503050406030204" pitchFamily="18" charset="0"/>
-                                </a:rPr>
-                                <m:t>, 0</m:t>
-                              </m:r>
-                            </m:e>
-                          </m:d>
-                        </m:e>
-                      </m:func>
-                    </m:oMath>
-                  </m:oMathPara>
-                </a14:m>
-                <a:endParaRPr lang="en-US" sz="2400" b="0" dirty="0"/>
-              </a:p>
-              <a:p>
-                <a:pPr lvl="1"/>
-                <a:r>
-                  <a:rPr lang="en-US" sz="2400" dirty="0"/>
-                  <a:t>Linear function + </a:t>
-                </a:r>
-                <a:r>
-                  <a:rPr lang="en-US" sz="2400" dirty="0" err="1"/>
-                  <a:t>ReLU</a:t>
-                </a:r>
-                <a:endParaRPr lang="en-US" sz="2400" dirty="0"/>
-              </a:p>
-              <a:p>
-                <a:pPr lvl="1"/>
-                <a:r>
-                  <a:rPr lang="en-US" sz="2400" dirty="0"/>
-                  <a:t>Used widely in machine learning</a:t>
-                </a:r>
-              </a:p>
-            </p:txBody>
-          </p:sp>
-        </mc:Choice>
-        <mc:Fallback xmlns="">
-          <p:sp>
-            <p:nvSpPr>
-              <p:cNvPr id="3" name="Content Placeholder 2">
-                <a:extLst>
-                  <a:ext uri="{FF2B5EF4-FFF2-40B4-BE49-F238E27FC236}">
-                    <a16:creationId xmlns:a16="http://schemas.microsoft.com/office/drawing/2014/main" id="{182C3F6B-499A-181F-3FE7-8ECCD425CF51}"/>
-                  </a:ext>
-                </a:extLst>
-              </p:cNvPr>
-              <p:cNvSpPr>
-                <a:spLocks noGrp="1" noRot="1" noChangeAspect="1" noMove="1" noResize="1" noEditPoints="1" noAdjustHandles="1" noChangeArrowheads="1" noChangeShapeType="1" noTextEdit="1"/>
-              </p:cNvSpPr>
-              <p:nvPr>
-                <p:ph idx="1"/>
-              </p:nvPr>
-            </p:nvSpPr>
-            <p:spPr>
-              <a:blipFill>
-                <a:blip r:embed="rId2"/>
-                <a:stretch>
-                  <a:fillRect l="-1818" t="-1972"/>
-                </a:stretch>
-              </a:blipFill>
-            </p:spPr>
-            <p:txBody>
-              <a:bodyPr/>
-              <a:lstStyle/>
-              <a:p>
-                <a:r>
-                  <a:rPr lang="en-US">
-                    <a:noFill/>
-                  </a:rPr>
-                  <a:t> </a:t>
-                </a:r>
-              </a:p>
-            </p:txBody>
-          </p:sp>
-        </mc:Fallback>
-      </mc:AlternateContent>
-      <p:sp>
-        <p:nvSpPr>
-          <p:cNvPr id="4" name="Slide Number Placeholder 3">
-            <a:extLst>
-              <a:ext uri="{FF2B5EF4-FFF2-40B4-BE49-F238E27FC236}">
-                <a16:creationId xmlns:a16="http://schemas.microsoft.com/office/drawing/2014/main" id="{5771B6C6-52C3-B217-47F8-F3F70581238D}"/>
-              </a:ext>
-            </a:extLst>
-          </p:cNvPr>
-          <p:cNvSpPr>
-            <a:spLocks noGrp="1"/>
-          </p:cNvSpPr>
-          <p:nvPr>
-            <p:ph type="sldNum" sz="quarter" idx="12"/>
-          </p:nvPr>
-        </p:nvSpPr>
-        <p:spPr/>
-        <p:txBody>
-          <a:bodyPr/>
-          <a:lstStyle/>
-          <a:p>
-            <a:fld id="{629637A9-119A-49DA-BD12-AAC58B377D80}" type="slidenum">
-              <a:rPr lang="en-US" smtClean="0"/>
-              <a:t>4</a:t>
-            </a:fld>
-            <a:endParaRPr lang="en-US" dirty="0"/>
-          </a:p>
-        </p:txBody>
-      </p:sp>
-      <p:sp>
-        <p:nvSpPr>
-          <p:cNvPr id="5" name="Rectangle: Rounded Corners 4">
-            <a:extLst>
-              <a:ext uri="{FF2B5EF4-FFF2-40B4-BE49-F238E27FC236}">
-                <a16:creationId xmlns:a16="http://schemas.microsoft.com/office/drawing/2014/main" id="{3D1FFF23-8720-B06E-AFD6-9918105B9306}"/>
-              </a:ext>
-            </a:extLst>
-          </p:cNvPr>
-          <p:cNvSpPr/>
-          <p:nvPr/>
-        </p:nvSpPr>
-        <p:spPr>
-          <a:xfrm>
-            <a:off x="4773792" y="3704185"/>
-            <a:ext cx="1990725" cy="1957388"/>
-          </a:xfrm>
-          <a:prstGeom prst="roundRect">
-            <a:avLst/>
-          </a:prstGeom>
-          <a:solidFill>
-            <a:schemeClr val="accent1">
-              <a:lumMod val="20000"/>
-              <a:lumOff val="80000"/>
-            </a:schemeClr>
-          </a:solidFill>
-        </p:spPr>
-        <p:style>
-          <a:lnRef idx="2">
-            <a:schemeClr val="accent1">
-              <a:shade val="15000"/>
-            </a:schemeClr>
-          </a:lnRef>
-          <a:fillRef idx="1">
-            <a:schemeClr val="accent1"/>
-          </a:fillRef>
-          <a:effectRef idx="0">
-            <a:schemeClr val="accent1"/>
-          </a:effectRef>
-          <a:fontRef idx="minor">
-            <a:schemeClr val="lt1"/>
-          </a:fontRef>
-        </p:style>
-        <p:txBody>
-          <a:bodyPr rtlCol="0" anchor="ctr"/>
-          <a:lstStyle/>
-          <a:p>
-            <a:pPr algn="ctr"/>
-            <a:endParaRPr lang="en-US"/>
-          </a:p>
-        </p:txBody>
-      </p:sp>
-      <p:cxnSp>
-        <p:nvCxnSpPr>
-          <p:cNvPr id="7" name="Straight Arrow Connector 6">
-            <a:extLst>
-              <a:ext uri="{FF2B5EF4-FFF2-40B4-BE49-F238E27FC236}">
-                <a16:creationId xmlns:a16="http://schemas.microsoft.com/office/drawing/2014/main" id="{F24DBA75-1DA1-3B37-064C-D0CD4B024C95}"/>
-              </a:ext>
-            </a:extLst>
-          </p:cNvPr>
-          <p:cNvCxnSpPr/>
-          <p:nvPr/>
-        </p:nvCxnSpPr>
-        <p:spPr>
-          <a:xfrm>
-            <a:off x="3268842" y="4213772"/>
-            <a:ext cx="1504950" cy="0"/>
-          </a:xfrm>
-          <a:prstGeom prst="straightConnector1">
-            <a:avLst/>
-          </a:prstGeom>
-          <a:ln w="19050">
-            <a:tailEnd type="triangle"/>
-          </a:ln>
-        </p:spPr>
-        <p:style>
-          <a:lnRef idx="1">
-            <a:schemeClr val="accent1"/>
-          </a:lnRef>
-          <a:fillRef idx="0">
-            <a:schemeClr val="accent1"/>
-          </a:fillRef>
-          <a:effectRef idx="0">
-            <a:schemeClr val="accent1"/>
-          </a:effectRef>
-          <a:fontRef idx="minor">
-            <a:schemeClr val="tx1"/>
-          </a:fontRef>
-        </p:style>
-      </p:cxnSp>
-      <p:cxnSp>
-        <p:nvCxnSpPr>
-          <p:cNvPr id="8" name="Straight Arrow Connector 7">
-            <a:extLst>
-              <a:ext uri="{FF2B5EF4-FFF2-40B4-BE49-F238E27FC236}">
-                <a16:creationId xmlns:a16="http://schemas.microsoft.com/office/drawing/2014/main" id="{9D4785C0-8EA6-26C6-0F51-78BFECB37F58}"/>
-              </a:ext>
-            </a:extLst>
-          </p:cNvPr>
-          <p:cNvCxnSpPr/>
-          <p:nvPr/>
-        </p:nvCxnSpPr>
-        <p:spPr>
-          <a:xfrm>
-            <a:off x="3268842" y="5071022"/>
-            <a:ext cx="1504950" cy="0"/>
-          </a:xfrm>
-          <a:prstGeom prst="straightConnector1">
-            <a:avLst/>
-          </a:prstGeom>
-          <a:ln w="19050">
-            <a:tailEnd type="triangle"/>
-          </a:ln>
-        </p:spPr>
-        <p:style>
-          <a:lnRef idx="1">
-            <a:schemeClr val="accent1"/>
-          </a:lnRef>
-          <a:fillRef idx="0">
-            <a:schemeClr val="accent1"/>
-          </a:fillRef>
-          <a:effectRef idx="0">
-            <a:schemeClr val="accent1"/>
-          </a:effectRef>
-          <a:fontRef idx="minor">
-            <a:schemeClr val="tx1"/>
-          </a:fontRef>
-        </p:style>
-      </p:cxnSp>
-      <p:cxnSp>
-        <p:nvCxnSpPr>
-          <p:cNvPr id="9" name="Straight Arrow Connector 8">
-            <a:extLst>
-              <a:ext uri="{FF2B5EF4-FFF2-40B4-BE49-F238E27FC236}">
-                <a16:creationId xmlns:a16="http://schemas.microsoft.com/office/drawing/2014/main" id="{BD9C9CE2-EB87-E202-5CB2-D6E50B4E525C}"/>
-              </a:ext>
-            </a:extLst>
-          </p:cNvPr>
-          <p:cNvCxnSpPr>
-            <a:cxnSpLocks/>
-          </p:cNvCxnSpPr>
-          <p:nvPr/>
-        </p:nvCxnSpPr>
-        <p:spPr>
-          <a:xfrm>
-            <a:off x="6764517" y="4604297"/>
-            <a:ext cx="1308132" cy="0"/>
-          </a:xfrm>
-          <a:prstGeom prst="straightConnector1">
-            <a:avLst/>
-          </a:prstGeom>
-          <a:ln w="19050">
-            <a:tailEnd type="triangle"/>
-          </a:ln>
-        </p:spPr>
-        <p:style>
-          <a:lnRef idx="1">
-            <a:schemeClr val="accent1"/>
-          </a:lnRef>
-          <a:fillRef idx="0">
-            <a:schemeClr val="accent1"/>
-          </a:fillRef>
-          <a:effectRef idx="0">
-            <a:schemeClr val="accent1"/>
-          </a:effectRef>
-          <a:fontRef idx="minor">
-            <a:schemeClr val="tx1"/>
-          </a:fontRef>
-        </p:style>
-      </p:cxnSp>
-      <p:cxnSp>
-        <p:nvCxnSpPr>
-          <p:cNvPr id="12" name="Straight Arrow Connector 11">
-            <a:extLst>
-              <a:ext uri="{FF2B5EF4-FFF2-40B4-BE49-F238E27FC236}">
-                <a16:creationId xmlns:a16="http://schemas.microsoft.com/office/drawing/2014/main" id="{1FB4964D-ABD3-D4C7-D031-49F37CBFB325}"/>
-              </a:ext>
-            </a:extLst>
-          </p:cNvPr>
-          <p:cNvCxnSpPr/>
-          <p:nvPr/>
-        </p:nvCxnSpPr>
-        <p:spPr>
-          <a:xfrm>
-            <a:off x="3268842" y="4604297"/>
-            <a:ext cx="1504950" cy="0"/>
-          </a:xfrm>
-          <a:prstGeom prst="straightConnector1">
-            <a:avLst/>
-          </a:prstGeom>
-          <a:ln w="19050">
-            <a:tailEnd type="triangle"/>
-          </a:ln>
-        </p:spPr>
-        <p:style>
-          <a:lnRef idx="1">
-            <a:schemeClr val="accent1"/>
-          </a:lnRef>
-          <a:fillRef idx="0">
-            <a:schemeClr val="accent1"/>
-          </a:fillRef>
-          <a:effectRef idx="0">
-            <a:schemeClr val="accent1"/>
-          </a:effectRef>
-          <a:fontRef idx="minor">
-            <a:schemeClr val="tx1"/>
-          </a:fontRef>
-        </p:style>
-      </p:cxnSp>
-      <mc:AlternateContent xmlns:mc="http://schemas.openxmlformats.org/markup-compatibility/2006" xmlns:a14="http://schemas.microsoft.com/office/drawing/2010/main">
-        <mc:Choice Requires="a14">
-          <p:sp>
-            <p:nvSpPr>
-              <p:cNvPr id="14" name="TextBox 13">
-                <a:extLst>
-                  <a:ext uri="{FF2B5EF4-FFF2-40B4-BE49-F238E27FC236}">
-                    <a16:creationId xmlns:a16="http://schemas.microsoft.com/office/drawing/2014/main" id="{42341D9E-860B-6F46-E0DA-9F572C1D64B7}"/>
-                  </a:ext>
-                </a:extLst>
-              </p:cNvPr>
-              <p:cNvSpPr txBox="1"/>
-              <p:nvPr/>
-            </p:nvSpPr>
-            <p:spPr>
-              <a:xfrm>
-                <a:off x="2758356" y="3900182"/>
-                <a:ext cx="468077" cy="523220"/>
-              </a:xfrm>
-              <a:prstGeom prst="rect">
-                <a:avLst/>
-              </a:prstGeom>
-              <a:noFill/>
-            </p:spPr>
-            <p:txBody>
-              <a:bodyPr wrap="none" rtlCol="0">
-                <a:spAutoFit/>
-              </a:bodyPr>
-              <a:lstStyle/>
-              <a:p>
-                <a:pPr/>
-                <a14:m>
-                  <m:oMathPara xmlns:m="http://schemas.openxmlformats.org/officeDocument/2006/math">
-                    <m:oMathParaPr>
-                      <m:jc m:val="centerGroup"/>
-                    </m:oMathParaPr>
-                    <m:oMath xmlns:m="http://schemas.openxmlformats.org/officeDocument/2006/math">
-                      <m:r>
-                        <a:rPr lang="en-US" sz="2800" b="0" i="1" smtClean="0">
-                          <a:latin typeface="Cambria Math" panose="02040503050406030204" pitchFamily="18" charset="0"/>
-                        </a:rPr>
-                        <m:t>𝑥</m:t>
-                      </m:r>
-                    </m:oMath>
-                  </m:oMathPara>
-                </a14:m>
-                <a:endParaRPr lang="en-US" dirty="0"/>
-              </a:p>
-            </p:txBody>
-          </p:sp>
-        </mc:Choice>
-        <mc:Fallback xmlns="">
-          <p:sp>
-            <p:nvSpPr>
-              <p:cNvPr id="14" name="TextBox 13">
-                <a:extLst>
-                  <a:ext uri="{FF2B5EF4-FFF2-40B4-BE49-F238E27FC236}">
-                    <a16:creationId xmlns:a16="http://schemas.microsoft.com/office/drawing/2014/main" id="{42341D9E-860B-6F46-E0DA-9F572C1D64B7}"/>
-                  </a:ext>
-                </a:extLst>
-              </p:cNvPr>
-              <p:cNvSpPr txBox="1">
-                <a:spLocks noRot="1" noChangeAspect="1" noMove="1" noResize="1" noEditPoints="1" noAdjustHandles="1" noChangeArrowheads="1" noChangeShapeType="1" noTextEdit="1"/>
-              </p:cNvSpPr>
-              <p:nvPr/>
-            </p:nvSpPr>
-            <p:spPr>
-              <a:xfrm>
-                <a:off x="2758356" y="3900182"/>
-                <a:ext cx="468077" cy="523220"/>
-              </a:xfrm>
-              <a:prstGeom prst="rect">
-                <a:avLst/>
-              </a:prstGeom>
-              <a:blipFill>
-                <a:blip r:embed="rId3"/>
-                <a:stretch>
-                  <a:fillRect/>
-                </a:stretch>
-              </a:blipFill>
-            </p:spPr>
-            <p:txBody>
-              <a:bodyPr/>
-              <a:lstStyle/>
-              <a:p>
-                <a:r>
-                  <a:rPr lang="en-US">
-                    <a:noFill/>
-                  </a:rPr>
-                  <a:t> </a:t>
-                </a:r>
-              </a:p>
-            </p:txBody>
-          </p:sp>
-        </mc:Fallback>
-      </mc:AlternateContent>
-      <mc:AlternateContent xmlns:mc="http://schemas.openxmlformats.org/markup-compatibility/2006" xmlns:a14="http://schemas.microsoft.com/office/drawing/2010/main">
-        <mc:Choice Requires="a14">
-          <p:sp>
-            <p:nvSpPr>
-              <p:cNvPr id="15" name="TextBox 14">
-                <a:extLst>
-                  <a:ext uri="{FF2B5EF4-FFF2-40B4-BE49-F238E27FC236}">
-                    <a16:creationId xmlns:a16="http://schemas.microsoft.com/office/drawing/2014/main" id="{12E02514-9A61-E838-AE54-661022887ADE}"/>
-                  </a:ext>
-                </a:extLst>
-              </p:cNvPr>
-              <p:cNvSpPr txBox="1"/>
-              <p:nvPr/>
-            </p:nvSpPr>
-            <p:spPr>
-              <a:xfrm>
-                <a:off x="2758355" y="4374255"/>
-                <a:ext cx="475579" cy="523220"/>
-              </a:xfrm>
-              <a:prstGeom prst="rect">
-                <a:avLst/>
-              </a:prstGeom>
-              <a:noFill/>
-            </p:spPr>
-            <p:txBody>
-              <a:bodyPr wrap="none" rtlCol="0">
-                <a:spAutoFit/>
-              </a:bodyPr>
-              <a:lstStyle/>
-              <a:p>
-                <a:pPr/>
-                <a14:m>
-                  <m:oMathPara xmlns:m="http://schemas.openxmlformats.org/officeDocument/2006/math">
-                    <m:oMathParaPr>
-                      <m:jc m:val="centerGroup"/>
-                    </m:oMathParaPr>
-                    <m:oMath xmlns:m="http://schemas.openxmlformats.org/officeDocument/2006/math">
-                      <m:r>
-                        <a:rPr lang="en-US" sz="2800" b="0" i="1" smtClean="0">
-                          <a:latin typeface="Cambria Math" panose="02040503050406030204" pitchFamily="18" charset="0"/>
-                        </a:rPr>
-                        <m:t>𝑎</m:t>
-                      </m:r>
-                    </m:oMath>
-                  </m:oMathPara>
-                </a14:m>
-                <a:endParaRPr lang="en-US" dirty="0"/>
-              </a:p>
-            </p:txBody>
-          </p:sp>
-        </mc:Choice>
-        <mc:Fallback xmlns="">
-          <p:sp>
-            <p:nvSpPr>
-              <p:cNvPr id="15" name="TextBox 14">
-                <a:extLst>
-                  <a:ext uri="{FF2B5EF4-FFF2-40B4-BE49-F238E27FC236}">
-                    <a16:creationId xmlns:a16="http://schemas.microsoft.com/office/drawing/2014/main" id="{12E02514-9A61-E838-AE54-661022887ADE}"/>
-                  </a:ext>
-                </a:extLst>
-              </p:cNvPr>
-              <p:cNvSpPr txBox="1">
-                <a:spLocks noRot="1" noChangeAspect="1" noMove="1" noResize="1" noEditPoints="1" noAdjustHandles="1" noChangeArrowheads="1" noChangeShapeType="1" noTextEdit="1"/>
-              </p:cNvSpPr>
-              <p:nvPr/>
-            </p:nvSpPr>
-            <p:spPr>
-              <a:xfrm>
-                <a:off x="2758355" y="4374255"/>
-                <a:ext cx="475579" cy="523220"/>
-              </a:xfrm>
-              <a:prstGeom prst="rect">
-                <a:avLst/>
-              </a:prstGeom>
-              <a:blipFill>
-                <a:blip r:embed="rId4"/>
-                <a:stretch>
-                  <a:fillRect/>
-                </a:stretch>
-              </a:blipFill>
-            </p:spPr>
-            <p:txBody>
-              <a:bodyPr/>
-              <a:lstStyle/>
-              <a:p>
-                <a:r>
-                  <a:rPr lang="en-US">
-                    <a:noFill/>
-                  </a:rPr>
-                  <a:t> </a:t>
-                </a:r>
-              </a:p>
-            </p:txBody>
-          </p:sp>
-        </mc:Fallback>
-      </mc:AlternateContent>
-      <mc:AlternateContent xmlns:mc="http://schemas.openxmlformats.org/markup-compatibility/2006" xmlns:a14="http://schemas.microsoft.com/office/drawing/2010/main">
-        <mc:Choice Requires="a14">
-          <p:sp>
-            <p:nvSpPr>
-              <p:cNvPr id="16" name="TextBox 15">
-                <a:extLst>
-                  <a:ext uri="{FF2B5EF4-FFF2-40B4-BE49-F238E27FC236}">
-                    <a16:creationId xmlns:a16="http://schemas.microsoft.com/office/drawing/2014/main" id="{E4FBA255-20E6-F6AA-0C73-8BAEC7ADB958}"/>
-                  </a:ext>
-                </a:extLst>
-              </p:cNvPr>
-              <p:cNvSpPr txBox="1"/>
-              <p:nvPr/>
-            </p:nvSpPr>
-            <p:spPr>
-              <a:xfrm>
-                <a:off x="2750854" y="4858452"/>
-                <a:ext cx="475579" cy="523220"/>
-              </a:xfrm>
-              <a:prstGeom prst="rect">
-                <a:avLst/>
-              </a:prstGeom>
-              <a:noFill/>
-            </p:spPr>
-            <p:txBody>
-              <a:bodyPr wrap="none" rtlCol="0">
-                <a:spAutoFit/>
-              </a:bodyPr>
-              <a:lstStyle/>
-              <a:p>
-                <a:pPr/>
-                <a14:m>
-                  <m:oMathPara xmlns:m="http://schemas.openxmlformats.org/officeDocument/2006/math">
-                    <m:oMathParaPr>
-                      <m:jc m:val="centerGroup"/>
-                    </m:oMathParaPr>
-                    <m:oMath xmlns:m="http://schemas.openxmlformats.org/officeDocument/2006/math">
-                      <m:r>
-                        <a:rPr lang="en-US" sz="2800" b="0" i="1" smtClean="0">
-                          <a:latin typeface="Cambria Math" panose="02040503050406030204" pitchFamily="18" charset="0"/>
-                        </a:rPr>
-                        <m:t>𝑏</m:t>
-                      </m:r>
-                    </m:oMath>
-                  </m:oMathPara>
-                </a14:m>
-                <a:endParaRPr lang="en-US" dirty="0"/>
-              </a:p>
-            </p:txBody>
-          </p:sp>
-        </mc:Choice>
-        <mc:Fallback xmlns="">
-          <p:sp>
-            <p:nvSpPr>
-              <p:cNvPr id="16" name="TextBox 15">
-                <a:extLst>
-                  <a:ext uri="{FF2B5EF4-FFF2-40B4-BE49-F238E27FC236}">
-                    <a16:creationId xmlns:a16="http://schemas.microsoft.com/office/drawing/2014/main" id="{E4FBA255-20E6-F6AA-0C73-8BAEC7ADB958}"/>
-                  </a:ext>
-                </a:extLst>
-              </p:cNvPr>
-              <p:cNvSpPr txBox="1">
-                <a:spLocks noRot="1" noChangeAspect="1" noMove="1" noResize="1" noEditPoints="1" noAdjustHandles="1" noChangeArrowheads="1" noChangeShapeType="1" noTextEdit="1"/>
-              </p:cNvSpPr>
-              <p:nvPr/>
-            </p:nvSpPr>
-            <p:spPr>
-              <a:xfrm>
-                <a:off x="2750854" y="4858452"/>
-                <a:ext cx="475579" cy="523220"/>
-              </a:xfrm>
-              <a:prstGeom prst="rect">
-                <a:avLst/>
-              </a:prstGeom>
-              <a:blipFill>
-                <a:blip r:embed="rId5"/>
-                <a:stretch>
-                  <a:fillRect/>
-                </a:stretch>
-              </a:blipFill>
-            </p:spPr>
-            <p:txBody>
-              <a:bodyPr/>
-              <a:lstStyle/>
-              <a:p>
-                <a:r>
-                  <a:rPr lang="en-US">
-                    <a:noFill/>
-                  </a:rPr>
-                  <a:t> </a:t>
-                </a:r>
-              </a:p>
-            </p:txBody>
-          </p:sp>
-        </mc:Fallback>
-      </mc:AlternateContent>
-      <mc:AlternateContent xmlns:mc="http://schemas.openxmlformats.org/markup-compatibility/2006" xmlns:a14="http://schemas.microsoft.com/office/drawing/2010/main">
-        <mc:Choice Requires="a14">
-          <p:sp>
-            <p:nvSpPr>
-              <p:cNvPr id="17" name="TextBox 16">
-                <a:extLst>
-                  <a:ext uri="{FF2B5EF4-FFF2-40B4-BE49-F238E27FC236}">
-                    <a16:creationId xmlns:a16="http://schemas.microsoft.com/office/drawing/2014/main" id="{AA5A7343-6B2C-9B77-8B2A-57A07D1B4017}"/>
-                  </a:ext>
-                </a:extLst>
-              </p:cNvPr>
-              <p:cNvSpPr txBox="1"/>
-              <p:nvPr/>
-            </p:nvSpPr>
-            <p:spPr>
-              <a:xfrm>
-                <a:off x="8121288" y="4335232"/>
-                <a:ext cx="475579" cy="523220"/>
-              </a:xfrm>
-              <a:prstGeom prst="rect">
-                <a:avLst/>
-              </a:prstGeom>
-              <a:noFill/>
-            </p:spPr>
-            <p:txBody>
-              <a:bodyPr wrap="none" rtlCol="0">
-                <a:spAutoFit/>
-              </a:bodyPr>
-              <a:lstStyle/>
-              <a:p>
-                <a:pPr/>
-                <a14:m>
-                  <m:oMathPara xmlns:m="http://schemas.openxmlformats.org/officeDocument/2006/math">
-                    <m:oMathParaPr>
-                      <m:jc m:val="centerGroup"/>
-                    </m:oMathParaPr>
-                    <m:oMath xmlns:m="http://schemas.openxmlformats.org/officeDocument/2006/math">
-                      <m:r>
-                        <a:rPr lang="en-US" sz="2800" b="0" i="1" smtClean="0">
-                          <a:latin typeface="Cambria Math" panose="02040503050406030204" pitchFamily="18" charset="0"/>
-                        </a:rPr>
-                        <m:t>𝑦</m:t>
-                      </m:r>
-                    </m:oMath>
-                  </m:oMathPara>
-                </a14:m>
-                <a:endParaRPr lang="en-US" dirty="0"/>
-              </a:p>
-            </p:txBody>
-          </p:sp>
-        </mc:Choice>
-        <mc:Fallback xmlns="">
-          <p:sp>
-            <p:nvSpPr>
-              <p:cNvPr id="17" name="TextBox 16">
-                <a:extLst>
-                  <a:ext uri="{FF2B5EF4-FFF2-40B4-BE49-F238E27FC236}">
-                    <a16:creationId xmlns:a16="http://schemas.microsoft.com/office/drawing/2014/main" id="{AA5A7343-6B2C-9B77-8B2A-57A07D1B4017}"/>
-                  </a:ext>
-                </a:extLst>
-              </p:cNvPr>
-              <p:cNvSpPr txBox="1">
-                <a:spLocks noRot="1" noChangeAspect="1" noMove="1" noResize="1" noEditPoints="1" noAdjustHandles="1" noChangeArrowheads="1" noChangeShapeType="1" noTextEdit="1"/>
-              </p:cNvSpPr>
-              <p:nvPr/>
-            </p:nvSpPr>
-            <p:spPr>
-              <a:xfrm>
-                <a:off x="8121288" y="4335232"/>
-                <a:ext cx="475579" cy="523220"/>
-              </a:xfrm>
-              <a:prstGeom prst="rect">
-                <a:avLst/>
-              </a:prstGeom>
-              <a:blipFill>
-                <a:blip r:embed="rId6"/>
-                <a:stretch>
-                  <a:fillRect/>
-                </a:stretch>
-              </a:blipFill>
-            </p:spPr>
-            <p:txBody>
-              <a:bodyPr/>
-              <a:lstStyle/>
-              <a:p>
-                <a:r>
-                  <a:rPr lang="en-US">
-                    <a:noFill/>
-                  </a:rPr>
-                  <a:t> </a:t>
-                </a:r>
-              </a:p>
-            </p:txBody>
-          </p:sp>
-        </mc:Fallback>
-      </mc:AlternateContent>
-      <p:sp>
-        <p:nvSpPr>
-          <p:cNvPr id="19" name="TextBox 18">
-            <a:extLst>
-              <a:ext uri="{FF2B5EF4-FFF2-40B4-BE49-F238E27FC236}">
-                <a16:creationId xmlns:a16="http://schemas.microsoft.com/office/drawing/2014/main" id="{17A75226-4D24-50E7-4529-BB8CAA71C664}"/>
-              </a:ext>
-            </a:extLst>
-          </p:cNvPr>
-          <p:cNvSpPr txBox="1"/>
-          <p:nvPr/>
-        </p:nvSpPr>
-        <p:spPr>
-          <a:xfrm>
-            <a:off x="8645506" y="4387319"/>
-            <a:ext cx="1681871" cy="461665"/>
-          </a:xfrm>
-          <a:prstGeom prst="rect">
-            <a:avLst/>
-          </a:prstGeom>
-          <a:noFill/>
-        </p:spPr>
-        <p:txBody>
-          <a:bodyPr wrap="none" rtlCol="0">
-            <a:spAutoFit/>
-          </a:bodyPr>
-          <a:lstStyle/>
-          <a:p>
-            <a:r>
-              <a:rPr lang="en-US" sz="2400" dirty="0">
-                <a:solidFill>
-                  <a:srgbClr val="00B050"/>
-                </a:solidFill>
-              </a:rPr>
-              <a:t>Output port</a:t>
-            </a:r>
-            <a:endParaRPr lang="en-US" dirty="0">
-              <a:solidFill>
-                <a:srgbClr val="00B050"/>
-              </a:solidFill>
-            </a:endParaRPr>
-          </a:p>
-        </p:txBody>
-      </p:sp>
-      <p:sp>
-        <p:nvSpPr>
-          <p:cNvPr id="20" name="TextBox 19">
-            <a:extLst>
-              <a:ext uri="{FF2B5EF4-FFF2-40B4-BE49-F238E27FC236}">
-                <a16:creationId xmlns:a16="http://schemas.microsoft.com/office/drawing/2014/main" id="{9530F934-71D4-864A-E2F6-8243F49EF94A}"/>
-              </a:ext>
-            </a:extLst>
-          </p:cNvPr>
-          <p:cNvSpPr txBox="1"/>
-          <p:nvPr/>
-        </p:nvSpPr>
-        <p:spPr>
-          <a:xfrm>
-            <a:off x="1036320" y="4435810"/>
-            <a:ext cx="1572866" cy="461665"/>
-          </a:xfrm>
-          <a:prstGeom prst="rect">
-            <a:avLst/>
-          </a:prstGeom>
-          <a:noFill/>
-        </p:spPr>
-        <p:txBody>
-          <a:bodyPr wrap="none" rtlCol="0">
-            <a:spAutoFit/>
-          </a:bodyPr>
-          <a:lstStyle/>
-          <a:p>
-            <a:r>
-              <a:rPr lang="en-US" sz="2400" dirty="0">
-                <a:solidFill>
-                  <a:srgbClr val="00B050"/>
-                </a:solidFill>
-              </a:rPr>
-              <a:t>Input ports</a:t>
-            </a:r>
-            <a:endParaRPr lang="en-US" dirty="0">
-              <a:solidFill>
-                <a:srgbClr val="00B050"/>
-              </a:solidFill>
-            </a:endParaRPr>
-          </a:p>
-        </p:txBody>
-      </p:sp>
-    </p:spTree>
-    <p:extLst>
-      <p:ext uri="{BB962C8B-B14F-4D97-AF65-F5344CB8AC3E}">
-        <p14:creationId xmlns:p14="http://schemas.microsoft.com/office/powerpoint/2010/main" val="1279179397"/>
-      </p:ext>
-    </p:extLst>
-  </p:cSld>
-  <p:clrMapOvr>
-    <a:masterClrMapping/>
-  </p:clrMapOvr>
-</p:sld>
-</file>
-
-<file path=ppt/slides/slide40.xml><?xml version="1.0" encoding="utf-8"?>
+<file path=ppt/slides/slide41.xml><?xml version="1.0" encoding="utf-8"?>
 <p:sld xmlns:a="http://schemas.openxmlformats.org/drawingml/2006/main" xmlns:r="http://schemas.openxmlformats.org/officeDocument/2006/relationships" xmlns:p="http://schemas.openxmlformats.org/presentationml/2006/main">
   <p:cSld>
     <p:spTree>
@@ -20360,7 +20629,7 @@
           <a:p>
             <a:fld id="{629637A9-119A-49DA-BD12-AAC58B377D80}" type="slidenum">
               <a:rPr lang="en-US" smtClean="0"/>
-              <a:t>40</a:t>
+              <a:t>41</a:t>
             </a:fld>
             <a:endParaRPr lang="en-US" dirty="0"/>
           </a:p>
@@ -21092,7 +21361,7 @@
 </p:sld>
 </file>
 
-<file path=ppt/slides/slide41.xml><?xml version="1.0" encoding="utf-8"?>
+<file path=ppt/slides/slide42.xml><?xml version="1.0" encoding="utf-8"?>
 <p:sld xmlns:a="http://schemas.openxmlformats.org/drawingml/2006/main" xmlns:r="http://schemas.openxmlformats.org/officeDocument/2006/relationships" xmlns:p="http://schemas.openxmlformats.org/presentationml/2006/main">
   <p:cSld>
     <p:spTree>
@@ -21473,7 +21742,7 @@
           <a:p>
             <a:fld id="{629637A9-119A-49DA-BD12-AAC58B377D80}" type="slidenum">
               <a:rPr lang="en-US" smtClean="0"/>
-              <a:t>41</a:t>
+              <a:t>42</a:t>
             </a:fld>
             <a:endParaRPr lang="en-US" dirty="0"/>
           </a:p>
@@ -21552,7 +21821,7 @@
 </p:sld>
 </file>
 
-<file path=ppt/slides/slide42.xml><?xml version="1.0" encoding="utf-8"?>
+<file path=ppt/slides/slide43.xml><?xml version="1.0" encoding="utf-8"?>
 <p:sld xmlns:a="http://schemas.openxmlformats.org/drawingml/2006/main" xmlns:r="http://schemas.openxmlformats.org/officeDocument/2006/relationships" xmlns:p="http://schemas.openxmlformats.org/presentationml/2006/main">
   <p:cSld>
     <p:spTree>
@@ -21859,7 +22128,7 @@
           <a:p>
             <a:fld id="{629637A9-119A-49DA-BD12-AAC58B377D80}" type="slidenum">
               <a:rPr lang="en-US" smtClean="0"/>
-              <a:t>42</a:t>
+              <a:t>43</a:t>
             </a:fld>
             <a:endParaRPr lang="en-US" dirty="0"/>
           </a:p>
@@ -22564,7 +22833,7 @@
 </p:sld>
 </file>
 
-<file path=ppt/slides/slide43.xml><?xml version="1.0" encoding="utf-8"?>
+<file path=ppt/slides/slide44.xml><?xml version="1.0" encoding="utf-8"?>
 <p:sld xmlns:a="http://schemas.openxmlformats.org/drawingml/2006/main" xmlns:r="http://schemas.openxmlformats.org/officeDocument/2006/relationships" xmlns:p="http://schemas.openxmlformats.org/presentationml/2006/main">
   <p:cSld>
     <p:spTree>
@@ -22743,7 +23012,7 @@
           <a:p>
             <a:fld id="{629637A9-119A-49DA-BD12-AAC58B377D80}" type="slidenum">
               <a:rPr lang="en-US" smtClean="0"/>
-              <a:t>43</a:t>
+              <a:t>44</a:t>
             </a:fld>
             <a:endParaRPr lang="en-US" dirty="0"/>
           </a:p>
@@ -22822,7 +23091,7 @@
 </p:sld>
 </file>
 
-<file path=ppt/slides/slide44.xml><?xml version="1.0" encoding="utf-8"?>
+<file path=ppt/slides/slide45.xml><?xml version="1.0" encoding="utf-8"?>
 <p:sld xmlns:a="http://schemas.openxmlformats.org/drawingml/2006/main" xmlns:r="http://schemas.openxmlformats.org/officeDocument/2006/relationships" xmlns:p="http://schemas.openxmlformats.org/presentationml/2006/main">
   <p:cSld>
     <p:spTree>
@@ -22892,7 +23161,7 @@
               <a:p>
                 <a:r>
                   <a:rPr lang="en-US" dirty="0"/>
-                  <a:t>Designs is processed in three stages = 2 cycles</a:t>
+                  <a:t>Design is processed in three stages = 2 cycles</a:t>
                 </a:r>
               </a:p>
               <a:p>
@@ -23119,7 +23388,7 @@
           <a:p>
             <a:fld id="{629637A9-119A-49DA-BD12-AAC58B377D80}" type="slidenum">
               <a:rPr lang="en-US" smtClean="0"/>
-              <a:t>44</a:t>
+              <a:t>45</a:t>
             </a:fld>
             <a:endParaRPr lang="en-US" dirty="0"/>
           </a:p>
@@ -23168,7 +23437,7 @@
 </p:sld>
 </file>
 
-<file path=ppt/slides/slide45.xml><?xml version="1.0" encoding="utf-8"?>
+<file path=ppt/slides/slide46.xml><?xml version="1.0" encoding="utf-8"?>
 <p:sld xmlns:a="http://schemas.openxmlformats.org/drawingml/2006/main" xmlns:r="http://schemas.openxmlformats.org/officeDocument/2006/relationships" xmlns:p="http://schemas.openxmlformats.org/presentationml/2006/main">
   <p:cSld>
     <p:spTree>
@@ -23585,7 +23854,7 @@
           <a:p>
             <a:fld id="{629637A9-119A-49DA-BD12-AAC58B377D80}" type="slidenum">
               <a:rPr lang="en-US" smtClean="0"/>
-              <a:t>45</a:t>
+              <a:t>46</a:t>
             </a:fld>
             <a:endParaRPr lang="en-US" dirty="0"/>
           </a:p>
@@ -24342,7 +24611,7 @@
 </p:sld>
 </file>
 
-<file path=ppt/slides/slide46.xml><?xml version="1.0" encoding="utf-8"?>
+<file path=ppt/slides/slide47.xml><?xml version="1.0" encoding="utf-8"?>
 <p:sld xmlns:a="http://schemas.openxmlformats.org/drawingml/2006/main" xmlns:r="http://schemas.openxmlformats.org/officeDocument/2006/relationships" xmlns:p="http://schemas.openxmlformats.org/presentationml/2006/main">
   <p:cSld>
     <p:spTree>
@@ -24526,7 +24795,7 @@
           <a:p>
             <a:fld id="{629637A9-119A-49DA-BD12-AAC58B377D80}" type="slidenum">
               <a:rPr lang="en-US" smtClean="0"/>
-              <a:t>46</a:t>
+              <a:t>47</a:t>
             </a:fld>
             <a:endParaRPr lang="en-US" dirty="0"/>
           </a:p>
@@ -24575,7 +24844,7 @@
 </p:sld>
 </file>
 
-<file path=ppt/slides/slide47.xml><?xml version="1.0" encoding="utf-8"?>
+<file path=ppt/slides/slide48.xml><?xml version="1.0" encoding="utf-8"?>
 <p:sld xmlns:a="http://schemas.openxmlformats.org/drawingml/2006/main" xmlns:r="http://schemas.openxmlformats.org/officeDocument/2006/relationships" xmlns:p="http://schemas.openxmlformats.org/presentationml/2006/main">
   <p:cSld>
     <p:spTree>
@@ -24850,7 +25119,7 @@
           <a:p>
             <a:fld id="{629637A9-119A-49DA-BD12-AAC58B377D80}" type="slidenum">
               <a:rPr lang="en-US" smtClean="0"/>
-              <a:t>47</a:t>
+              <a:t>48</a:t>
             </a:fld>
             <a:endParaRPr lang="en-US" dirty="0"/>
           </a:p>
@@ -24941,7 +25210,7 @@
 </p:sld>
 </file>
 
-<file path=ppt/slides/slide48.xml><?xml version="1.0" encoding="utf-8"?>
+<file path=ppt/slides/slide49.xml><?xml version="1.0" encoding="utf-8"?>
 <p:sld xmlns:a="http://schemas.openxmlformats.org/drawingml/2006/main" xmlns:r="http://schemas.openxmlformats.org/officeDocument/2006/relationships" xmlns:p="http://schemas.openxmlformats.org/presentationml/2006/main">
   <p:cSld>
     <p:spTree>
@@ -25613,7 +25882,7 @@
           <a:p>
             <a:fld id="{629637A9-119A-49DA-BD12-AAC58B377D80}" type="slidenum">
               <a:rPr lang="en-US" smtClean="0"/>
-              <a:t>48</a:t>
+              <a:t>49</a:t>
             </a:fld>
             <a:endParaRPr lang="en-US" dirty="0"/>
           </a:p>
@@ -25705,7 +25974,249 @@
 </p:sld>
 </file>
 
-<file path=ppt/slides/slide49.xml><?xml version="1.0" encoding="utf-8"?>
+<file path=ppt/slides/slide5.xml><?xml version="1.0" encoding="utf-8"?>
+<p:sld xmlns:a="http://schemas.openxmlformats.org/drawingml/2006/main" xmlns:r="http://schemas.openxmlformats.org/officeDocument/2006/relationships" xmlns:p="http://schemas.openxmlformats.org/presentationml/2006/main">
+  <p:cSld>
+    <p:spTree>
+      <p:nvGrpSpPr>
+        <p:cNvPr id="1" name=""/>
+        <p:cNvGrpSpPr/>
+        <p:nvPr/>
+      </p:nvGrpSpPr>
+      <p:grpSpPr>
+        <a:xfrm>
+          <a:off x="0" y="0"/>
+          <a:ext cx="0" cy="0"/>
+          <a:chOff x="0" y="0"/>
+          <a:chExt cx="0" cy="0"/>
+        </a:xfrm>
+      </p:grpSpPr>
+      <p:sp>
+        <p:nvSpPr>
+          <p:cNvPr id="2" name="Title 1">
+            <a:extLst>
+              <a:ext uri="{FF2B5EF4-FFF2-40B4-BE49-F238E27FC236}">
+                <a16:creationId xmlns:a16="http://schemas.microsoft.com/office/drawing/2014/main" id="{7408BE07-C2AC-5C81-2EDC-B0E0254C50F2}"/>
+              </a:ext>
+            </a:extLst>
+          </p:cNvPr>
+          <p:cNvSpPr>
+            <a:spLocks noGrp="1"/>
+          </p:cNvSpPr>
+          <p:nvPr>
+            <p:ph type="title"/>
+          </p:nvPr>
+        </p:nvSpPr>
+        <p:spPr/>
+        <p:txBody>
+          <a:bodyPr/>
+          <a:lstStyle/>
+          <a:p>
+            <a:r>
+              <a:rPr lang="en-US" dirty="0" err="1"/>
+              <a:t>SystemVerilog</a:t>
+            </a:r>
+            <a:r>
+              <a:rPr lang="en-US" dirty="0"/>
+              <a:t> Description</a:t>
+            </a:r>
+          </a:p>
+        </p:txBody>
+      </p:sp>
+      <p:sp>
+        <p:nvSpPr>
+          <p:cNvPr id="3" name="Content Placeholder 2">
+            <a:extLst>
+              <a:ext uri="{FF2B5EF4-FFF2-40B4-BE49-F238E27FC236}">
+                <a16:creationId xmlns:a16="http://schemas.microsoft.com/office/drawing/2014/main" id="{5D6653BA-A695-433E-9E77-354D19D915CE}"/>
+              </a:ext>
+            </a:extLst>
+          </p:cNvPr>
+          <p:cNvSpPr>
+            <a:spLocks noGrp="1"/>
+          </p:cNvSpPr>
+          <p:nvPr>
+            <p:ph idx="1"/>
+          </p:nvPr>
+        </p:nvSpPr>
+        <p:spPr>
+          <a:xfrm>
+            <a:off x="1097280" y="1539277"/>
+            <a:ext cx="4998720" cy="4329817"/>
+          </a:xfrm>
+        </p:spPr>
+        <p:txBody>
+          <a:bodyPr/>
+          <a:lstStyle/>
+          <a:p>
+            <a:r>
+              <a:rPr lang="en-US" dirty="0" err="1"/>
+              <a:t>SystemVerilog</a:t>
+            </a:r>
+            <a:r>
+              <a:rPr lang="en-US" dirty="0"/>
+              <a:t>:</a:t>
+            </a:r>
+          </a:p>
+          <a:p>
+            <a:pPr lvl="1"/>
+            <a:r>
+              <a:rPr lang="en-US" sz="2000" dirty="0"/>
+              <a:t>Language for </a:t>
+            </a:r>
+            <a:r>
+              <a:rPr lang="en-US" sz="2000" dirty="0">
+                <a:solidFill>
+                  <a:schemeClr val="accent1">
+                    <a:lumMod val="60000"/>
+                    <a:lumOff val="40000"/>
+                  </a:schemeClr>
+                </a:solidFill>
+              </a:rPr>
+              <a:t>behavioral</a:t>
+            </a:r>
+            <a:r>
+              <a:rPr lang="en-US" sz="2000" dirty="0"/>
+              <a:t> description</a:t>
+            </a:r>
+          </a:p>
+          <a:p>
+            <a:pPr lvl="1"/>
+            <a:r>
+              <a:rPr lang="en-US" sz="2000" dirty="0"/>
+              <a:t>What the module should do</a:t>
+            </a:r>
+          </a:p>
+          <a:p>
+            <a:r>
+              <a:rPr lang="en-US" dirty="0"/>
+              <a:t>Each block is a </a:t>
+            </a:r>
+            <a:r>
+              <a:rPr lang="en-US" dirty="0">
+                <a:solidFill>
+                  <a:schemeClr val="accent1">
+                    <a:lumMod val="60000"/>
+                    <a:lumOff val="40000"/>
+                  </a:schemeClr>
+                </a:solidFill>
+              </a:rPr>
+              <a:t>module</a:t>
+            </a:r>
+          </a:p>
+          <a:p>
+            <a:pPr lvl="1"/>
+            <a:r>
+              <a:rPr lang="en-US" sz="2000" dirty="0"/>
+              <a:t>Has inputs and outputs</a:t>
+            </a:r>
+          </a:p>
+          <a:p>
+            <a:pPr lvl="1"/>
+            <a:r>
+              <a:rPr lang="en-US" sz="2000" dirty="0"/>
+              <a:t>Logical mapping from inputs to outputs</a:t>
+            </a:r>
+          </a:p>
+          <a:p>
+            <a:r>
+              <a:rPr lang="en-US" dirty="0"/>
+              <a:t>Description is behavioral only</a:t>
+            </a:r>
+          </a:p>
+          <a:p>
+            <a:pPr lvl="1"/>
+            <a:r>
+              <a:rPr lang="en-US" sz="2000" dirty="0"/>
+              <a:t>Does not say how it will be implemented</a:t>
+            </a:r>
+          </a:p>
+          <a:p>
+            <a:pPr lvl="1"/>
+            <a:r>
+              <a:rPr lang="en-US" sz="2000" dirty="0"/>
+              <a:t>We discuss that later</a:t>
+            </a:r>
+          </a:p>
+          <a:p>
+            <a:pPr lvl="1"/>
+            <a:endParaRPr lang="en-US" dirty="0"/>
+          </a:p>
+        </p:txBody>
+      </p:sp>
+      <p:sp>
+        <p:nvSpPr>
+          <p:cNvPr id="4" name="Slide Number Placeholder 3">
+            <a:extLst>
+              <a:ext uri="{FF2B5EF4-FFF2-40B4-BE49-F238E27FC236}">
+                <a16:creationId xmlns:a16="http://schemas.microsoft.com/office/drawing/2014/main" id="{1F9B4595-A4AA-901B-7B0B-A65349D8B5E4}"/>
+              </a:ext>
+            </a:extLst>
+          </p:cNvPr>
+          <p:cNvSpPr>
+            <a:spLocks noGrp="1"/>
+          </p:cNvSpPr>
+          <p:nvPr>
+            <p:ph type="sldNum" sz="quarter" idx="12"/>
+          </p:nvPr>
+        </p:nvSpPr>
+        <p:spPr/>
+        <p:txBody>
+          <a:bodyPr/>
+          <a:lstStyle/>
+          <a:p>
+            <a:fld id="{629637A9-119A-49DA-BD12-AAC58B377D80}" type="slidenum">
+              <a:rPr lang="en-US" smtClean="0"/>
+              <a:t>5</a:t>
+            </a:fld>
+            <a:endParaRPr lang="en-US" dirty="0"/>
+          </a:p>
+        </p:txBody>
+      </p:sp>
+      <p:pic>
+        <p:nvPicPr>
+          <p:cNvPr id="8" name="Picture 7">
+            <a:extLst>
+              <a:ext uri="{FF2B5EF4-FFF2-40B4-BE49-F238E27FC236}">
+                <a16:creationId xmlns:a16="http://schemas.microsoft.com/office/drawing/2014/main" id="{BFC14BC3-8EFF-CE27-1DB2-AAA939573437}"/>
+              </a:ext>
+            </a:extLst>
+          </p:cNvPr>
+          <p:cNvPicPr>
+            <a:picLocks noChangeAspect="1"/>
+          </p:cNvPicPr>
+          <p:nvPr/>
+        </p:nvPicPr>
+        <p:blipFill>
+          <a:blip r:embed="rId2"/>
+          <a:stretch>
+            <a:fillRect/>
+          </a:stretch>
+        </p:blipFill>
+        <p:spPr>
+          <a:xfrm>
+            <a:off x="5967352" y="1639289"/>
+            <a:ext cx="5236178" cy="3770911"/>
+          </a:xfrm>
+          <a:prstGeom prst="rect">
+            <a:avLst/>
+          </a:prstGeom>
+        </p:spPr>
+      </p:pic>
+    </p:spTree>
+    <p:extLst>
+      <p:ext uri="{BB962C8B-B14F-4D97-AF65-F5344CB8AC3E}">
+        <p14:creationId xmlns:p14="http://schemas.microsoft.com/office/powerpoint/2010/main" val="1914792155"/>
+      </p:ext>
+    </p:extLst>
+  </p:cSld>
+  <p:clrMapOvr>
+    <a:masterClrMapping/>
+  </p:clrMapOvr>
+</p:sld>
+</file>
+
+<file path=ppt/slides/slide50.xml><?xml version="1.0" encoding="utf-8"?>
 <p:sld xmlns:a="http://schemas.openxmlformats.org/drawingml/2006/main" xmlns:r="http://schemas.openxmlformats.org/officeDocument/2006/relationships" xmlns:p="http://schemas.openxmlformats.org/presentationml/2006/main">
   <p:cSld>
     <p:spTree>
@@ -25832,7 +26343,7 @@
           <a:p>
             <a:fld id="{629637A9-119A-49DA-BD12-AAC58B377D80}" type="slidenum">
               <a:rPr lang="en-US" smtClean="0"/>
-              <a:t>49</a:t>
+              <a:t>50</a:t>
             </a:fld>
             <a:endParaRPr lang="en-US" dirty="0"/>
           </a:p>
@@ -25903,7 +26414,7 @@
 </p:sld>
 </file>
 
-<file path=ppt/slides/slide5.xml><?xml version="1.0" encoding="utf-8"?>
+<file path=ppt/slides/slide51.xml><?xml version="1.0" encoding="utf-8"?>
 <p:sld xmlns:a="http://schemas.openxmlformats.org/drawingml/2006/main" xmlns:r="http://schemas.openxmlformats.org/officeDocument/2006/relationships" xmlns:p="http://schemas.openxmlformats.org/presentationml/2006/main">
   <p:cSld>
     <p:spTree>
@@ -25925,7 +26436,7 @@
           <p:cNvPr id="2" name="Title 1">
             <a:extLst>
               <a:ext uri="{FF2B5EF4-FFF2-40B4-BE49-F238E27FC236}">
-                <a16:creationId xmlns:a16="http://schemas.microsoft.com/office/drawing/2014/main" id="{7408BE07-C2AC-5C81-2EDC-B0E0254C50F2}"/>
+                <a16:creationId xmlns:a16="http://schemas.microsoft.com/office/drawing/2014/main" id="{4AA2ECF6-7BEA-C3E4-BFEE-DD9023C3EDD4}"/>
               </a:ext>
             </a:extLst>
           </p:cNvPr>
@@ -25942,134 +26453,9 @@
           <a:lstStyle/>
           <a:p>
             <a:r>
-              <a:rPr lang="en-US" dirty="0" err="1"/>
-              <a:t>SystemVerilog</a:t>
-            </a:r>
-            <a:r>
               <a:rPr lang="en-US" dirty="0"/>
-              <a:t> Description</a:t>
-            </a:r>
-          </a:p>
-        </p:txBody>
-      </p:sp>
-      <p:sp>
-        <p:nvSpPr>
-          <p:cNvPr id="3" name="Content Placeholder 2">
-            <a:extLst>
-              <a:ext uri="{FF2B5EF4-FFF2-40B4-BE49-F238E27FC236}">
-                <a16:creationId xmlns:a16="http://schemas.microsoft.com/office/drawing/2014/main" id="{5D6653BA-A695-433E-9E77-354D19D915CE}"/>
-              </a:ext>
-            </a:extLst>
-          </p:cNvPr>
-          <p:cNvSpPr>
-            <a:spLocks noGrp="1"/>
-          </p:cNvSpPr>
-          <p:nvPr>
-            <p:ph idx="1"/>
-          </p:nvPr>
-        </p:nvSpPr>
-        <p:spPr>
-          <a:xfrm>
-            <a:off x="1097280" y="1539277"/>
-            <a:ext cx="4998720" cy="4329817"/>
-          </a:xfrm>
-        </p:spPr>
-        <p:txBody>
-          <a:bodyPr/>
-          <a:lstStyle/>
-          <a:p>
-            <a:r>
-              <a:rPr lang="en-US" dirty="0" err="1"/>
-              <a:t>SystemVerilog</a:t>
-            </a:r>
-            <a:r>
-              <a:rPr lang="en-US" dirty="0"/>
-              <a:t>:</a:t>
-            </a:r>
-          </a:p>
-          <a:p>
-            <a:pPr lvl="1"/>
-            <a:r>
-              <a:rPr lang="en-US" sz="2000" dirty="0"/>
-              <a:t>Language for </a:t>
-            </a:r>
-            <a:r>
-              <a:rPr lang="en-US" sz="2000" dirty="0">
-                <a:solidFill>
-                  <a:schemeClr val="accent1">
-                    <a:lumMod val="60000"/>
-                    <a:lumOff val="40000"/>
-                  </a:schemeClr>
-                </a:solidFill>
-              </a:rPr>
-              <a:t>behavioral</a:t>
-            </a:r>
-            <a:r>
-              <a:rPr lang="en-US" sz="2000" dirty="0"/>
-              <a:t> description</a:t>
-            </a:r>
-          </a:p>
-          <a:p>
-            <a:pPr lvl="1"/>
-            <a:r>
-              <a:rPr lang="en-US" sz="2000" dirty="0"/>
-              <a:t>What the module should do</a:t>
-            </a:r>
-          </a:p>
-          <a:p>
-            <a:r>
-              <a:rPr lang="en-US" dirty="0"/>
-              <a:t>Each block is a </a:t>
-            </a:r>
-            <a:r>
-              <a:rPr lang="en-US" dirty="0">
-                <a:solidFill>
-                  <a:schemeClr val="accent1">
-                    <a:lumMod val="60000"/>
-                    <a:lumOff val="40000"/>
-                  </a:schemeClr>
-                </a:solidFill>
-              </a:rPr>
-              <a:t>module</a:t>
-            </a:r>
-          </a:p>
-          <a:p>
-            <a:pPr lvl="1"/>
-            <a:r>
-              <a:rPr lang="en-US" sz="2000" dirty="0"/>
-              <a:t>Has inputs and outputs</a:t>
-            </a:r>
-          </a:p>
-          <a:p>
-            <a:pPr lvl="1"/>
-            <a:r>
-              <a:rPr lang="en-US" sz="2000" dirty="0"/>
-              <a:t>Logical mapping from inputs to outputs</a:t>
-            </a:r>
-          </a:p>
-          <a:p>
-            <a:r>
-              <a:rPr lang="en-US" dirty="0"/>
-              <a:t>Description is behavioral only</a:t>
-            </a:r>
-          </a:p>
-          <a:p>
-            <a:pPr lvl="1"/>
-            <a:r>
-              <a:rPr lang="en-US" sz="2000" dirty="0"/>
-              <a:t>Does not say how it will be implemented</a:t>
-            </a:r>
-          </a:p>
-          <a:p>
-            <a:pPr lvl="1"/>
-            <a:r>
-              <a:rPr lang="en-US" sz="2000" dirty="0"/>
-              <a:t>We discuss that later</a:t>
-            </a:r>
-          </a:p>
-          <a:p>
-            <a:pPr lvl="1"/>
-            <a:endParaRPr lang="en-US" dirty="0"/>
+              <a:t>FPGA Development Flow</a:t>
+            </a:r>
           </a:p>
         </p:txBody>
       </p:sp>
@@ -26078,7 +26464,7 @@
           <p:cNvPr id="4" name="Slide Number Placeholder 3">
             <a:extLst>
               <a:ext uri="{FF2B5EF4-FFF2-40B4-BE49-F238E27FC236}">
-                <a16:creationId xmlns:a16="http://schemas.microsoft.com/office/drawing/2014/main" id="{1F9B4595-A4AA-901B-7B0B-A65349D8B5E4}"/>
+                <a16:creationId xmlns:a16="http://schemas.microsoft.com/office/drawing/2014/main" id="{FA19CCD8-9CEB-A3B2-04C7-BD5D7198968F}"/>
               </a:ext>
             </a:extLst>
           </p:cNvPr>
@@ -26096,7 +26482,841 @@
           <a:p>
             <a:fld id="{629637A9-119A-49DA-BD12-AAC58B377D80}" type="slidenum">
               <a:rPr lang="en-US" smtClean="0"/>
-              <a:t>5</a:t>
+              <a:t>51</a:t>
+            </a:fld>
+            <a:endParaRPr lang="en-US" dirty="0"/>
+          </a:p>
+        </p:txBody>
+      </p:sp>
+      <p:sp>
+        <p:nvSpPr>
+          <p:cNvPr id="5" name="Rectangle: Rounded Corners 4">
+            <a:extLst>
+              <a:ext uri="{FF2B5EF4-FFF2-40B4-BE49-F238E27FC236}">
+                <a16:creationId xmlns:a16="http://schemas.microsoft.com/office/drawing/2014/main" id="{9643B5EA-41F2-95F6-09BD-3ACA1A405A69}"/>
+              </a:ext>
+            </a:extLst>
+          </p:cNvPr>
+          <p:cNvSpPr/>
+          <p:nvPr/>
+        </p:nvSpPr>
+        <p:spPr>
+          <a:xfrm>
+            <a:off x="978361" y="1692534"/>
+            <a:ext cx="1238588" cy="837271"/>
+          </a:xfrm>
+          <a:prstGeom prst="roundRect">
+            <a:avLst/>
+          </a:prstGeom>
+          <a:solidFill>
+            <a:schemeClr val="accent2">
+              <a:lumMod val="20000"/>
+              <a:lumOff val="80000"/>
+            </a:schemeClr>
+          </a:solidFill>
+        </p:spPr>
+        <p:style>
+          <a:lnRef idx="2">
+            <a:schemeClr val="accent1">
+              <a:shade val="15000"/>
+            </a:schemeClr>
+          </a:lnRef>
+          <a:fillRef idx="1">
+            <a:schemeClr val="accent1"/>
+          </a:fillRef>
+          <a:effectRef idx="0">
+            <a:schemeClr val="accent1"/>
+          </a:effectRef>
+          <a:fontRef idx="minor">
+            <a:schemeClr val="lt1"/>
+          </a:fontRef>
+        </p:style>
+        <p:txBody>
+          <a:bodyPr rtlCol="0" anchor="ctr"/>
+          <a:lstStyle/>
+          <a:p>
+            <a:pPr algn="ctr"/>
+            <a:r>
+              <a:rPr lang="en-US" dirty="0">
+                <a:solidFill>
+                  <a:schemeClr val="tx1"/>
+                </a:solidFill>
+              </a:rPr>
+              <a:t>Design</a:t>
+            </a:r>
+          </a:p>
+        </p:txBody>
+      </p:sp>
+      <p:sp>
+        <p:nvSpPr>
+          <p:cNvPr id="6" name="Rectangle: Rounded Corners 5">
+            <a:extLst>
+              <a:ext uri="{FF2B5EF4-FFF2-40B4-BE49-F238E27FC236}">
+                <a16:creationId xmlns:a16="http://schemas.microsoft.com/office/drawing/2014/main" id="{1AF65526-2536-C4AD-F7CC-739AA826338D}"/>
+              </a:ext>
+            </a:extLst>
+          </p:cNvPr>
+          <p:cNvSpPr/>
+          <p:nvPr/>
+        </p:nvSpPr>
+        <p:spPr>
+          <a:xfrm>
+            <a:off x="2404729" y="1692533"/>
+            <a:ext cx="1619588" cy="837271"/>
+          </a:xfrm>
+          <a:prstGeom prst="roundRect">
+            <a:avLst/>
+          </a:prstGeom>
+          <a:solidFill>
+            <a:schemeClr val="accent2">
+              <a:lumMod val="20000"/>
+              <a:lumOff val="80000"/>
+            </a:schemeClr>
+          </a:solidFill>
+        </p:spPr>
+        <p:style>
+          <a:lnRef idx="2">
+            <a:schemeClr val="accent1">
+              <a:shade val="15000"/>
+            </a:schemeClr>
+          </a:lnRef>
+          <a:fillRef idx="1">
+            <a:schemeClr val="accent1"/>
+          </a:fillRef>
+          <a:effectRef idx="0">
+            <a:schemeClr val="accent1"/>
+          </a:effectRef>
+          <a:fontRef idx="minor">
+            <a:schemeClr val="lt1"/>
+          </a:fontRef>
+        </p:style>
+        <p:txBody>
+          <a:bodyPr rtlCol="0" anchor="ctr"/>
+          <a:lstStyle/>
+          <a:p>
+            <a:pPr algn="ctr"/>
+            <a:r>
+              <a:rPr lang="en-US" dirty="0">
+                <a:solidFill>
+                  <a:schemeClr val="tx1"/>
+                </a:solidFill>
+              </a:rPr>
+              <a:t>Functional simulation</a:t>
+            </a:r>
+          </a:p>
+        </p:txBody>
+      </p:sp>
+      <p:sp>
+        <p:nvSpPr>
+          <p:cNvPr id="7" name="Rectangle: Rounded Corners 6">
+            <a:extLst>
+              <a:ext uri="{FF2B5EF4-FFF2-40B4-BE49-F238E27FC236}">
+                <a16:creationId xmlns:a16="http://schemas.microsoft.com/office/drawing/2014/main" id="{2C5ED7A9-0FE8-09EE-BD5A-51C62D4C9B4B}"/>
+              </a:ext>
+            </a:extLst>
+          </p:cNvPr>
+          <p:cNvSpPr/>
+          <p:nvPr/>
+        </p:nvSpPr>
+        <p:spPr>
+          <a:xfrm>
+            <a:off x="4355313" y="1684851"/>
+            <a:ext cx="1619588" cy="837271"/>
+          </a:xfrm>
+          <a:prstGeom prst="roundRect">
+            <a:avLst/>
+          </a:prstGeom>
+          <a:solidFill>
+            <a:schemeClr val="accent2">
+              <a:lumMod val="20000"/>
+              <a:lumOff val="80000"/>
+            </a:schemeClr>
+          </a:solidFill>
+        </p:spPr>
+        <p:style>
+          <a:lnRef idx="2">
+            <a:schemeClr val="accent1">
+              <a:shade val="15000"/>
+            </a:schemeClr>
+          </a:lnRef>
+          <a:fillRef idx="1">
+            <a:schemeClr val="accent1"/>
+          </a:fillRef>
+          <a:effectRef idx="0">
+            <a:schemeClr val="accent1"/>
+          </a:effectRef>
+          <a:fontRef idx="minor">
+            <a:schemeClr val="lt1"/>
+          </a:fontRef>
+        </p:style>
+        <p:txBody>
+          <a:bodyPr rtlCol="0" anchor="ctr"/>
+          <a:lstStyle/>
+          <a:p>
+            <a:pPr algn="ctr"/>
+            <a:r>
+              <a:rPr lang="en-US" dirty="0">
+                <a:solidFill>
+                  <a:schemeClr val="tx1"/>
+                </a:solidFill>
+              </a:rPr>
+              <a:t>Synthesis</a:t>
+            </a:r>
+          </a:p>
+        </p:txBody>
+      </p:sp>
+      <p:sp>
+        <p:nvSpPr>
+          <p:cNvPr id="8" name="Rectangle: Rounded Corners 7">
+            <a:extLst>
+              <a:ext uri="{FF2B5EF4-FFF2-40B4-BE49-F238E27FC236}">
+                <a16:creationId xmlns:a16="http://schemas.microsoft.com/office/drawing/2014/main" id="{8B1CDF1B-A7D2-772D-D0B1-40BA5CF26836}"/>
+              </a:ext>
+            </a:extLst>
+          </p:cNvPr>
+          <p:cNvSpPr/>
+          <p:nvPr/>
+        </p:nvSpPr>
+        <p:spPr>
+          <a:xfrm>
+            <a:off x="6162681" y="1692532"/>
+            <a:ext cx="1619588" cy="837271"/>
+          </a:xfrm>
+          <a:prstGeom prst="roundRect">
+            <a:avLst/>
+          </a:prstGeom>
+          <a:solidFill>
+            <a:schemeClr val="accent2">
+              <a:lumMod val="20000"/>
+              <a:lumOff val="80000"/>
+            </a:schemeClr>
+          </a:solidFill>
+        </p:spPr>
+        <p:style>
+          <a:lnRef idx="2">
+            <a:schemeClr val="accent1">
+              <a:shade val="15000"/>
+            </a:schemeClr>
+          </a:lnRef>
+          <a:fillRef idx="1">
+            <a:schemeClr val="accent1"/>
+          </a:fillRef>
+          <a:effectRef idx="0">
+            <a:schemeClr val="accent1"/>
+          </a:effectRef>
+          <a:fontRef idx="minor">
+            <a:schemeClr val="lt1"/>
+          </a:fontRef>
+        </p:style>
+        <p:txBody>
+          <a:bodyPr rtlCol="0" anchor="ctr"/>
+          <a:lstStyle/>
+          <a:p>
+            <a:pPr algn="ctr"/>
+            <a:r>
+              <a:rPr lang="en-US" dirty="0">
+                <a:solidFill>
+                  <a:schemeClr val="tx1"/>
+                </a:solidFill>
+              </a:rPr>
+              <a:t>Timing Simulation</a:t>
+            </a:r>
+          </a:p>
+        </p:txBody>
+      </p:sp>
+      <p:sp>
+        <p:nvSpPr>
+          <p:cNvPr id="9" name="Rectangle: Rounded Corners 8">
+            <a:extLst>
+              <a:ext uri="{FF2B5EF4-FFF2-40B4-BE49-F238E27FC236}">
+                <a16:creationId xmlns:a16="http://schemas.microsoft.com/office/drawing/2014/main" id="{A332A7BD-93CB-3172-E74C-71A97B736D65}"/>
+              </a:ext>
+            </a:extLst>
+          </p:cNvPr>
+          <p:cNvSpPr/>
+          <p:nvPr/>
+        </p:nvSpPr>
+        <p:spPr>
+          <a:xfrm>
+            <a:off x="7970049" y="1692532"/>
+            <a:ext cx="1619588" cy="837271"/>
+          </a:xfrm>
+          <a:prstGeom prst="roundRect">
+            <a:avLst/>
+          </a:prstGeom>
+          <a:solidFill>
+            <a:schemeClr val="accent2">
+              <a:lumMod val="20000"/>
+              <a:lumOff val="80000"/>
+            </a:schemeClr>
+          </a:solidFill>
+        </p:spPr>
+        <p:style>
+          <a:lnRef idx="2">
+            <a:schemeClr val="accent1">
+              <a:shade val="15000"/>
+            </a:schemeClr>
+          </a:lnRef>
+          <a:fillRef idx="1">
+            <a:schemeClr val="accent1"/>
+          </a:fillRef>
+          <a:effectRef idx="0">
+            <a:schemeClr val="accent1"/>
+          </a:effectRef>
+          <a:fontRef idx="minor">
+            <a:schemeClr val="lt1"/>
+          </a:fontRef>
+        </p:style>
+        <p:txBody>
+          <a:bodyPr rtlCol="0" anchor="ctr"/>
+          <a:lstStyle/>
+          <a:p>
+            <a:pPr algn="ctr"/>
+            <a:r>
+              <a:rPr lang="en-US" dirty="0">
+                <a:solidFill>
+                  <a:schemeClr val="tx1"/>
+                </a:solidFill>
+              </a:rPr>
+              <a:t>Generate</a:t>
+            </a:r>
+            <a:br>
+              <a:rPr lang="en-US" dirty="0">
+                <a:solidFill>
+                  <a:schemeClr val="tx1"/>
+                </a:solidFill>
+              </a:rPr>
+            </a:br>
+            <a:r>
+              <a:rPr lang="en-US" dirty="0">
+                <a:solidFill>
+                  <a:schemeClr val="tx1"/>
+                </a:solidFill>
+              </a:rPr>
+              <a:t>bitstream</a:t>
+            </a:r>
+          </a:p>
+        </p:txBody>
+      </p:sp>
+      <p:sp>
+        <p:nvSpPr>
+          <p:cNvPr id="10" name="Rectangle: Rounded Corners 9">
+            <a:extLst>
+              <a:ext uri="{FF2B5EF4-FFF2-40B4-BE49-F238E27FC236}">
+                <a16:creationId xmlns:a16="http://schemas.microsoft.com/office/drawing/2014/main" id="{78FE2D17-D7EA-E826-9EDC-95E3743EAAB6}"/>
+              </a:ext>
+            </a:extLst>
+          </p:cNvPr>
+          <p:cNvSpPr/>
+          <p:nvPr/>
+        </p:nvSpPr>
+        <p:spPr>
+          <a:xfrm>
+            <a:off x="9849025" y="1666083"/>
+            <a:ext cx="1619588" cy="837271"/>
+          </a:xfrm>
+          <a:prstGeom prst="roundRect">
+            <a:avLst/>
+          </a:prstGeom>
+          <a:solidFill>
+            <a:schemeClr val="accent2">
+              <a:lumMod val="20000"/>
+              <a:lumOff val="80000"/>
+            </a:schemeClr>
+          </a:solidFill>
+        </p:spPr>
+        <p:style>
+          <a:lnRef idx="2">
+            <a:schemeClr val="accent1">
+              <a:shade val="15000"/>
+            </a:schemeClr>
+          </a:lnRef>
+          <a:fillRef idx="1">
+            <a:schemeClr val="accent1"/>
+          </a:fillRef>
+          <a:effectRef idx="0">
+            <a:schemeClr val="accent1"/>
+          </a:effectRef>
+          <a:fontRef idx="minor">
+            <a:schemeClr val="lt1"/>
+          </a:fontRef>
+        </p:style>
+        <p:txBody>
+          <a:bodyPr rtlCol="0" anchor="ctr"/>
+          <a:lstStyle/>
+          <a:p>
+            <a:pPr algn="ctr"/>
+            <a:r>
+              <a:rPr lang="en-US" dirty="0">
+                <a:solidFill>
+                  <a:schemeClr val="tx1"/>
+                </a:solidFill>
+              </a:rPr>
+              <a:t>FPGA evaluation</a:t>
+            </a:r>
+          </a:p>
+        </p:txBody>
+      </p:sp>
+      <p:sp>
+        <p:nvSpPr>
+          <p:cNvPr id="11" name="Left Brace 10">
+            <a:extLst>
+              <a:ext uri="{FF2B5EF4-FFF2-40B4-BE49-F238E27FC236}">
+                <a16:creationId xmlns:a16="http://schemas.microsoft.com/office/drawing/2014/main" id="{7ED9E1B0-D407-C33F-9F7F-5C13F17A3B8D}"/>
+              </a:ext>
+            </a:extLst>
+          </p:cNvPr>
+          <p:cNvSpPr/>
+          <p:nvPr/>
+        </p:nvSpPr>
+        <p:spPr>
+          <a:xfrm rot="16200000">
+            <a:off x="2251099" y="1512837"/>
+            <a:ext cx="557627" cy="3103102"/>
+          </a:xfrm>
+          <a:prstGeom prst="leftBrace">
+            <a:avLst/>
+          </a:prstGeom>
+          <a:ln w="25400">
+            <a:solidFill>
+              <a:schemeClr val="accent2">
+                <a:lumMod val="75000"/>
+              </a:schemeClr>
+            </a:solidFill>
+          </a:ln>
+        </p:spPr>
+        <p:style>
+          <a:lnRef idx="1">
+            <a:schemeClr val="accent1"/>
+          </a:lnRef>
+          <a:fillRef idx="0">
+            <a:schemeClr val="accent1"/>
+          </a:fillRef>
+          <a:effectRef idx="0">
+            <a:schemeClr val="accent1"/>
+          </a:effectRef>
+          <a:fontRef idx="minor">
+            <a:schemeClr val="tx1"/>
+          </a:fontRef>
+        </p:style>
+        <p:txBody>
+          <a:bodyPr rtlCol="0" anchor="ctr"/>
+          <a:lstStyle/>
+          <a:p>
+            <a:pPr algn="ctr"/>
+            <a:endParaRPr lang="en-US"/>
+          </a:p>
+        </p:txBody>
+      </p:sp>
+      <p:sp>
+        <p:nvSpPr>
+          <p:cNvPr id="12" name="TextBox 11">
+            <a:extLst>
+              <a:ext uri="{FF2B5EF4-FFF2-40B4-BE49-F238E27FC236}">
+                <a16:creationId xmlns:a16="http://schemas.microsoft.com/office/drawing/2014/main" id="{59BFCADF-036B-2B47-E571-6BF3EFD402F9}"/>
+              </a:ext>
+            </a:extLst>
+          </p:cNvPr>
+          <p:cNvSpPr txBox="1"/>
+          <p:nvPr/>
+        </p:nvSpPr>
+        <p:spPr>
+          <a:xfrm>
+            <a:off x="1525406" y="3680462"/>
+            <a:ext cx="2009012" cy="369332"/>
+          </a:xfrm>
+          <a:prstGeom prst="rect">
+            <a:avLst/>
+          </a:prstGeom>
+          <a:noFill/>
+        </p:spPr>
+        <p:txBody>
+          <a:bodyPr wrap="none" rtlCol="0">
+            <a:spAutoFit/>
+          </a:bodyPr>
+          <a:lstStyle/>
+          <a:p>
+            <a:r>
+              <a:rPr lang="en-US" dirty="0"/>
+              <a:t>Covered in this unit</a:t>
+            </a:r>
+          </a:p>
+        </p:txBody>
+      </p:sp>
+      <p:sp>
+        <p:nvSpPr>
+          <p:cNvPr id="13" name="TextBox 12">
+            <a:extLst>
+              <a:ext uri="{FF2B5EF4-FFF2-40B4-BE49-F238E27FC236}">
+                <a16:creationId xmlns:a16="http://schemas.microsoft.com/office/drawing/2014/main" id="{0F137EBC-0DC0-45EE-BEEE-3B189CDBD4B3}"/>
+              </a:ext>
+            </a:extLst>
+          </p:cNvPr>
+          <p:cNvSpPr txBox="1"/>
+          <p:nvPr/>
+        </p:nvSpPr>
+        <p:spPr>
+          <a:xfrm>
+            <a:off x="4888929" y="3608894"/>
+            <a:ext cx="2475101" cy="646331"/>
+          </a:xfrm>
+          <a:prstGeom prst="rect">
+            <a:avLst/>
+          </a:prstGeom>
+          <a:noFill/>
+        </p:spPr>
+        <p:txBody>
+          <a:bodyPr wrap="square" rtlCol="0">
+            <a:spAutoFit/>
+          </a:bodyPr>
+          <a:lstStyle/>
+          <a:p>
+            <a:r>
+              <a:rPr lang="en-US" dirty="0"/>
+              <a:t>Provided in documents in github.io page</a:t>
+            </a:r>
+          </a:p>
+        </p:txBody>
+      </p:sp>
+      <p:sp>
+        <p:nvSpPr>
+          <p:cNvPr id="14" name="Left Brace 13">
+            <a:extLst>
+              <a:ext uri="{FF2B5EF4-FFF2-40B4-BE49-F238E27FC236}">
+                <a16:creationId xmlns:a16="http://schemas.microsoft.com/office/drawing/2014/main" id="{68224D3B-A299-34F7-BC8C-39BDF3334669}"/>
+              </a:ext>
+            </a:extLst>
+          </p:cNvPr>
+          <p:cNvSpPr/>
+          <p:nvPr/>
+        </p:nvSpPr>
+        <p:spPr>
+          <a:xfrm rot="16200000">
+            <a:off x="5817187" y="1374105"/>
+            <a:ext cx="557627" cy="3430528"/>
+          </a:xfrm>
+          <a:prstGeom prst="leftBrace">
+            <a:avLst/>
+          </a:prstGeom>
+          <a:ln w="25400">
+            <a:solidFill>
+              <a:schemeClr val="accent2">
+                <a:lumMod val="75000"/>
+              </a:schemeClr>
+            </a:solidFill>
+          </a:ln>
+        </p:spPr>
+        <p:style>
+          <a:lnRef idx="1">
+            <a:schemeClr val="accent1"/>
+          </a:lnRef>
+          <a:fillRef idx="0">
+            <a:schemeClr val="accent1"/>
+          </a:fillRef>
+          <a:effectRef idx="0">
+            <a:schemeClr val="accent1"/>
+          </a:effectRef>
+          <a:fontRef idx="minor">
+            <a:schemeClr val="tx1"/>
+          </a:fontRef>
+        </p:style>
+        <p:txBody>
+          <a:bodyPr rtlCol="0" anchor="ctr"/>
+          <a:lstStyle/>
+          <a:p>
+            <a:pPr algn="ctr"/>
+            <a:endParaRPr lang="en-US"/>
+          </a:p>
+        </p:txBody>
+      </p:sp>
+      <p:sp>
+        <p:nvSpPr>
+          <p:cNvPr id="15" name="TextBox 14">
+            <a:extLst>
+              <a:ext uri="{FF2B5EF4-FFF2-40B4-BE49-F238E27FC236}">
+                <a16:creationId xmlns:a16="http://schemas.microsoft.com/office/drawing/2014/main" id="{EC242618-2CB4-0276-498A-9978DBC2E758}"/>
+              </a:ext>
+            </a:extLst>
+          </p:cNvPr>
+          <p:cNvSpPr txBox="1"/>
+          <p:nvPr/>
+        </p:nvSpPr>
+        <p:spPr>
+          <a:xfrm>
+            <a:off x="8091011" y="3541962"/>
+            <a:ext cx="3516027" cy="646331"/>
+          </a:xfrm>
+          <a:prstGeom prst="rect">
+            <a:avLst/>
+          </a:prstGeom>
+          <a:noFill/>
+        </p:spPr>
+        <p:txBody>
+          <a:bodyPr wrap="none" rtlCol="0">
+            <a:spAutoFit/>
+          </a:bodyPr>
+          <a:lstStyle/>
+          <a:p>
+            <a:r>
+              <a:rPr lang="en-US" dirty="0"/>
+              <a:t>Not covered for this unit</a:t>
+            </a:r>
+            <a:br>
+              <a:rPr lang="en-US" dirty="0"/>
+            </a:br>
+            <a:r>
+              <a:rPr lang="en-US" dirty="0"/>
+              <a:t>Covered in later units with Vitis HLS</a:t>
+            </a:r>
+          </a:p>
+        </p:txBody>
+      </p:sp>
+      <p:sp>
+        <p:nvSpPr>
+          <p:cNvPr id="16" name="Left Brace 15">
+            <a:extLst>
+              <a:ext uri="{FF2B5EF4-FFF2-40B4-BE49-F238E27FC236}">
+                <a16:creationId xmlns:a16="http://schemas.microsoft.com/office/drawing/2014/main" id="{976E05BD-E25E-2382-6A9F-DBD3552C03AC}"/>
+              </a:ext>
+            </a:extLst>
+          </p:cNvPr>
+          <p:cNvSpPr/>
+          <p:nvPr/>
+        </p:nvSpPr>
+        <p:spPr>
+          <a:xfrm rot="16200000">
+            <a:off x="9474536" y="1406172"/>
+            <a:ext cx="557627" cy="3430528"/>
+          </a:xfrm>
+          <a:prstGeom prst="leftBrace">
+            <a:avLst/>
+          </a:prstGeom>
+          <a:ln w="25400">
+            <a:solidFill>
+              <a:schemeClr val="accent2">
+                <a:lumMod val="75000"/>
+              </a:schemeClr>
+            </a:solidFill>
+          </a:ln>
+        </p:spPr>
+        <p:style>
+          <a:lnRef idx="1">
+            <a:schemeClr val="accent1"/>
+          </a:lnRef>
+          <a:fillRef idx="0">
+            <a:schemeClr val="accent1"/>
+          </a:fillRef>
+          <a:effectRef idx="0">
+            <a:schemeClr val="accent1"/>
+          </a:effectRef>
+          <a:fontRef idx="minor">
+            <a:schemeClr val="tx1"/>
+          </a:fontRef>
+        </p:style>
+        <p:txBody>
+          <a:bodyPr rtlCol="0" anchor="ctr"/>
+          <a:lstStyle/>
+          <a:p>
+            <a:pPr algn="ctr"/>
+            <a:endParaRPr lang="en-US"/>
+          </a:p>
+        </p:txBody>
+      </p:sp>
+      <p:sp>
+        <p:nvSpPr>
+          <p:cNvPr id="18" name="Content Placeholder 17">
+            <a:extLst>
+              <a:ext uri="{FF2B5EF4-FFF2-40B4-BE49-F238E27FC236}">
+                <a16:creationId xmlns:a16="http://schemas.microsoft.com/office/drawing/2014/main" id="{981C65F5-E4B0-7B24-B3BA-042A6E8131CA}"/>
+              </a:ext>
+            </a:extLst>
+          </p:cNvPr>
+          <p:cNvSpPr>
+            <a:spLocks noGrp="1"/>
+          </p:cNvSpPr>
+          <p:nvPr>
+            <p:ph idx="1"/>
+          </p:nvPr>
+        </p:nvSpPr>
+        <p:spPr>
+          <a:xfrm>
+            <a:off x="1097280" y="4916058"/>
+            <a:ext cx="10058400" cy="953036"/>
+          </a:xfrm>
+        </p:spPr>
+        <p:txBody>
+          <a:bodyPr/>
+          <a:lstStyle/>
+          <a:p>
+            <a:r>
+              <a:rPr lang="en-US" dirty="0"/>
+              <a:t>We only show the first two steps</a:t>
+            </a:r>
+          </a:p>
+        </p:txBody>
+      </p:sp>
+    </p:spTree>
+    <p:extLst>
+      <p:ext uri="{BB962C8B-B14F-4D97-AF65-F5344CB8AC3E}">
+        <p14:creationId xmlns:p14="http://schemas.microsoft.com/office/powerpoint/2010/main" val="307001628"/>
+      </p:ext>
+    </p:extLst>
+  </p:cSld>
+  <p:clrMapOvr>
+    <a:masterClrMapping/>
+  </p:clrMapOvr>
+</p:sld>
+</file>
+
+<file path=ppt/slides/slide52.xml><?xml version="1.0" encoding="utf-8"?>
+<p:sld xmlns:a="http://schemas.openxmlformats.org/drawingml/2006/main" xmlns:r="http://schemas.openxmlformats.org/officeDocument/2006/relationships" xmlns:p="http://schemas.openxmlformats.org/presentationml/2006/main">
+  <p:cSld>
+    <p:spTree>
+      <p:nvGrpSpPr>
+        <p:cNvPr id="1" name=""/>
+        <p:cNvGrpSpPr/>
+        <p:nvPr/>
+      </p:nvGrpSpPr>
+      <p:grpSpPr>
+        <a:xfrm>
+          <a:off x="0" y="0"/>
+          <a:ext cx="0" cy="0"/>
+          <a:chOff x="0" y="0"/>
+          <a:chExt cx="0" cy="0"/>
+        </a:xfrm>
+      </p:grpSpPr>
+      <p:sp>
+        <p:nvSpPr>
+          <p:cNvPr id="2" name="Title 1">
+            <a:extLst>
+              <a:ext uri="{FF2B5EF4-FFF2-40B4-BE49-F238E27FC236}">
+                <a16:creationId xmlns:a16="http://schemas.microsoft.com/office/drawing/2014/main" id="{A881A9B3-149C-0506-A1C5-9850C836CEB9}"/>
+              </a:ext>
+            </a:extLst>
+          </p:cNvPr>
+          <p:cNvSpPr>
+            <a:spLocks noGrp="1"/>
+          </p:cNvSpPr>
+          <p:nvPr>
+            <p:ph type="title"/>
+          </p:nvPr>
+        </p:nvSpPr>
+        <p:spPr/>
+        <p:txBody>
+          <a:bodyPr/>
+          <a:lstStyle/>
+          <a:p>
+            <a:r>
+              <a:rPr lang="en-US" dirty="0" err="1"/>
+              <a:t>Linear+ReLU</a:t>
+            </a:r>
+            <a:r>
+              <a:rPr lang="en-US" dirty="0"/>
+              <a:t> Example</a:t>
+            </a:r>
+          </a:p>
+        </p:txBody>
+      </p:sp>
+      <p:sp>
+        <p:nvSpPr>
+          <p:cNvPr id="3" name="Content Placeholder 2">
+            <a:extLst>
+              <a:ext uri="{FF2B5EF4-FFF2-40B4-BE49-F238E27FC236}">
+                <a16:creationId xmlns:a16="http://schemas.microsoft.com/office/drawing/2014/main" id="{FC264632-4835-EC8B-3EFC-34BFB5C3E108}"/>
+              </a:ext>
+            </a:extLst>
+          </p:cNvPr>
+          <p:cNvSpPr>
+            <a:spLocks noGrp="1"/>
+          </p:cNvSpPr>
+          <p:nvPr>
+            <p:ph idx="1"/>
+          </p:nvPr>
+        </p:nvSpPr>
+        <p:spPr/>
+        <p:txBody>
+          <a:bodyPr/>
+          <a:lstStyle/>
+          <a:p>
+            <a:r>
+              <a:rPr lang="en-US" dirty="0"/>
+              <a:t>All code in </a:t>
+            </a:r>
+            <a:r>
+              <a:rPr lang="en-US" dirty="0" err="1">
+                <a:hlinkClick r:id="rId2"/>
+              </a:rPr>
+              <a:t>github</a:t>
+            </a:r>
+            <a:r>
+              <a:rPr lang="en-US" dirty="0">
+                <a:hlinkClick r:id="rId2"/>
+              </a:rPr>
+              <a:t> repo</a:t>
+            </a:r>
+            <a:endParaRPr lang="en-US" dirty="0"/>
+          </a:p>
+          <a:p>
+            <a:r>
+              <a:rPr lang="en-US" dirty="0"/>
+              <a:t>We test code on the right</a:t>
+            </a:r>
+          </a:p>
+          <a:p>
+            <a:r>
+              <a:rPr lang="en-US" dirty="0"/>
+              <a:t>Similar to discussed</a:t>
+            </a:r>
+          </a:p>
+          <a:p>
+            <a:r>
+              <a:rPr lang="en-US" dirty="0"/>
+              <a:t>Main difference:</a:t>
+            </a:r>
+          </a:p>
+          <a:p>
+            <a:pPr lvl="1"/>
+            <a:r>
+              <a:rPr lang="en-US" dirty="0"/>
+              <a:t>Module in test uses 16-bit integer</a:t>
+            </a:r>
+          </a:p>
+          <a:p>
+            <a:pPr lvl="1"/>
+            <a:r>
+              <a:rPr lang="en-US" dirty="0"/>
+              <a:t>Code before used int = 32 bit</a:t>
+            </a:r>
+          </a:p>
+          <a:p>
+            <a:endParaRPr lang="en-US" dirty="0"/>
+          </a:p>
+        </p:txBody>
+      </p:sp>
+      <p:sp>
+        <p:nvSpPr>
+          <p:cNvPr id="4" name="Slide Number Placeholder 3">
+            <a:extLst>
+              <a:ext uri="{FF2B5EF4-FFF2-40B4-BE49-F238E27FC236}">
+                <a16:creationId xmlns:a16="http://schemas.microsoft.com/office/drawing/2014/main" id="{172B3F44-F483-C1FD-6D5A-AB4A4B892B94}"/>
+              </a:ext>
+            </a:extLst>
+          </p:cNvPr>
+          <p:cNvSpPr>
+            <a:spLocks noGrp="1"/>
+          </p:cNvSpPr>
+          <p:nvPr>
+            <p:ph type="sldNum" sz="quarter" idx="12"/>
+          </p:nvPr>
+        </p:nvSpPr>
+        <p:spPr/>
+        <p:txBody>
+          <a:bodyPr/>
+          <a:lstStyle/>
+          <a:p>
+            <a:fld id="{629637A9-119A-49DA-BD12-AAC58B377D80}" type="slidenum">
+              <a:rPr lang="en-US" smtClean="0"/>
+              <a:t>52</a:t>
             </a:fld>
             <a:endParaRPr lang="en-US" dirty="0"/>
           </a:p>
@@ -26104,10 +27324,186 @@
       </p:sp>
       <p:pic>
         <p:nvPicPr>
-          <p:cNvPr id="8" name="Picture 7">
+          <p:cNvPr id="6" name="Picture 5">
             <a:extLst>
               <a:ext uri="{FF2B5EF4-FFF2-40B4-BE49-F238E27FC236}">
-                <a16:creationId xmlns:a16="http://schemas.microsoft.com/office/drawing/2014/main" id="{BFC14BC3-8EFF-CE27-1DB2-AAA939573437}"/>
+                <a16:creationId xmlns:a16="http://schemas.microsoft.com/office/drawing/2014/main" id="{40968B09-1AA0-31EC-044F-E8BA5D149869}"/>
+              </a:ext>
+            </a:extLst>
+          </p:cNvPr>
+          <p:cNvPicPr>
+            <a:picLocks noChangeAspect="1"/>
+          </p:cNvPicPr>
+          <p:nvPr/>
+        </p:nvPicPr>
+        <p:blipFill>
+          <a:blip r:embed="rId3"/>
+          <a:stretch>
+            <a:fillRect/>
+          </a:stretch>
+        </p:blipFill>
+        <p:spPr>
+          <a:xfrm>
+            <a:off x="5675078" y="1625034"/>
+            <a:ext cx="5997556" cy="2557399"/>
+          </a:xfrm>
+          <a:prstGeom prst="rect">
+            <a:avLst/>
+          </a:prstGeom>
+        </p:spPr>
+      </p:pic>
+    </p:spTree>
+    <p:extLst>
+      <p:ext uri="{BB962C8B-B14F-4D97-AF65-F5344CB8AC3E}">
+        <p14:creationId xmlns:p14="http://schemas.microsoft.com/office/powerpoint/2010/main" val="1542309437"/>
+      </p:ext>
+    </p:extLst>
+  </p:cSld>
+  <p:clrMapOvr>
+    <a:masterClrMapping/>
+  </p:clrMapOvr>
+</p:sld>
+</file>
+
+<file path=ppt/slides/slide53.xml><?xml version="1.0" encoding="utf-8"?>
+<p:sld xmlns:a="http://schemas.openxmlformats.org/drawingml/2006/main" xmlns:r="http://schemas.openxmlformats.org/officeDocument/2006/relationships" xmlns:p="http://schemas.openxmlformats.org/presentationml/2006/main">
+  <p:cSld>
+    <p:spTree>
+      <p:nvGrpSpPr>
+        <p:cNvPr id="1" name=""/>
+        <p:cNvGrpSpPr/>
+        <p:nvPr/>
+      </p:nvGrpSpPr>
+      <p:grpSpPr>
+        <a:xfrm>
+          <a:off x="0" y="0"/>
+          <a:ext cx="0" cy="0"/>
+          <a:chOff x="0" y="0"/>
+          <a:chExt cx="0" cy="0"/>
+        </a:xfrm>
+      </p:grpSpPr>
+      <p:sp>
+        <p:nvSpPr>
+          <p:cNvPr id="2" name="Title 1">
+            <a:extLst>
+              <a:ext uri="{FF2B5EF4-FFF2-40B4-BE49-F238E27FC236}">
+                <a16:creationId xmlns:a16="http://schemas.microsoft.com/office/drawing/2014/main" id="{FEDF40FE-E115-4CD6-C427-D44491FD08E3}"/>
+              </a:ext>
+            </a:extLst>
+          </p:cNvPr>
+          <p:cNvSpPr>
+            <a:spLocks noGrp="1"/>
+          </p:cNvSpPr>
+          <p:nvPr>
+            <p:ph type="title"/>
+          </p:nvPr>
+        </p:nvSpPr>
+        <p:spPr/>
+        <p:txBody>
+          <a:bodyPr/>
+          <a:lstStyle/>
+          <a:p>
+            <a:r>
+              <a:rPr lang="en-US" dirty="0"/>
+              <a:t>Test Vectors</a:t>
+            </a:r>
+          </a:p>
+        </p:txBody>
+      </p:sp>
+      <p:sp>
+        <p:nvSpPr>
+          <p:cNvPr id="3" name="Content Placeholder 2">
+            <a:extLst>
+              <a:ext uri="{FF2B5EF4-FFF2-40B4-BE49-F238E27FC236}">
+                <a16:creationId xmlns:a16="http://schemas.microsoft.com/office/drawing/2014/main" id="{0F43C873-C628-5DF7-FD56-CB826D2D6913}"/>
+              </a:ext>
+            </a:extLst>
+          </p:cNvPr>
+          <p:cNvSpPr>
+            <a:spLocks noGrp="1"/>
+          </p:cNvSpPr>
+          <p:nvPr>
+            <p:ph idx="1"/>
+          </p:nvPr>
+        </p:nvSpPr>
+        <p:spPr/>
+        <p:txBody>
+          <a:bodyPr/>
+          <a:lstStyle/>
+          <a:p>
+            <a:r>
+              <a:rPr lang="en-US" dirty="0"/>
+              <a:t>Create a set of test inputs</a:t>
+            </a:r>
+          </a:p>
+          <a:p>
+            <a:endParaRPr lang="en-US" dirty="0"/>
+          </a:p>
+          <a:p>
+            <a:r>
+              <a:rPr lang="en-US" dirty="0"/>
+              <a:t>Loop through inputs</a:t>
+            </a:r>
+          </a:p>
+          <a:p>
+            <a:r>
+              <a:rPr lang="en-US" dirty="0"/>
+              <a:t>Put one new input each clock cycle</a:t>
+            </a:r>
+          </a:p>
+          <a:p>
+            <a:r>
+              <a:rPr lang="en-US" dirty="0"/>
+              <a:t>Testbench uses an initial construct</a:t>
+            </a:r>
+          </a:p>
+          <a:p>
+            <a:pPr lvl="1"/>
+            <a:r>
+              <a:rPr lang="en-US" dirty="0"/>
+              <a:t>Enables sequential set of events</a:t>
+            </a:r>
+          </a:p>
+          <a:p>
+            <a:endParaRPr lang="en-US" dirty="0"/>
+          </a:p>
+        </p:txBody>
+      </p:sp>
+      <p:sp>
+        <p:nvSpPr>
+          <p:cNvPr id="4" name="Slide Number Placeholder 3">
+            <a:extLst>
+              <a:ext uri="{FF2B5EF4-FFF2-40B4-BE49-F238E27FC236}">
+                <a16:creationId xmlns:a16="http://schemas.microsoft.com/office/drawing/2014/main" id="{318AE09C-305C-D94C-85CE-1B3305B0B8DA}"/>
+              </a:ext>
+            </a:extLst>
+          </p:cNvPr>
+          <p:cNvSpPr>
+            <a:spLocks noGrp="1"/>
+          </p:cNvSpPr>
+          <p:nvPr>
+            <p:ph type="sldNum" sz="quarter" idx="12"/>
+          </p:nvPr>
+        </p:nvSpPr>
+        <p:spPr/>
+        <p:txBody>
+          <a:bodyPr/>
+          <a:lstStyle/>
+          <a:p>
+            <a:fld id="{629637A9-119A-49DA-BD12-AAC58B377D80}" type="slidenum">
+              <a:rPr lang="en-US" smtClean="0"/>
+              <a:t>53</a:t>
+            </a:fld>
+            <a:endParaRPr lang="en-US" dirty="0"/>
+          </a:p>
+        </p:txBody>
+      </p:sp>
+      <p:pic>
+        <p:nvPicPr>
+          <p:cNvPr id="6" name="Picture 5">
+            <a:extLst>
+              <a:ext uri="{FF2B5EF4-FFF2-40B4-BE49-F238E27FC236}">
+                <a16:creationId xmlns:a16="http://schemas.microsoft.com/office/drawing/2014/main" id="{3C63CBDD-DD10-0D68-AAA4-429819C4832D}"/>
               </a:ext>
             </a:extLst>
           </p:cNvPr>
@@ -26124,8 +27520,38 @@
         </p:blipFill>
         <p:spPr>
           <a:xfrm>
-            <a:off x="5967352" y="1639289"/>
-            <a:ext cx="5236178" cy="3770911"/>
+            <a:off x="6696289" y="611546"/>
+            <a:ext cx="3962530" cy="1643000"/>
+          </a:xfrm>
+          <a:prstGeom prst="rect">
+            <a:avLst/>
+          </a:prstGeom>
+        </p:spPr>
+      </p:pic>
+      <p:pic>
+        <p:nvPicPr>
+          <p:cNvPr id="12" name="Picture 11">
+            <a:extLst>
+              <a:ext uri="{FF2B5EF4-FFF2-40B4-BE49-F238E27FC236}">
+                <a16:creationId xmlns:a16="http://schemas.microsoft.com/office/drawing/2014/main" id="{9F05CD8D-4092-30BD-C2FF-E84C900D19EB}"/>
+              </a:ext>
+            </a:extLst>
+          </p:cNvPr>
+          <p:cNvPicPr>
+            <a:picLocks noChangeAspect="1"/>
+          </p:cNvPicPr>
+          <p:nvPr/>
+        </p:nvPicPr>
+        <p:blipFill>
+          <a:blip r:embed="rId3"/>
+          <a:stretch>
+            <a:fillRect/>
+          </a:stretch>
+        </p:blipFill>
+        <p:spPr>
+          <a:xfrm>
+            <a:off x="6753110" y="2407215"/>
+            <a:ext cx="4467455" cy="4200741"/>
           </a:xfrm>
           <a:prstGeom prst="rect">
             <a:avLst/>
@@ -26135,7 +27561,1400 @@
     </p:spTree>
     <p:extLst>
       <p:ext uri="{BB962C8B-B14F-4D97-AF65-F5344CB8AC3E}">
-        <p14:creationId xmlns:p14="http://schemas.microsoft.com/office/powerpoint/2010/main" val="1914792155"/>
+        <p14:creationId xmlns:p14="http://schemas.microsoft.com/office/powerpoint/2010/main" val="3674021395"/>
+      </p:ext>
+    </p:extLst>
+  </p:cSld>
+  <p:clrMapOvr>
+    <a:masterClrMapping/>
+  </p:clrMapOvr>
+</p:sld>
+</file>
+
+<file path=ppt/slides/slide54.xml><?xml version="1.0" encoding="utf-8"?>
+<p:sld xmlns:a="http://schemas.openxmlformats.org/drawingml/2006/main" xmlns:r="http://schemas.openxmlformats.org/officeDocument/2006/relationships" xmlns:p="http://schemas.openxmlformats.org/presentationml/2006/main">
+  <p:cSld>
+    <p:spTree>
+      <p:nvGrpSpPr>
+        <p:cNvPr id="1" name="">
+          <a:extLst>
+            <a:ext uri="{FF2B5EF4-FFF2-40B4-BE49-F238E27FC236}">
+              <a16:creationId xmlns:a16="http://schemas.microsoft.com/office/drawing/2014/main" id="{6354B08F-7261-1C9D-1C1F-DA4964FC55B4}"/>
+            </a:ext>
+          </a:extLst>
+        </p:cNvPr>
+        <p:cNvGrpSpPr/>
+        <p:nvPr/>
+      </p:nvGrpSpPr>
+      <p:grpSpPr>
+        <a:xfrm>
+          <a:off x="0" y="0"/>
+          <a:ext cx="0" cy="0"/>
+          <a:chOff x="0" y="0"/>
+          <a:chExt cx="0" cy="0"/>
+        </a:xfrm>
+      </p:grpSpPr>
+      <p:sp>
+        <p:nvSpPr>
+          <p:cNvPr id="2" name="Title 1">
+            <a:extLst>
+              <a:ext uri="{FF2B5EF4-FFF2-40B4-BE49-F238E27FC236}">
+                <a16:creationId xmlns:a16="http://schemas.microsoft.com/office/drawing/2014/main" id="{4AE389BD-8F90-85BE-A7D8-438869491A26}"/>
+              </a:ext>
+            </a:extLst>
+          </p:cNvPr>
+          <p:cNvSpPr>
+            <a:spLocks noGrp="1"/>
+          </p:cNvSpPr>
+          <p:nvPr>
+            <p:ph type="title"/>
+          </p:nvPr>
+        </p:nvSpPr>
+        <p:spPr/>
+        <p:txBody>
+          <a:bodyPr/>
+          <a:lstStyle/>
+          <a:p>
+            <a:r>
+              <a:rPr lang="en-US" dirty="0"/>
+              <a:t>Testbench Declaration</a:t>
+            </a:r>
+          </a:p>
+        </p:txBody>
+      </p:sp>
+      <p:sp>
+        <p:nvSpPr>
+          <p:cNvPr id="3" name="Content Placeholder 2">
+            <a:extLst>
+              <a:ext uri="{FF2B5EF4-FFF2-40B4-BE49-F238E27FC236}">
+                <a16:creationId xmlns:a16="http://schemas.microsoft.com/office/drawing/2014/main" id="{9BF13A6F-D239-E6A9-56B6-9D4A65E833F1}"/>
+              </a:ext>
+            </a:extLst>
+          </p:cNvPr>
+          <p:cNvSpPr>
+            <a:spLocks noGrp="1"/>
+          </p:cNvSpPr>
+          <p:nvPr>
+            <p:ph idx="1"/>
+          </p:nvPr>
+        </p:nvSpPr>
+        <p:spPr/>
+        <p:txBody>
+          <a:bodyPr/>
+          <a:lstStyle/>
+          <a:p>
+            <a:r>
+              <a:rPr lang="en-US" dirty="0">
+                <a:solidFill>
+                  <a:schemeClr val="accent1">
+                    <a:lumMod val="75000"/>
+                  </a:schemeClr>
+                </a:solidFill>
+              </a:rPr>
+              <a:t>Testbench</a:t>
+            </a:r>
+            <a:r>
+              <a:rPr lang="en-US" dirty="0"/>
+              <a:t>: a module to test the module</a:t>
+            </a:r>
+          </a:p>
+          <a:p>
+            <a:pPr lvl="1"/>
+            <a:r>
+              <a:rPr lang="en-US" dirty="0"/>
+              <a:t>Will not be synthesized</a:t>
+            </a:r>
+          </a:p>
+          <a:p>
+            <a:pPr lvl="1"/>
+            <a:r>
+              <a:rPr lang="en-US" dirty="0"/>
+              <a:t>Can have un-synthesizable constructs</a:t>
+            </a:r>
+          </a:p>
+          <a:p>
+            <a:pPr lvl="1"/>
+            <a:r>
+              <a:rPr lang="en-US" dirty="0"/>
+              <a:t>Ex: Read / write from file</a:t>
+            </a:r>
+          </a:p>
+          <a:p>
+            <a:endParaRPr lang="en-US" dirty="0"/>
+          </a:p>
+          <a:p>
+            <a:r>
+              <a:rPr lang="en-US" dirty="0"/>
+              <a:t>Create a clock</a:t>
+            </a:r>
+          </a:p>
+          <a:p>
+            <a:endParaRPr lang="en-US" dirty="0"/>
+          </a:p>
+          <a:p>
+            <a:r>
+              <a:rPr lang="en-US" dirty="0"/>
+              <a:t>Instantiate an instance of module to test</a:t>
+            </a:r>
+          </a:p>
+          <a:p>
+            <a:pPr lvl="1"/>
+            <a:r>
+              <a:rPr lang="en-US" dirty="0"/>
+              <a:t>Called the </a:t>
+            </a:r>
+            <a:r>
+              <a:rPr lang="en-US" dirty="0">
+                <a:solidFill>
+                  <a:schemeClr val="accent1">
+                    <a:lumMod val="75000"/>
+                  </a:schemeClr>
+                </a:solidFill>
+              </a:rPr>
+              <a:t>DUT</a:t>
+            </a:r>
+            <a:r>
+              <a:rPr lang="en-US" dirty="0"/>
+              <a:t> = </a:t>
+            </a:r>
+            <a:r>
+              <a:rPr lang="en-US" dirty="0">
+                <a:solidFill>
+                  <a:schemeClr val="accent1">
+                    <a:lumMod val="75000"/>
+                  </a:schemeClr>
+                </a:solidFill>
+              </a:rPr>
+              <a:t>device under test</a:t>
+            </a:r>
+          </a:p>
+          <a:p>
+            <a:pPr lvl="1"/>
+            <a:r>
+              <a:rPr lang="en-US" dirty="0">
+                <a:solidFill>
+                  <a:schemeClr val="tx1"/>
+                </a:solidFill>
+              </a:rPr>
+              <a:t>Connect DUT to testbench signals</a:t>
+            </a:r>
+          </a:p>
+        </p:txBody>
+      </p:sp>
+      <p:sp>
+        <p:nvSpPr>
+          <p:cNvPr id="4" name="Slide Number Placeholder 3">
+            <a:extLst>
+              <a:ext uri="{FF2B5EF4-FFF2-40B4-BE49-F238E27FC236}">
+                <a16:creationId xmlns:a16="http://schemas.microsoft.com/office/drawing/2014/main" id="{EA53069E-778C-47B5-25E1-B32A1CC081D6}"/>
+              </a:ext>
+            </a:extLst>
+          </p:cNvPr>
+          <p:cNvSpPr>
+            <a:spLocks noGrp="1"/>
+          </p:cNvSpPr>
+          <p:nvPr>
+            <p:ph type="sldNum" sz="quarter" idx="12"/>
+          </p:nvPr>
+        </p:nvSpPr>
+        <p:spPr/>
+        <p:txBody>
+          <a:bodyPr/>
+          <a:lstStyle/>
+          <a:p>
+            <a:fld id="{629637A9-119A-49DA-BD12-AAC58B377D80}" type="slidenum">
+              <a:rPr lang="en-US" smtClean="0"/>
+              <a:t>54</a:t>
+            </a:fld>
+            <a:endParaRPr lang="en-US" dirty="0"/>
+          </a:p>
+        </p:txBody>
+      </p:sp>
+      <p:pic>
+        <p:nvPicPr>
+          <p:cNvPr id="8" name="Picture 7">
+            <a:extLst>
+              <a:ext uri="{FF2B5EF4-FFF2-40B4-BE49-F238E27FC236}">
+                <a16:creationId xmlns:a16="http://schemas.microsoft.com/office/drawing/2014/main" id="{58DB4A1B-225B-4154-6B27-4491D52AEAE3}"/>
+              </a:ext>
+            </a:extLst>
+          </p:cNvPr>
+          <p:cNvPicPr>
+            <a:picLocks noChangeAspect="1"/>
+          </p:cNvPicPr>
+          <p:nvPr/>
+        </p:nvPicPr>
+        <p:blipFill>
+          <a:blip r:embed="rId2"/>
+          <a:stretch>
+            <a:fillRect/>
+          </a:stretch>
+        </p:blipFill>
+        <p:spPr>
+          <a:xfrm>
+            <a:off x="6832324" y="3066886"/>
+            <a:ext cx="3602314" cy="3052260"/>
+          </a:xfrm>
+          <a:prstGeom prst="rect">
+            <a:avLst/>
+          </a:prstGeom>
+        </p:spPr>
+      </p:pic>
+      <p:pic>
+        <p:nvPicPr>
+          <p:cNvPr id="10" name="Picture 9">
+            <a:extLst>
+              <a:ext uri="{FF2B5EF4-FFF2-40B4-BE49-F238E27FC236}">
+                <a16:creationId xmlns:a16="http://schemas.microsoft.com/office/drawing/2014/main" id="{8453708C-C900-4921-D75F-C6C8BC6E2A36}"/>
+              </a:ext>
+            </a:extLst>
+          </p:cNvPr>
+          <p:cNvPicPr>
+            <a:picLocks noChangeAspect="1"/>
+          </p:cNvPicPr>
+          <p:nvPr/>
+        </p:nvPicPr>
+        <p:blipFill>
+          <a:blip r:embed="rId3"/>
+          <a:stretch>
+            <a:fillRect/>
+          </a:stretch>
+        </p:blipFill>
+        <p:spPr>
+          <a:xfrm>
+            <a:off x="6871583" y="515575"/>
+            <a:ext cx="3131223" cy="2267797"/>
+          </a:xfrm>
+          <a:prstGeom prst="rect">
+            <a:avLst/>
+          </a:prstGeom>
+        </p:spPr>
+      </p:pic>
+      <p:cxnSp>
+        <p:nvCxnSpPr>
+          <p:cNvPr id="7" name="Straight Arrow Connector 6">
+            <a:extLst>
+              <a:ext uri="{FF2B5EF4-FFF2-40B4-BE49-F238E27FC236}">
+                <a16:creationId xmlns:a16="http://schemas.microsoft.com/office/drawing/2014/main" id="{6E88EB95-EB80-0D3F-E0CE-53ECB54A1EA2}"/>
+              </a:ext>
+            </a:extLst>
+          </p:cNvPr>
+          <p:cNvCxnSpPr/>
+          <p:nvPr/>
+        </p:nvCxnSpPr>
+        <p:spPr>
+          <a:xfrm>
+            <a:off x="5429250" y="1876425"/>
+            <a:ext cx="1290638" cy="0"/>
+          </a:xfrm>
+          <a:prstGeom prst="straightConnector1">
+            <a:avLst/>
+          </a:prstGeom>
+          <a:ln>
+            <a:tailEnd type="triangle"/>
+          </a:ln>
+        </p:spPr>
+        <p:style>
+          <a:lnRef idx="1">
+            <a:schemeClr val="accent1"/>
+          </a:lnRef>
+          <a:fillRef idx="0">
+            <a:schemeClr val="accent1"/>
+          </a:fillRef>
+          <a:effectRef idx="0">
+            <a:schemeClr val="accent1"/>
+          </a:effectRef>
+          <a:fontRef idx="minor">
+            <a:schemeClr val="tx1"/>
+          </a:fontRef>
+        </p:style>
+      </p:cxnSp>
+      <p:cxnSp>
+        <p:nvCxnSpPr>
+          <p:cNvPr id="11" name="Straight Arrow Connector 10">
+            <a:extLst>
+              <a:ext uri="{FF2B5EF4-FFF2-40B4-BE49-F238E27FC236}">
+                <a16:creationId xmlns:a16="http://schemas.microsoft.com/office/drawing/2014/main" id="{849B6E42-5885-CD78-0381-71857BA73B03}"/>
+              </a:ext>
+            </a:extLst>
+          </p:cNvPr>
+          <p:cNvCxnSpPr>
+            <a:cxnSpLocks/>
+          </p:cNvCxnSpPr>
+          <p:nvPr/>
+        </p:nvCxnSpPr>
+        <p:spPr>
+          <a:xfrm flipV="1">
+            <a:off x="2738438" y="3471863"/>
+            <a:ext cx="4038600" cy="126185"/>
+          </a:xfrm>
+          <a:prstGeom prst="straightConnector1">
+            <a:avLst/>
+          </a:prstGeom>
+          <a:ln>
+            <a:tailEnd type="triangle"/>
+          </a:ln>
+        </p:spPr>
+        <p:style>
+          <a:lnRef idx="1">
+            <a:schemeClr val="accent1"/>
+          </a:lnRef>
+          <a:fillRef idx="0">
+            <a:schemeClr val="accent1"/>
+          </a:fillRef>
+          <a:effectRef idx="0">
+            <a:schemeClr val="accent1"/>
+          </a:effectRef>
+          <a:fontRef idx="minor">
+            <a:schemeClr val="tx1"/>
+          </a:fontRef>
+        </p:style>
+      </p:cxnSp>
+      <p:cxnSp>
+        <p:nvCxnSpPr>
+          <p:cNvPr id="13" name="Straight Arrow Connector 12">
+            <a:extLst>
+              <a:ext uri="{FF2B5EF4-FFF2-40B4-BE49-F238E27FC236}">
+                <a16:creationId xmlns:a16="http://schemas.microsoft.com/office/drawing/2014/main" id="{34384257-470F-CA45-8BC1-A963CD9E8A7C}"/>
+              </a:ext>
+            </a:extLst>
+          </p:cNvPr>
+          <p:cNvCxnSpPr>
+            <a:cxnSpLocks/>
+          </p:cNvCxnSpPr>
+          <p:nvPr/>
+        </p:nvCxnSpPr>
+        <p:spPr>
+          <a:xfrm flipV="1">
+            <a:off x="5359677" y="4619625"/>
+            <a:ext cx="1183999" cy="104775"/>
+          </a:xfrm>
+          <a:prstGeom prst="straightConnector1">
+            <a:avLst/>
+          </a:prstGeom>
+          <a:ln>
+            <a:tailEnd type="triangle"/>
+          </a:ln>
+        </p:spPr>
+        <p:style>
+          <a:lnRef idx="1">
+            <a:schemeClr val="accent1"/>
+          </a:lnRef>
+          <a:fillRef idx="0">
+            <a:schemeClr val="accent1"/>
+          </a:fillRef>
+          <a:effectRef idx="0">
+            <a:schemeClr val="accent1"/>
+          </a:effectRef>
+          <a:fontRef idx="minor">
+            <a:schemeClr val="tx1"/>
+          </a:fontRef>
+        </p:style>
+      </p:cxnSp>
+    </p:spTree>
+    <p:extLst>
+      <p:ext uri="{BB962C8B-B14F-4D97-AF65-F5344CB8AC3E}">
+        <p14:creationId xmlns:p14="http://schemas.microsoft.com/office/powerpoint/2010/main" val="652634537"/>
+      </p:ext>
+    </p:extLst>
+  </p:cSld>
+  <p:clrMapOvr>
+    <a:masterClrMapping/>
+  </p:clrMapOvr>
+</p:sld>
+</file>
+
+<file path=ppt/slides/slide55.xml><?xml version="1.0" encoding="utf-8"?>
+<p:sld xmlns:a="http://schemas.openxmlformats.org/drawingml/2006/main" xmlns:r="http://schemas.openxmlformats.org/officeDocument/2006/relationships" xmlns:p="http://schemas.openxmlformats.org/presentationml/2006/main">
+  <p:cSld>
+    <p:spTree>
+      <p:nvGrpSpPr>
+        <p:cNvPr id="1" name=""/>
+        <p:cNvGrpSpPr/>
+        <p:nvPr/>
+      </p:nvGrpSpPr>
+      <p:grpSpPr>
+        <a:xfrm>
+          <a:off x="0" y="0"/>
+          <a:ext cx="0" cy="0"/>
+          <a:chOff x="0" y="0"/>
+          <a:chExt cx="0" cy="0"/>
+        </a:xfrm>
+      </p:grpSpPr>
+      <p:sp>
+        <p:nvSpPr>
+          <p:cNvPr id="2" name="Title 1">
+            <a:extLst>
+              <a:ext uri="{FF2B5EF4-FFF2-40B4-BE49-F238E27FC236}">
+                <a16:creationId xmlns:a16="http://schemas.microsoft.com/office/drawing/2014/main" id="{A774EC1F-55F6-3760-8555-3B9C9869996D}"/>
+              </a:ext>
+            </a:extLst>
+          </p:cNvPr>
+          <p:cNvSpPr>
+            <a:spLocks noGrp="1"/>
+          </p:cNvSpPr>
+          <p:nvPr>
+            <p:ph type="title"/>
+          </p:nvPr>
+        </p:nvSpPr>
+        <p:spPr/>
+        <p:txBody>
+          <a:bodyPr/>
+          <a:lstStyle/>
+          <a:p>
+            <a:r>
+              <a:rPr lang="en-US" dirty="0"/>
+              <a:t>Run Simulation</a:t>
+            </a:r>
+          </a:p>
+        </p:txBody>
+      </p:sp>
+      <p:sp>
+        <p:nvSpPr>
+          <p:cNvPr id="3" name="Content Placeholder 2">
+            <a:extLst>
+              <a:ext uri="{FF2B5EF4-FFF2-40B4-BE49-F238E27FC236}">
+                <a16:creationId xmlns:a16="http://schemas.microsoft.com/office/drawing/2014/main" id="{B45ACD34-D2EF-ED4F-BC32-052E61EF7628}"/>
+              </a:ext>
+            </a:extLst>
+          </p:cNvPr>
+          <p:cNvSpPr>
+            <a:spLocks noGrp="1"/>
+          </p:cNvSpPr>
+          <p:nvPr>
+            <p:ph idx="1"/>
+          </p:nvPr>
+        </p:nvSpPr>
+        <p:spPr/>
+        <p:txBody>
+          <a:bodyPr/>
+          <a:lstStyle/>
+          <a:p>
+            <a:r>
+              <a:rPr lang="en-US" dirty="0"/>
+              <a:t>We show how to run from the command-line</a:t>
+            </a:r>
+          </a:p>
+          <a:p>
+            <a:pPr lvl="1"/>
+            <a:r>
+              <a:rPr lang="en-US" dirty="0"/>
+              <a:t>A </a:t>
+            </a:r>
+            <a:r>
+              <a:rPr lang="en-US" dirty="0" err="1"/>
+              <a:t>Vivado</a:t>
+            </a:r>
+            <a:r>
+              <a:rPr lang="en-US" dirty="0"/>
+              <a:t> GUI option is also available</a:t>
+            </a:r>
+          </a:p>
+          <a:p>
+            <a:pPr lvl="1"/>
+            <a:r>
+              <a:rPr lang="en-US" dirty="0"/>
+              <a:t>But command-line is more flexible and automatable</a:t>
+            </a:r>
+          </a:p>
+          <a:p>
+            <a:r>
+              <a:rPr lang="en-US" dirty="0"/>
+              <a:t>Start a virtual environment with </a:t>
+            </a:r>
+            <a:r>
+              <a:rPr lang="en-US" dirty="0" err="1"/>
+              <a:t>xilinxutils</a:t>
+            </a:r>
+            <a:endParaRPr lang="en-US" dirty="0"/>
+          </a:p>
+          <a:p>
+            <a:pPr lvl="1"/>
+            <a:r>
+              <a:rPr lang="en-US" dirty="0" err="1"/>
+              <a:t>Xilinxutils</a:t>
+            </a:r>
+            <a:r>
+              <a:rPr lang="en-US" dirty="0"/>
+              <a:t>:  Python package provided in the course repo</a:t>
+            </a:r>
+          </a:p>
+          <a:p>
+            <a:r>
+              <a:rPr lang="en-US" dirty="0"/>
+              <a:t>Run command</a:t>
+            </a:r>
+          </a:p>
+          <a:p>
+            <a:r>
+              <a:rPr lang="en-US" dirty="0"/>
+              <a:t>Command is equivalent to</a:t>
+            </a:r>
+          </a:p>
+          <a:p>
+            <a:pPr lvl="1"/>
+            <a:r>
+              <a:rPr lang="en-US" dirty="0" err="1"/>
+              <a:t>sv_sim</a:t>
+            </a:r>
+            <a:r>
+              <a:rPr lang="en-US" dirty="0"/>
+              <a:t> is a short-cut</a:t>
+            </a:r>
+            <a:br>
+              <a:rPr lang="en-US" dirty="0"/>
+            </a:br>
+            <a:endParaRPr lang="en-US" dirty="0"/>
+          </a:p>
+          <a:p>
+            <a:pPr lvl="1"/>
+            <a:endParaRPr lang="en-US" dirty="0"/>
+          </a:p>
+          <a:p>
+            <a:endParaRPr lang="en-US" dirty="0"/>
+          </a:p>
+        </p:txBody>
+      </p:sp>
+      <p:sp>
+        <p:nvSpPr>
+          <p:cNvPr id="4" name="Slide Number Placeholder 3">
+            <a:extLst>
+              <a:ext uri="{FF2B5EF4-FFF2-40B4-BE49-F238E27FC236}">
+                <a16:creationId xmlns:a16="http://schemas.microsoft.com/office/drawing/2014/main" id="{B9BA2057-3F08-B56C-4E49-989F311065DB}"/>
+              </a:ext>
+            </a:extLst>
+          </p:cNvPr>
+          <p:cNvSpPr>
+            <a:spLocks noGrp="1"/>
+          </p:cNvSpPr>
+          <p:nvPr>
+            <p:ph type="sldNum" sz="quarter" idx="12"/>
+          </p:nvPr>
+        </p:nvSpPr>
+        <p:spPr/>
+        <p:txBody>
+          <a:bodyPr/>
+          <a:lstStyle/>
+          <a:p>
+            <a:fld id="{629637A9-119A-49DA-BD12-AAC58B377D80}" type="slidenum">
+              <a:rPr lang="en-US" smtClean="0"/>
+              <a:t>55</a:t>
+            </a:fld>
+            <a:endParaRPr lang="en-US" dirty="0"/>
+          </a:p>
+        </p:txBody>
+      </p:sp>
+      <p:pic>
+        <p:nvPicPr>
+          <p:cNvPr id="6" name="Picture 5">
+            <a:extLst>
+              <a:ext uri="{FF2B5EF4-FFF2-40B4-BE49-F238E27FC236}">
+                <a16:creationId xmlns:a16="http://schemas.microsoft.com/office/drawing/2014/main" id="{844BD7B6-AB86-D2F7-15B2-F47228FCA9D3}"/>
+              </a:ext>
+            </a:extLst>
+          </p:cNvPr>
+          <p:cNvPicPr>
+            <a:picLocks noChangeAspect="1"/>
+          </p:cNvPicPr>
+          <p:nvPr/>
+        </p:nvPicPr>
+        <p:blipFill>
+          <a:blip r:embed="rId2"/>
+          <a:stretch>
+            <a:fillRect/>
+          </a:stretch>
+        </p:blipFill>
+        <p:spPr>
+          <a:xfrm>
+            <a:off x="4632801" y="4688764"/>
+            <a:ext cx="6522879" cy="1180330"/>
+          </a:xfrm>
+          <a:prstGeom prst="rect">
+            <a:avLst/>
+          </a:prstGeom>
+        </p:spPr>
+      </p:pic>
+      <p:pic>
+        <p:nvPicPr>
+          <p:cNvPr id="8" name="Picture 7">
+            <a:extLst>
+              <a:ext uri="{FF2B5EF4-FFF2-40B4-BE49-F238E27FC236}">
+                <a16:creationId xmlns:a16="http://schemas.microsoft.com/office/drawing/2014/main" id="{02693625-F116-7501-D564-814470400AB7}"/>
+              </a:ext>
+            </a:extLst>
+          </p:cNvPr>
+          <p:cNvPicPr>
+            <a:picLocks noChangeAspect="1"/>
+          </p:cNvPicPr>
+          <p:nvPr/>
+        </p:nvPicPr>
+        <p:blipFill>
+          <a:blip r:embed="rId3"/>
+          <a:stretch>
+            <a:fillRect/>
+          </a:stretch>
+        </p:blipFill>
+        <p:spPr>
+          <a:xfrm>
+            <a:off x="4632801" y="3429000"/>
+            <a:ext cx="6715216" cy="797321"/>
+          </a:xfrm>
+          <a:prstGeom prst="rect">
+            <a:avLst/>
+          </a:prstGeom>
+        </p:spPr>
+      </p:pic>
+      <p:cxnSp>
+        <p:nvCxnSpPr>
+          <p:cNvPr id="10" name="Straight Arrow Connector 9">
+            <a:extLst>
+              <a:ext uri="{FF2B5EF4-FFF2-40B4-BE49-F238E27FC236}">
+                <a16:creationId xmlns:a16="http://schemas.microsoft.com/office/drawing/2014/main" id="{FFE39A3C-D656-A293-E6B5-D2E61CF05193}"/>
+              </a:ext>
+            </a:extLst>
+          </p:cNvPr>
+          <p:cNvCxnSpPr/>
+          <p:nvPr/>
+        </p:nvCxnSpPr>
+        <p:spPr>
+          <a:xfrm>
+            <a:off x="3029964" y="3598083"/>
+            <a:ext cx="1325610" cy="106102"/>
+          </a:xfrm>
+          <a:prstGeom prst="straightConnector1">
+            <a:avLst/>
+          </a:prstGeom>
+          <a:ln>
+            <a:tailEnd type="triangle"/>
+          </a:ln>
+        </p:spPr>
+        <p:style>
+          <a:lnRef idx="1">
+            <a:schemeClr val="accent1"/>
+          </a:lnRef>
+          <a:fillRef idx="0">
+            <a:schemeClr val="accent1"/>
+          </a:fillRef>
+          <a:effectRef idx="0">
+            <a:schemeClr val="accent1"/>
+          </a:effectRef>
+          <a:fontRef idx="minor">
+            <a:schemeClr val="tx1"/>
+          </a:fontRef>
+        </p:style>
+      </p:cxnSp>
+      <p:cxnSp>
+        <p:nvCxnSpPr>
+          <p:cNvPr id="12" name="Straight Arrow Connector 11">
+            <a:extLst>
+              <a:ext uri="{FF2B5EF4-FFF2-40B4-BE49-F238E27FC236}">
+                <a16:creationId xmlns:a16="http://schemas.microsoft.com/office/drawing/2014/main" id="{8ECDCC34-CB1B-5C03-323D-1F82132B240A}"/>
+              </a:ext>
+            </a:extLst>
+          </p:cNvPr>
+          <p:cNvCxnSpPr>
+            <a:endCxn id="6" idx="1"/>
+          </p:cNvCxnSpPr>
+          <p:nvPr/>
+        </p:nvCxnSpPr>
+        <p:spPr>
+          <a:xfrm>
+            <a:off x="3538538" y="4357688"/>
+            <a:ext cx="1094263" cy="1038225"/>
+          </a:xfrm>
+          <a:prstGeom prst="straightConnector1">
+            <a:avLst/>
+          </a:prstGeom>
+          <a:ln>
+            <a:tailEnd type="triangle"/>
+          </a:ln>
+        </p:spPr>
+        <p:style>
+          <a:lnRef idx="1">
+            <a:schemeClr val="accent1"/>
+          </a:lnRef>
+          <a:fillRef idx="0">
+            <a:schemeClr val="accent1"/>
+          </a:fillRef>
+          <a:effectRef idx="0">
+            <a:schemeClr val="accent1"/>
+          </a:effectRef>
+          <a:fontRef idx="minor">
+            <a:schemeClr val="tx1"/>
+          </a:fontRef>
+        </p:style>
+      </p:cxnSp>
+    </p:spTree>
+    <p:extLst>
+      <p:ext uri="{BB962C8B-B14F-4D97-AF65-F5344CB8AC3E}">
+        <p14:creationId xmlns:p14="http://schemas.microsoft.com/office/powerpoint/2010/main" val="685438261"/>
+      </p:ext>
+    </p:extLst>
+  </p:cSld>
+  <p:clrMapOvr>
+    <a:masterClrMapping/>
+  </p:clrMapOvr>
+</p:sld>
+</file>
+
+<file path=ppt/slides/slide56.xml><?xml version="1.0" encoding="utf-8"?>
+<p:sld xmlns:a="http://schemas.openxmlformats.org/drawingml/2006/main" xmlns:r="http://schemas.openxmlformats.org/officeDocument/2006/relationships" xmlns:p="http://schemas.openxmlformats.org/presentationml/2006/main">
+  <p:cSld>
+    <p:spTree>
+      <p:nvGrpSpPr>
+        <p:cNvPr id="1" name=""/>
+        <p:cNvGrpSpPr/>
+        <p:nvPr/>
+      </p:nvGrpSpPr>
+      <p:grpSpPr>
+        <a:xfrm>
+          <a:off x="0" y="0"/>
+          <a:ext cx="0" cy="0"/>
+          <a:chOff x="0" y="0"/>
+          <a:chExt cx="0" cy="0"/>
+        </a:xfrm>
+      </p:grpSpPr>
+      <p:sp>
+        <p:nvSpPr>
+          <p:cNvPr id="2" name="Title 1">
+            <a:extLst>
+              <a:ext uri="{FF2B5EF4-FFF2-40B4-BE49-F238E27FC236}">
+                <a16:creationId xmlns:a16="http://schemas.microsoft.com/office/drawing/2014/main" id="{7B8B042B-188C-A389-9F5C-E12AF93E522A}"/>
+              </a:ext>
+            </a:extLst>
+          </p:cNvPr>
+          <p:cNvSpPr>
+            <a:spLocks noGrp="1"/>
+          </p:cNvSpPr>
+          <p:nvPr>
+            <p:ph type="title"/>
+          </p:nvPr>
+        </p:nvSpPr>
+        <p:spPr/>
+        <p:txBody>
+          <a:bodyPr/>
+          <a:lstStyle/>
+          <a:p>
+            <a:r>
+              <a:rPr lang="en-US" dirty="0"/>
+              <a:t>Parsing the VCD File</a:t>
+            </a:r>
+          </a:p>
+        </p:txBody>
+      </p:sp>
+      <p:sp>
+        <p:nvSpPr>
+          <p:cNvPr id="3" name="Content Placeholder 2">
+            <a:extLst>
+              <a:ext uri="{FF2B5EF4-FFF2-40B4-BE49-F238E27FC236}">
+                <a16:creationId xmlns:a16="http://schemas.microsoft.com/office/drawing/2014/main" id="{159EEBDB-8E5B-5926-89C3-A144C4492660}"/>
+              </a:ext>
+            </a:extLst>
+          </p:cNvPr>
+          <p:cNvSpPr>
+            <a:spLocks noGrp="1"/>
+          </p:cNvSpPr>
+          <p:nvPr>
+            <p:ph idx="1"/>
+          </p:nvPr>
+        </p:nvSpPr>
+        <p:spPr/>
+        <p:txBody>
+          <a:bodyPr/>
+          <a:lstStyle/>
+          <a:p>
+            <a:r>
+              <a:rPr lang="en-US" dirty="0"/>
+              <a:t>Simulation produces a VCD file:  Value Change Dump</a:t>
+            </a:r>
+          </a:p>
+          <a:p>
+            <a:pPr lvl="1"/>
+            <a:r>
+              <a:rPr lang="en-US" dirty="0"/>
+              <a:t>File with value-change points of all the signals</a:t>
+            </a:r>
+          </a:p>
+          <a:p>
+            <a:r>
+              <a:rPr lang="en-US" dirty="0"/>
+              <a:t>VCD can be parsed in a </a:t>
+            </a:r>
+            <a:r>
+              <a:rPr lang="en-US" dirty="0" err="1"/>
+              <a:t>jupyter</a:t>
+            </a:r>
+            <a:r>
+              <a:rPr lang="en-US" dirty="0"/>
+              <a:t> notebook</a:t>
+            </a:r>
+          </a:p>
+          <a:p>
+            <a:r>
+              <a:rPr lang="en-US" dirty="0"/>
+              <a:t>Use </a:t>
+            </a:r>
+            <a:r>
+              <a:rPr lang="en-US" dirty="0" err="1"/>
+              <a:t>Xilinxutils</a:t>
+            </a:r>
+            <a:r>
+              <a:rPr lang="en-US" dirty="0"/>
+              <a:t> to:</a:t>
+            </a:r>
+          </a:p>
+          <a:p>
+            <a:pPr lvl="1"/>
+            <a:r>
+              <a:rPr lang="en-US" dirty="0"/>
+              <a:t>Parse the VCD file</a:t>
+            </a:r>
+          </a:p>
+          <a:p>
+            <a:pPr lvl="1"/>
+            <a:r>
+              <a:rPr lang="en-US" dirty="0"/>
+              <a:t>Visualize the timing diagram</a:t>
+            </a:r>
+          </a:p>
+        </p:txBody>
+      </p:sp>
+      <p:sp>
+        <p:nvSpPr>
+          <p:cNvPr id="4" name="Slide Number Placeholder 3">
+            <a:extLst>
+              <a:ext uri="{FF2B5EF4-FFF2-40B4-BE49-F238E27FC236}">
+                <a16:creationId xmlns:a16="http://schemas.microsoft.com/office/drawing/2014/main" id="{68404073-DBA2-0BE5-D0E3-D6ECB15A28A3}"/>
+              </a:ext>
+            </a:extLst>
+          </p:cNvPr>
+          <p:cNvSpPr>
+            <a:spLocks noGrp="1"/>
+          </p:cNvSpPr>
+          <p:nvPr>
+            <p:ph type="sldNum" sz="quarter" idx="12"/>
+          </p:nvPr>
+        </p:nvSpPr>
+        <p:spPr/>
+        <p:txBody>
+          <a:bodyPr/>
+          <a:lstStyle/>
+          <a:p>
+            <a:fld id="{629637A9-119A-49DA-BD12-AAC58B377D80}" type="slidenum">
+              <a:rPr lang="en-US" smtClean="0"/>
+              <a:t>56</a:t>
+            </a:fld>
+            <a:endParaRPr lang="en-US" dirty="0"/>
+          </a:p>
+        </p:txBody>
+      </p:sp>
+      <p:pic>
+        <p:nvPicPr>
+          <p:cNvPr id="6" name="Picture 5">
+            <a:extLst>
+              <a:ext uri="{FF2B5EF4-FFF2-40B4-BE49-F238E27FC236}">
+                <a16:creationId xmlns:a16="http://schemas.microsoft.com/office/drawing/2014/main" id="{01516333-CF11-19FA-FF85-E9419D2AE0F1}"/>
+              </a:ext>
+            </a:extLst>
+          </p:cNvPr>
+          <p:cNvPicPr>
+            <a:picLocks noChangeAspect="1"/>
+          </p:cNvPicPr>
+          <p:nvPr/>
+        </p:nvPicPr>
+        <p:blipFill>
+          <a:blip r:embed="rId2"/>
+          <a:stretch>
+            <a:fillRect/>
+          </a:stretch>
+        </p:blipFill>
+        <p:spPr>
+          <a:xfrm>
+            <a:off x="6827040" y="2020937"/>
+            <a:ext cx="4838323" cy="1928442"/>
+          </a:xfrm>
+          <a:prstGeom prst="rect">
+            <a:avLst/>
+          </a:prstGeom>
+        </p:spPr>
+      </p:pic>
+    </p:spTree>
+    <p:extLst>
+      <p:ext uri="{BB962C8B-B14F-4D97-AF65-F5344CB8AC3E}">
+        <p14:creationId xmlns:p14="http://schemas.microsoft.com/office/powerpoint/2010/main" val="3123449691"/>
+      </p:ext>
+    </p:extLst>
+  </p:cSld>
+  <p:clrMapOvr>
+    <a:masterClrMapping/>
+  </p:clrMapOvr>
+</p:sld>
+</file>
+
+<file path=ppt/slides/slide57.xml><?xml version="1.0" encoding="utf-8"?>
+<p:sld xmlns:a="http://schemas.openxmlformats.org/drawingml/2006/main" xmlns:r="http://schemas.openxmlformats.org/officeDocument/2006/relationships" xmlns:p="http://schemas.openxmlformats.org/presentationml/2006/main">
+  <p:cSld>
+    <p:spTree>
+      <p:nvGrpSpPr>
+        <p:cNvPr id="1" name=""/>
+        <p:cNvGrpSpPr/>
+        <p:nvPr/>
+      </p:nvGrpSpPr>
+      <p:grpSpPr>
+        <a:xfrm>
+          <a:off x="0" y="0"/>
+          <a:ext cx="0" cy="0"/>
+          <a:chOff x="0" y="0"/>
+          <a:chExt cx="0" cy="0"/>
+        </a:xfrm>
+      </p:grpSpPr>
+      <p:sp>
+        <p:nvSpPr>
+          <p:cNvPr id="2" name="Title 1">
+            <a:extLst>
+              <a:ext uri="{FF2B5EF4-FFF2-40B4-BE49-F238E27FC236}">
+                <a16:creationId xmlns:a16="http://schemas.microsoft.com/office/drawing/2014/main" id="{613D8E84-B10D-851B-80A5-8505F49A41A0}"/>
+              </a:ext>
+            </a:extLst>
+          </p:cNvPr>
+          <p:cNvSpPr>
+            <a:spLocks noGrp="1"/>
+          </p:cNvSpPr>
+          <p:nvPr>
+            <p:ph type="title"/>
+          </p:nvPr>
+        </p:nvSpPr>
+        <p:spPr/>
+        <p:txBody>
+          <a:bodyPr/>
+          <a:lstStyle/>
+          <a:p>
+            <a:r>
+              <a:rPr lang="en-US" dirty="0"/>
+              <a:t>Timing Diagram</a:t>
+            </a:r>
+          </a:p>
+        </p:txBody>
+      </p:sp>
+      <p:sp>
+        <p:nvSpPr>
+          <p:cNvPr id="3" name="Content Placeholder 2">
+            <a:extLst>
+              <a:ext uri="{FF2B5EF4-FFF2-40B4-BE49-F238E27FC236}">
+                <a16:creationId xmlns:a16="http://schemas.microsoft.com/office/drawing/2014/main" id="{1D2D18B4-2A36-E46A-B2D2-50D1FD79E40A}"/>
+              </a:ext>
+            </a:extLst>
+          </p:cNvPr>
+          <p:cNvSpPr>
+            <a:spLocks noGrp="1"/>
+          </p:cNvSpPr>
+          <p:nvPr>
+            <p:ph idx="1"/>
+          </p:nvPr>
+        </p:nvSpPr>
+        <p:spPr>
+          <a:xfrm>
+            <a:off x="1206575" y="1539277"/>
+            <a:ext cx="9949105" cy="4329817"/>
+          </a:xfrm>
+        </p:spPr>
+        <p:txBody>
+          <a:bodyPr/>
+          <a:lstStyle/>
+          <a:p>
+            <a:r>
+              <a:rPr lang="en-US" dirty="0"/>
+              <a:t>Matches expected value output</a:t>
+            </a:r>
+          </a:p>
+          <a:p>
+            <a:r>
+              <a:rPr lang="en-US" dirty="0"/>
+              <a:t>Produces an idealized timing diagram</a:t>
+            </a:r>
+          </a:p>
+          <a:p>
+            <a:pPr lvl="1"/>
+            <a:r>
+              <a:rPr lang="en-US" dirty="0"/>
+              <a:t>Timing simulation requires synthesis</a:t>
+            </a:r>
+          </a:p>
+        </p:txBody>
+      </p:sp>
+      <p:sp>
+        <p:nvSpPr>
+          <p:cNvPr id="4" name="Slide Number Placeholder 3">
+            <a:extLst>
+              <a:ext uri="{FF2B5EF4-FFF2-40B4-BE49-F238E27FC236}">
+                <a16:creationId xmlns:a16="http://schemas.microsoft.com/office/drawing/2014/main" id="{F8355320-6480-8903-34D9-AC8897639845}"/>
+              </a:ext>
+            </a:extLst>
+          </p:cNvPr>
+          <p:cNvSpPr>
+            <a:spLocks noGrp="1"/>
+          </p:cNvSpPr>
+          <p:nvPr>
+            <p:ph type="sldNum" sz="quarter" idx="12"/>
+          </p:nvPr>
+        </p:nvSpPr>
+        <p:spPr/>
+        <p:txBody>
+          <a:bodyPr/>
+          <a:lstStyle/>
+          <a:p>
+            <a:fld id="{629637A9-119A-49DA-BD12-AAC58B377D80}" type="slidenum">
+              <a:rPr lang="en-US" smtClean="0"/>
+              <a:t>57</a:t>
+            </a:fld>
+            <a:endParaRPr lang="en-US" dirty="0"/>
+          </a:p>
+        </p:txBody>
+      </p:sp>
+      <p:pic>
+        <p:nvPicPr>
+          <p:cNvPr id="6" name="Picture 5">
+            <a:extLst>
+              <a:ext uri="{FF2B5EF4-FFF2-40B4-BE49-F238E27FC236}">
+                <a16:creationId xmlns:a16="http://schemas.microsoft.com/office/drawing/2014/main" id="{B08DED5F-ABBC-45AF-0E92-78E2DC8DDAC2}"/>
+              </a:ext>
+            </a:extLst>
+          </p:cNvPr>
+          <p:cNvPicPr>
+            <a:picLocks noChangeAspect="1"/>
+          </p:cNvPicPr>
+          <p:nvPr/>
+        </p:nvPicPr>
+        <p:blipFill>
+          <a:blip r:embed="rId2"/>
+          <a:stretch>
+            <a:fillRect/>
+          </a:stretch>
+        </p:blipFill>
+        <p:spPr>
+          <a:xfrm>
+            <a:off x="2209800" y="2783409"/>
+            <a:ext cx="7567612" cy="3230821"/>
+          </a:xfrm>
+          <a:prstGeom prst="rect">
+            <a:avLst/>
+          </a:prstGeom>
+        </p:spPr>
+      </p:pic>
+    </p:spTree>
+    <p:extLst>
+      <p:ext uri="{BB962C8B-B14F-4D97-AF65-F5344CB8AC3E}">
+        <p14:creationId xmlns:p14="http://schemas.microsoft.com/office/powerpoint/2010/main" val="506734307"/>
+      </p:ext>
+    </p:extLst>
+  </p:cSld>
+  <p:clrMapOvr>
+    <a:masterClrMapping/>
+  </p:clrMapOvr>
+</p:sld>
+</file>
+
+<file path=ppt/slides/slide58.xml><?xml version="1.0" encoding="utf-8"?>
+<p:sld xmlns:a="http://schemas.openxmlformats.org/drawingml/2006/main" xmlns:r="http://schemas.openxmlformats.org/officeDocument/2006/relationships" xmlns:p="http://schemas.openxmlformats.org/presentationml/2006/main">
+  <p:cSld>
+    <p:spTree>
+      <p:nvGrpSpPr>
+        <p:cNvPr id="1" name=""/>
+        <p:cNvGrpSpPr/>
+        <p:nvPr/>
+      </p:nvGrpSpPr>
+      <p:grpSpPr>
+        <a:xfrm>
+          <a:off x="0" y="0"/>
+          <a:ext cx="0" cy="0"/>
+          <a:chOff x="0" y="0"/>
+          <a:chExt cx="0" cy="0"/>
+        </a:xfrm>
+      </p:grpSpPr>
+      <p:sp>
+        <p:nvSpPr>
+          <p:cNvPr id="2" name="Title 1">
+            <a:extLst>
+              <a:ext uri="{FF2B5EF4-FFF2-40B4-BE49-F238E27FC236}">
+                <a16:creationId xmlns:a16="http://schemas.microsoft.com/office/drawing/2014/main" id="{5687B532-DF83-F8BA-70D3-02AB1CE22CAA}"/>
+              </a:ext>
+            </a:extLst>
+          </p:cNvPr>
+          <p:cNvSpPr>
+            <a:spLocks noGrp="1"/>
+          </p:cNvSpPr>
+          <p:nvPr>
+            <p:ph type="title"/>
+          </p:nvPr>
+        </p:nvSpPr>
+        <p:spPr/>
+        <p:txBody>
+          <a:bodyPr/>
+          <a:lstStyle/>
+          <a:p>
+            <a:r>
+              <a:rPr lang="en-US" dirty="0"/>
+              <a:t>Quadratic Example</a:t>
+            </a:r>
+          </a:p>
+        </p:txBody>
+      </p:sp>
+      <p:sp>
+        <p:nvSpPr>
+          <p:cNvPr id="3" name="Content Placeholder 2">
+            <a:extLst>
+              <a:ext uri="{FF2B5EF4-FFF2-40B4-BE49-F238E27FC236}">
+                <a16:creationId xmlns:a16="http://schemas.microsoft.com/office/drawing/2014/main" id="{E973E86C-98C2-89F0-07B8-5E381B12285B}"/>
+              </a:ext>
+            </a:extLst>
+          </p:cNvPr>
+          <p:cNvSpPr>
+            <a:spLocks noGrp="1"/>
+          </p:cNvSpPr>
+          <p:nvPr>
+            <p:ph idx="1"/>
+          </p:nvPr>
+        </p:nvSpPr>
+        <p:spPr/>
+        <p:txBody>
+          <a:bodyPr/>
+          <a:lstStyle/>
+          <a:p>
+            <a:r>
+              <a:rPr lang="en-US" dirty="0"/>
+              <a:t>Code in </a:t>
+            </a:r>
+            <a:r>
+              <a:rPr lang="en-US" dirty="0" err="1"/>
+              <a:t>github</a:t>
+            </a:r>
+            <a:r>
+              <a:rPr lang="en-US" dirty="0"/>
+              <a:t> repo</a:t>
+            </a:r>
+          </a:p>
+          <a:p>
+            <a:r>
+              <a:rPr lang="en-US" dirty="0"/>
+              <a:t>We use 16-bit integers with wraparound</a:t>
+            </a:r>
+          </a:p>
+          <a:p>
+            <a:r>
+              <a:rPr lang="en-US" dirty="0"/>
+              <a:t>Process is similar </a:t>
+            </a:r>
+          </a:p>
+        </p:txBody>
+      </p:sp>
+      <p:sp>
+        <p:nvSpPr>
+          <p:cNvPr id="4" name="Slide Number Placeholder 3">
+            <a:extLst>
+              <a:ext uri="{FF2B5EF4-FFF2-40B4-BE49-F238E27FC236}">
+                <a16:creationId xmlns:a16="http://schemas.microsoft.com/office/drawing/2014/main" id="{56D30512-FB08-423E-0F91-2F54ED59C2D3}"/>
+              </a:ext>
+            </a:extLst>
+          </p:cNvPr>
+          <p:cNvSpPr>
+            <a:spLocks noGrp="1"/>
+          </p:cNvSpPr>
+          <p:nvPr>
+            <p:ph type="sldNum" sz="quarter" idx="12"/>
+          </p:nvPr>
+        </p:nvSpPr>
+        <p:spPr/>
+        <p:txBody>
+          <a:bodyPr/>
+          <a:lstStyle/>
+          <a:p>
+            <a:fld id="{629637A9-119A-49DA-BD12-AAC58B377D80}" type="slidenum">
+              <a:rPr lang="en-US" smtClean="0"/>
+              <a:t>58</a:t>
+            </a:fld>
+            <a:endParaRPr lang="en-US" dirty="0"/>
+          </a:p>
+        </p:txBody>
+      </p:sp>
+      <p:pic>
+        <p:nvPicPr>
+          <p:cNvPr id="6" name="Picture 5">
+            <a:extLst>
+              <a:ext uri="{FF2B5EF4-FFF2-40B4-BE49-F238E27FC236}">
+                <a16:creationId xmlns:a16="http://schemas.microsoft.com/office/drawing/2014/main" id="{5A28627F-E1D0-C827-A7F9-FAB4C1593B20}"/>
+              </a:ext>
+            </a:extLst>
+          </p:cNvPr>
+          <p:cNvPicPr>
+            <a:picLocks noChangeAspect="1"/>
+          </p:cNvPicPr>
+          <p:nvPr/>
+        </p:nvPicPr>
+        <p:blipFill>
+          <a:blip r:embed="rId2"/>
+          <a:stretch>
+            <a:fillRect/>
+          </a:stretch>
+        </p:blipFill>
+        <p:spPr>
+          <a:xfrm>
+            <a:off x="6726802" y="988906"/>
+            <a:ext cx="5058035" cy="4677015"/>
+          </a:xfrm>
+          <a:prstGeom prst="rect">
+            <a:avLst/>
+          </a:prstGeom>
+        </p:spPr>
+      </p:pic>
+    </p:spTree>
+    <p:extLst>
+      <p:ext uri="{BB962C8B-B14F-4D97-AF65-F5344CB8AC3E}">
+        <p14:creationId xmlns:p14="http://schemas.microsoft.com/office/powerpoint/2010/main" val="3430124951"/>
+      </p:ext>
+    </p:extLst>
+  </p:cSld>
+  <p:clrMapOvr>
+    <a:masterClrMapping/>
+  </p:clrMapOvr>
+</p:sld>
+</file>
+
+<file path=ppt/slides/slide59.xml><?xml version="1.0" encoding="utf-8"?>
+<p:sld xmlns:a="http://schemas.openxmlformats.org/drawingml/2006/main" xmlns:r="http://schemas.openxmlformats.org/officeDocument/2006/relationships" xmlns:p="http://schemas.openxmlformats.org/presentationml/2006/main">
+  <p:cSld>
+    <p:spTree>
+      <p:nvGrpSpPr>
+        <p:cNvPr id="1" name=""/>
+        <p:cNvGrpSpPr/>
+        <p:nvPr/>
+      </p:nvGrpSpPr>
+      <p:grpSpPr>
+        <a:xfrm>
+          <a:off x="0" y="0"/>
+          <a:ext cx="0" cy="0"/>
+          <a:chOff x="0" y="0"/>
+          <a:chExt cx="0" cy="0"/>
+        </a:xfrm>
+      </p:grpSpPr>
+      <p:sp>
+        <p:nvSpPr>
+          <p:cNvPr id="2" name="Title 1">
+            <a:extLst>
+              <a:ext uri="{FF2B5EF4-FFF2-40B4-BE49-F238E27FC236}">
+                <a16:creationId xmlns:a16="http://schemas.microsoft.com/office/drawing/2014/main" id="{AF60F9B0-81CE-4400-A782-C70B64996FD5}"/>
+              </a:ext>
+            </a:extLst>
+          </p:cNvPr>
+          <p:cNvSpPr>
+            <a:spLocks noGrp="1"/>
+          </p:cNvSpPr>
+          <p:nvPr>
+            <p:ph type="title"/>
+          </p:nvPr>
+        </p:nvSpPr>
+        <p:spPr/>
+        <p:txBody>
+          <a:bodyPr/>
+          <a:lstStyle/>
+          <a:p>
+            <a:r>
+              <a:rPr lang="en-US" dirty="0"/>
+              <a:t>Quadratic Timing Diagram</a:t>
+            </a:r>
+          </a:p>
+        </p:txBody>
+      </p:sp>
+      <p:sp>
+        <p:nvSpPr>
+          <p:cNvPr id="3" name="Content Placeholder 2">
+            <a:extLst>
+              <a:ext uri="{FF2B5EF4-FFF2-40B4-BE49-F238E27FC236}">
+                <a16:creationId xmlns:a16="http://schemas.microsoft.com/office/drawing/2014/main" id="{FF7CBC2D-80A2-B6B0-25B1-7C308DA797D0}"/>
+              </a:ext>
+            </a:extLst>
+          </p:cNvPr>
+          <p:cNvSpPr>
+            <a:spLocks noGrp="1"/>
+          </p:cNvSpPr>
+          <p:nvPr>
+            <p:ph idx="1"/>
+          </p:nvPr>
+        </p:nvSpPr>
+        <p:spPr/>
+        <p:txBody>
+          <a:bodyPr/>
+          <a:lstStyle/>
+          <a:p>
+            <a:r>
+              <a:rPr lang="en-US" dirty="0"/>
+              <a:t>Can see two cycle latency and pipelining</a:t>
+            </a:r>
+          </a:p>
+        </p:txBody>
+      </p:sp>
+      <p:sp>
+        <p:nvSpPr>
+          <p:cNvPr id="4" name="Slide Number Placeholder 3">
+            <a:extLst>
+              <a:ext uri="{FF2B5EF4-FFF2-40B4-BE49-F238E27FC236}">
+                <a16:creationId xmlns:a16="http://schemas.microsoft.com/office/drawing/2014/main" id="{C71E6E06-391A-7A33-04AE-60FDB67C9F72}"/>
+              </a:ext>
+            </a:extLst>
+          </p:cNvPr>
+          <p:cNvSpPr>
+            <a:spLocks noGrp="1"/>
+          </p:cNvSpPr>
+          <p:nvPr>
+            <p:ph type="sldNum" sz="quarter" idx="12"/>
+          </p:nvPr>
+        </p:nvSpPr>
+        <p:spPr/>
+        <p:txBody>
+          <a:bodyPr/>
+          <a:lstStyle/>
+          <a:p>
+            <a:fld id="{629637A9-119A-49DA-BD12-AAC58B377D80}" type="slidenum">
+              <a:rPr lang="en-US" smtClean="0"/>
+              <a:t>59</a:t>
+            </a:fld>
+            <a:endParaRPr lang="en-US" dirty="0"/>
+          </a:p>
+        </p:txBody>
+      </p:sp>
+      <p:pic>
+        <p:nvPicPr>
+          <p:cNvPr id="9" name="Picture 8">
+            <a:extLst>
+              <a:ext uri="{FF2B5EF4-FFF2-40B4-BE49-F238E27FC236}">
+                <a16:creationId xmlns:a16="http://schemas.microsoft.com/office/drawing/2014/main" id="{82696D0D-B552-1E7F-83D4-6D836E44BD0A}"/>
+              </a:ext>
+            </a:extLst>
+          </p:cNvPr>
+          <p:cNvPicPr>
+            <a:picLocks noChangeAspect="1"/>
+          </p:cNvPicPr>
+          <p:nvPr/>
+        </p:nvPicPr>
+        <p:blipFill>
+          <a:blip r:embed="rId2"/>
+          <a:stretch>
+            <a:fillRect/>
+          </a:stretch>
+        </p:blipFill>
+        <p:spPr>
+          <a:xfrm>
+            <a:off x="903810" y="2447925"/>
+            <a:ext cx="10251870" cy="3421169"/>
+          </a:xfrm>
+          <a:prstGeom prst="rect">
+            <a:avLst/>
+          </a:prstGeom>
+        </p:spPr>
+      </p:pic>
+    </p:spTree>
+    <p:extLst>
+      <p:ext uri="{BB962C8B-B14F-4D97-AF65-F5344CB8AC3E}">
+        <p14:creationId xmlns:p14="http://schemas.microsoft.com/office/powerpoint/2010/main" val="358130473"/>
       </p:ext>
     </p:extLst>
   </p:cSld>
